--- a/Use Case Diagram/UC_group.pptx
+++ b/Use Case Diagram/UC_group.pptx
@@ -105,6 +105,11 @@
       </a:defRPr>
     </a:lvl9pPr>
   </p:defaultTextStyle>
+  <p:extLst>
+    <p:ext uri="{EFAFB233-063F-42B5-8137-9DF3F51BA10A}">
+      <p15:sldGuideLst xmlns:p15="http://schemas.microsoft.com/office/powerpoint/2012/main"/>
+    </p:ext>
+  </p:extLst>
 </p:presentation>
 </file>
 
@@ -263,7 +268,7 @@
           <a:p>
             <a:fld id="{5202C541-B2DD-4733-9C70-4F2EA2223365}" type="datetimeFigureOut">
               <a:rPr lang="en-US" smtClean="0"/>
-              <a:t>4/13/2025</a:t>
+              <a:t>4/18/2025</a:t>
             </a:fld>
             <a:endParaRPr lang="en-US"/>
           </a:p>
@@ -461,7 +466,7 @@
           <a:p>
             <a:fld id="{5202C541-B2DD-4733-9C70-4F2EA2223365}" type="datetimeFigureOut">
               <a:rPr lang="en-US" smtClean="0"/>
-              <a:t>4/13/2025</a:t>
+              <a:t>4/18/2025</a:t>
             </a:fld>
             <a:endParaRPr lang="en-US"/>
           </a:p>
@@ -669,7 +674,7 @@
           <a:p>
             <a:fld id="{5202C541-B2DD-4733-9C70-4F2EA2223365}" type="datetimeFigureOut">
               <a:rPr lang="en-US" smtClean="0"/>
-              <a:t>4/13/2025</a:t>
+              <a:t>4/18/2025</a:t>
             </a:fld>
             <a:endParaRPr lang="en-US"/>
           </a:p>
@@ -867,7 +872,7 @@
           <a:p>
             <a:fld id="{5202C541-B2DD-4733-9C70-4F2EA2223365}" type="datetimeFigureOut">
               <a:rPr lang="en-US" smtClean="0"/>
-              <a:t>4/13/2025</a:t>
+              <a:t>4/18/2025</a:t>
             </a:fld>
             <a:endParaRPr lang="en-US"/>
           </a:p>
@@ -1142,7 +1147,7 @@
           <a:p>
             <a:fld id="{5202C541-B2DD-4733-9C70-4F2EA2223365}" type="datetimeFigureOut">
               <a:rPr lang="en-US" smtClean="0"/>
-              <a:t>4/13/2025</a:t>
+              <a:t>4/18/2025</a:t>
             </a:fld>
             <a:endParaRPr lang="en-US"/>
           </a:p>
@@ -1407,7 +1412,7 @@
           <a:p>
             <a:fld id="{5202C541-B2DD-4733-9C70-4F2EA2223365}" type="datetimeFigureOut">
               <a:rPr lang="en-US" smtClean="0"/>
-              <a:t>4/13/2025</a:t>
+              <a:t>4/18/2025</a:t>
             </a:fld>
             <a:endParaRPr lang="en-US"/>
           </a:p>
@@ -1819,7 +1824,7 @@
           <a:p>
             <a:fld id="{5202C541-B2DD-4733-9C70-4F2EA2223365}" type="datetimeFigureOut">
               <a:rPr lang="en-US" smtClean="0"/>
-              <a:t>4/13/2025</a:t>
+              <a:t>4/18/2025</a:t>
             </a:fld>
             <a:endParaRPr lang="en-US"/>
           </a:p>
@@ -1960,7 +1965,7 @@
           <a:p>
             <a:fld id="{5202C541-B2DD-4733-9C70-4F2EA2223365}" type="datetimeFigureOut">
               <a:rPr lang="en-US" smtClean="0"/>
-              <a:t>4/13/2025</a:t>
+              <a:t>4/18/2025</a:t>
             </a:fld>
             <a:endParaRPr lang="en-US"/>
           </a:p>
@@ -2073,7 +2078,7 @@
           <a:p>
             <a:fld id="{5202C541-B2DD-4733-9C70-4F2EA2223365}" type="datetimeFigureOut">
               <a:rPr lang="en-US" smtClean="0"/>
-              <a:t>4/13/2025</a:t>
+              <a:t>4/18/2025</a:t>
             </a:fld>
             <a:endParaRPr lang="en-US"/>
           </a:p>
@@ -2384,7 +2389,7 @@
           <a:p>
             <a:fld id="{5202C541-B2DD-4733-9C70-4F2EA2223365}" type="datetimeFigureOut">
               <a:rPr lang="en-US" smtClean="0"/>
-              <a:t>4/13/2025</a:t>
+              <a:t>4/18/2025</a:t>
             </a:fld>
             <a:endParaRPr lang="en-US"/>
           </a:p>
@@ -2672,7 +2677,7 @@
           <a:p>
             <a:fld id="{5202C541-B2DD-4733-9C70-4F2EA2223365}" type="datetimeFigureOut">
               <a:rPr lang="en-US" smtClean="0"/>
-              <a:t>4/13/2025</a:t>
+              <a:t>4/18/2025</a:t>
             </a:fld>
             <a:endParaRPr lang="en-US"/>
           </a:p>
@@ -2913,7 +2918,7 @@
           <a:p>
             <a:fld id="{5202C541-B2DD-4733-9C70-4F2EA2223365}" type="datetimeFigureOut">
               <a:rPr lang="en-US" smtClean="0"/>
-              <a:t>4/13/2025</a:t>
+              <a:t>4/18/2025</a:t>
             </a:fld>
             <a:endParaRPr lang="en-US"/>
           </a:p>
@@ -5118,6 +5123,7 @@
             <a:avLst/>
           </a:prstGeom>
           <a:ln>
+            <a:prstDash val="sysDot"/>
             <a:tailEnd type="triangle"/>
           </a:ln>
         </p:spPr>
@@ -5475,6 +5481,7 @@
             <a:avLst/>
           </a:prstGeom>
           <a:ln>
+            <a:prstDash val="sysDot"/>
             <a:tailEnd type="triangle"/>
           </a:ln>
         </p:spPr>
@@ -6749,6 +6756,7 @@
             <a:avLst/>
           </a:prstGeom>
           <a:ln>
+            <a:prstDash val="sysDot"/>
             <a:tailEnd type="triangle"/>
           </a:ln>
         </p:spPr>
@@ -7768,6 +7776,7 @@
             <a:avLst/>
           </a:prstGeom>
           <a:ln>
+            <a:prstDash val="sysDot"/>
             <a:tailEnd type="triangle"/>
           </a:ln>
         </p:spPr>
@@ -7901,6 +7910,7 @@
             <a:avLst/>
           </a:prstGeom>
           <a:ln>
+            <a:prstDash val="sysDot"/>
             <a:tailEnd type="triangle"/>
           </a:ln>
         </p:spPr>
@@ -7933,8 +7943,8 @@
         </p:nvSpPr>
         <p:spPr>
           <a:xfrm>
-            <a:off x="5089989" y="528769"/>
-            <a:ext cx="1248696" cy="307777"/>
+            <a:off x="5089989" y="514681"/>
+            <a:ext cx="1117867" cy="307777"/>
           </a:xfrm>
           <a:prstGeom prst="rect">
             <a:avLst/>
@@ -8301,7 +8311,11 @@
   </a:themeElements>
   <a:objectDefaults>
     <a:lnDef>
-      <a:spPr/>
+      <a:spPr>
+        <a:ln>
+          <a:tailEnd type="triangle"/>
+        </a:ln>
+      </a:spPr>
       <a:bodyPr/>
       <a:lstStyle/>
       <a:style>
@@ -8330,6 +8344,23 @@
 </file>
 
 <file path=customXml/item1.xml><?xml version="1.0" encoding="utf-8"?>
+<p:properties xmlns:p="http://schemas.microsoft.com/office/2006/metadata/properties" xmlns:xsi="http://www.w3.org/2001/XMLSchema-instance" xmlns:pc="http://schemas.microsoft.com/office/infopath/2007/PartnerControls">
+  <documentManagement>
+    <_activity xmlns="c80d803b-ee30-4cf1-8997-d5dbef288d47" xsi:nil="true"/>
+  </documentManagement>
+</p:properties>
+</file>
+
+<file path=customXml/item2.xml><?xml version="1.0" encoding="utf-8"?>
+<?mso-contentType ?>
+<FormTemplates xmlns="http://schemas.microsoft.com/sharepoint/v3/contenttype/forms">
+  <Display>DocumentLibraryForm</Display>
+  <Edit>DocumentLibraryForm</Edit>
+  <New>DocumentLibraryForm</New>
+</FormTemplates>
+</file>
+
+<file path=customXml/item3.xml><?xml version="1.0" encoding="utf-8"?>
 <ct:contentTypeSchema xmlns:ct="http://schemas.microsoft.com/office/2006/metadata/contentType" xmlns:ma="http://schemas.microsoft.com/office/2006/metadata/properties/metaAttributes" ct:_="" ma:_="" ma:contentTypeName="Document" ma:contentTypeID="0x01010091885E8D135CD643938305DEC3E1B53E" ma:contentTypeVersion="15" ma:contentTypeDescription="Create a new document." ma:contentTypeScope="" ma:versionID="a6814ea74d3fb77b5ad977a3843b2846">
   <xsd:schema xmlns:xsd="http://www.w3.org/2001/XMLSchema" xmlns:xs="http://www.w3.org/2001/XMLSchema" xmlns:p="http://schemas.microsoft.com/office/2006/metadata/properties" xmlns:ns3="c80d803b-ee30-4cf1-8997-d5dbef288d47" xmlns:ns4="1c1e4822-5b82-4cb4-a39e-28e929ec74cb" targetNamespace="http://schemas.microsoft.com/office/2006/metadata/properties" ma:root="true" ma:fieldsID="20e89a6ac46c5aeb3e918dc78faa7076" ns3:_="" ns4:_="">
     <xsd:import namespace="c80d803b-ee30-4cf1-8997-d5dbef288d47"/>
@@ -8562,24 +8593,32 @@
 </ct:contentTypeSchema>
 </file>
 
-<file path=customXml/item2.xml><?xml version="1.0" encoding="utf-8"?>
-<?mso-contentType ?>
-<FormTemplates xmlns="http://schemas.microsoft.com/sharepoint/v3/contenttype/forms">
-  <Display>DocumentLibraryForm</Display>
-  <Edit>DocumentLibraryForm</Edit>
-  <New>DocumentLibraryForm</New>
-</FormTemplates>
+<file path=customXml/itemProps1.xml><?xml version="1.0" encoding="utf-8"?>
+<ds:datastoreItem xmlns:ds="http://schemas.openxmlformats.org/officeDocument/2006/customXml" ds:itemID="{62708EBF-A450-4275-BE92-5350CCD7E3D8}">
+  <ds:schemaRefs>
+    <ds:schemaRef ds:uri="http://schemas.microsoft.com/office/2006/documentManagement/types"/>
+    <ds:schemaRef ds:uri="http://purl.org/dc/dcmitype/"/>
+    <ds:schemaRef ds:uri="http://purl.org/dc/elements/1.1/"/>
+    <ds:schemaRef ds:uri="http://schemas.microsoft.com/office/infopath/2007/PartnerControls"/>
+    <ds:schemaRef ds:uri="http://schemas.openxmlformats.org/package/2006/metadata/core-properties"/>
+    <ds:schemaRef ds:uri="http://www.w3.org/XML/1998/namespace"/>
+    <ds:schemaRef ds:uri="1c1e4822-5b82-4cb4-a39e-28e929ec74cb"/>
+    <ds:schemaRef ds:uri="c80d803b-ee30-4cf1-8997-d5dbef288d47"/>
+    <ds:schemaRef ds:uri="http://schemas.microsoft.com/office/2006/metadata/properties"/>
+    <ds:schemaRef ds:uri="http://purl.org/dc/terms/"/>
+  </ds:schemaRefs>
+</ds:datastoreItem>
 </file>
 
-<file path=customXml/item3.xml><?xml version="1.0" encoding="utf-8"?>
-<p:properties xmlns:p="http://schemas.microsoft.com/office/2006/metadata/properties" xmlns:xsi="http://www.w3.org/2001/XMLSchema-instance" xmlns:pc="http://schemas.microsoft.com/office/infopath/2007/PartnerControls">
-  <documentManagement>
-    <_activity xmlns="c80d803b-ee30-4cf1-8997-d5dbef288d47" xsi:nil="true"/>
-  </documentManagement>
-</p:properties>
+<file path=customXml/itemProps2.xml><?xml version="1.0" encoding="utf-8"?>
+<ds:datastoreItem xmlns:ds="http://schemas.openxmlformats.org/officeDocument/2006/customXml" ds:itemID="{CC0F71D0-B456-499C-9723-E5E42E4AD08D}">
+  <ds:schemaRefs>
+    <ds:schemaRef ds:uri="http://schemas.microsoft.com/sharepoint/v3/contenttype/forms"/>
+  </ds:schemaRefs>
+</ds:datastoreItem>
 </file>
 
-<file path=customXml/itemProps1.xml><?xml version="1.0" encoding="utf-8"?>
+<file path=customXml/itemProps3.xml><?xml version="1.0" encoding="utf-8"?>
 <ds:datastoreItem xmlns:ds="http://schemas.openxmlformats.org/officeDocument/2006/customXml" ds:itemID="{E7720A69-3D9A-4641-9490-F8E3EC0921C6}">
   <ds:schemaRefs>
     <ds:schemaRef ds:uri="http://schemas.microsoft.com/office/2006/metadata/contentType"/>
@@ -8596,29 +8635,4 @@
     <ds:schemaRef ds:uri="http://schemas.microsoft.com/internal/obd"/>
   </ds:schemaRefs>
 </ds:datastoreItem>
-</file>
-
-<file path=customXml/itemProps2.xml><?xml version="1.0" encoding="utf-8"?>
-<ds:datastoreItem xmlns:ds="http://schemas.openxmlformats.org/officeDocument/2006/customXml" ds:itemID="{CC0F71D0-B456-499C-9723-E5E42E4AD08D}">
-  <ds:schemaRefs>
-    <ds:schemaRef ds:uri="http://schemas.microsoft.com/sharepoint/v3/contenttype/forms"/>
-  </ds:schemaRefs>
-</ds:datastoreItem>
-</file>
-
-<file path=customXml/itemProps3.xml><?xml version="1.0" encoding="utf-8"?>
-<ds:datastoreItem xmlns:ds="http://schemas.openxmlformats.org/officeDocument/2006/customXml" ds:itemID="{62708EBF-A450-4275-BE92-5350CCD7E3D8}">
-  <ds:schemaRefs>
-    <ds:schemaRef ds:uri="http://schemas.microsoft.com/office/2006/documentManagement/types"/>
-    <ds:schemaRef ds:uri="http://purl.org/dc/dcmitype/"/>
-    <ds:schemaRef ds:uri="http://purl.org/dc/elements/1.1/"/>
-    <ds:schemaRef ds:uri="http://schemas.microsoft.com/office/infopath/2007/PartnerControls"/>
-    <ds:schemaRef ds:uri="http://schemas.openxmlformats.org/package/2006/metadata/core-properties"/>
-    <ds:schemaRef ds:uri="http://www.w3.org/XML/1998/namespace"/>
-    <ds:schemaRef ds:uri="1c1e4822-5b82-4cb4-a39e-28e929ec74cb"/>
-    <ds:schemaRef ds:uri="c80d803b-ee30-4cf1-8997-d5dbef288d47"/>
-    <ds:schemaRef ds:uri="http://schemas.microsoft.com/office/2006/metadata/properties"/>
-    <ds:schemaRef ds:uri="http://purl.org/dc/terms/"/>
-  </ds:schemaRefs>
-</ds:datastoreItem>
 </file>
--- a/Use Case Diagram/UC_group.pptx
+++ b/Use Case Diagram/UC_group.pptx
@@ -268,7 +268,7 @@
           <a:p>
             <a:fld id="{5202C541-B2DD-4733-9C70-4F2EA2223365}" type="datetimeFigureOut">
               <a:rPr lang="en-US" smtClean="0"/>
-              <a:t>4/18/2025</a:t>
+              <a:t>5/8/2025</a:t>
             </a:fld>
             <a:endParaRPr lang="en-US"/>
           </a:p>
@@ -466,7 +466,7 @@
           <a:p>
             <a:fld id="{5202C541-B2DD-4733-9C70-4F2EA2223365}" type="datetimeFigureOut">
               <a:rPr lang="en-US" smtClean="0"/>
-              <a:t>4/18/2025</a:t>
+              <a:t>5/8/2025</a:t>
             </a:fld>
             <a:endParaRPr lang="en-US"/>
           </a:p>
@@ -674,7 +674,7 @@
           <a:p>
             <a:fld id="{5202C541-B2DD-4733-9C70-4F2EA2223365}" type="datetimeFigureOut">
               <a:rPr lang="en-US" smtClean="0"/>
-              <a:t>4/18/2025</a:t>
+              <a:t>5/8/2025</a:t>
             </a:fld>
             <a:endParaRPr lang="en-US"/>
           </a:p>
@@ -872,7 +872,7 @@
           <a:p>
             <a:fld id="{5202C541-B2DD-4733-9C70-4F2EA2223365}" type="datetimeFigureOut">
               <a:rPr lang="en-US" smtClean="0"/>
-              <a:t>4/18/2025</a:t>
+              <a:t>5/8/2025</a:t>
             </a:fld>
             <a:endParaRPr lang="en-US"/>
           </a:p>
@@ -1147,7 +1147,7 @@
           <a:p>
             <a:fld id="{5202C541-B2DD-4733-9C70-4F2EA2223365}" type="datetimeFigureOut">
               <a:rPr lang="en-US" smtClean="0"/>
-              <a:t>4/18/2025</a:t>
+              <a:t>5/8/2025</a:t>
             </a:fld>
             <a:endParaRPr lang="en-US"/>
           </a:p>
@@ -1412,7 +1412,7 @@
           <a:p>
             <a:fld id="{5202C541-B2DD-4733-9C70-4F2EA2223365}" type="datetimeFigureOut">
               <a:rPr lang="en-US" smtClean="0"/>
-              <a:t>4/18/2025</a:t>
+              <a:t>5/8/2025</a:t>
             </a:fld>
             <a:endParaRPr lang="en-US"/>
           </a:p>
@@ -1824,7 +1824,7 @@
           <a:p>
             <a:fld id="{5202C541-B2DD-4733-9C70-4F2EA2223365}" type="datetimeFigureOut">
               <a:rPr lang="en-US" smtClean="0"/>
-              <a:t>4/18/2025</a:t>
+              <a:t>5/8/2025</a:t>
             </a:fld>
             <a:endParaRPr lang="en-US"/>
           </a:p>
@@ -1965,7 +1965,7 @@
           <a:p>
             <a:fld id="{5202C541-B2DD-4733-9C70-4F2EA2223365}" type="datetimeFigureOut">
               <a:rPr lang="en-US" smtClean="0"/>
-              <a:t>4/18/2025</a:t>
+              <a:t>5/8/2025</a:t>
             </a:fld>
             <a:endParaRPr lang="en-US"/>
           </a:p>
@@ -2078,7 +2078,7 @@
           <a:p>
             <a:fld id="{5202C541-B2DD-4733-9C70-4F2EA2223365}" type="datetimeFigureOut">
               <a:rPr lang="en-US" smtClean="0"/>
-              <a:t>4/18/2025</a:t>
+              <a:t>5/8/2025</a:t>
             </a:fld>
             <a:endParaRPr lang="en-US"/>
           </a:p>
@@ -2389,7 +2389,7 @@
           <a:p>
             <a:fld id="{5202C541-B2DD-4733-9C70-4F2EA2223365}" type="datetimeFigureOut">
               <a:rPr lang="en-US" smtClean="0"/>
-              <a:t>4/18/2025</a:t>
+              <a:t>5/8/2025</a:t>
             </a:fld>
             <a:endParaRPr lang="en-US"/>
           </a:p>
@@ -2677,7 +2677,7 @@
           <a:p>
             <a:fld id="{5202C541-B2DD-4733-9C70-4F2EA2223365}" type="datetimeFigureOut">
               <a:rPr lang="en-US" smtClean="0"/>
-              <a:t>4/18/2025</a:t>
+              <a:t>5/8/2025</a:t>
             </a:fld>
             <a:endParaRPr lang="en-US"/>
           </a:p>
@@ -2918,7 +2918,7 @@
           <a:p>
             <a:fld id="{5202C541-B2DD-4733-9C70-4F2EA2223365}" type="datetimeFigureOut">
               <a:rPr lang="en-US" smtClean="0"/>
-              <a:t>4/18/2025</a:t>
+              <a:t>5/8/2025</a:t>
             </a:fld>
             <a:endParaRPr lang="en-US"/>
           </a:p>
@@ -5745,8 +5745,8 @@
         </p:nvSpPr>
         <p:spPr>
           <a:xfrm>
-            <a:off x="3011143" y="-2979"/>
-            <a:ext cx="6354338" cy="5540548"/>
+            <a:off x="2950319" y="52338"/>
+            <a:ext cx="6354338" cy="6860979"/>
           </a:xfrm>
           <a:prstGeom prst="rect">
             <a:avLst/>
@@ -6479,7 +6479,7 @@
         </p:nvSpPr>
         <p:spPr>
           <a:xfrm>
-            <a:off x="5452814" y="2237773"/>
+            <a:off x="5385656" y="1578224"/>
             <a:ext cx="1858297" cy="393290"/>
           </a:xfrm>
           <a:prstGeom prst="ellipse">
@@ -6531,7 +6531,7 @@
         </p:nvSpPr>
         <p:spPr>
           <a:xfrm>
-            <a:off x="5496652" y="3314891"/>
+            <a:off x="5527274" y="5270936"/>
             <a:ext cx="1858297" cy="393290"/>
           </a:xfrm>
           <a:prstGeom prst="ellipse">
@@ -6742,15 +6742,15 @@
             </a:extLst>
           </p:cNvPr>
           <p:cNvCxnSpPr>
-            <a:stCxn id="61" idx="4"/>
+            <a:cxnSpLocks/>
             <a:endCxn id="62" idx="0"/>
           </p:cNvCxnSpPr>
           <p:nvPr/>
         </p:nvCxnSpPr>
         <p:spPr>
           <a:xfrm>
-            <a:off x="6381963" y="2631063"/>
-            <a:ext cx="43838" cy="683828"/>
+            <a:off x="5050477" y="3787470"/>
+            <a:ext cx="1405946" cy="1483466"/>
           </a:xfrm>
           <a:prstGeom prst="straightConnector1">
             <a:avLst/>
@@ -6789,7 +6789,7 @@
         </p:nvSpPr>
         <p:spPr>
           <a:xfrm>
-            <a:off x="5743164" y="2776683"/>
+            <a:off x="5901614" y="4706674"/>
             <a:ext cx="1248696" cy="307777"/>
           </a:xfrm>
           <a:prstGeom prst="rect">
@@ -6876,7 +6876,7 @@
         <p:spPr>
           <a:xfrm>
             <a:off x="1237232" y="2487042"/>
-            <a:ext cx="4259420" cy="1024494"/>
+            <a:ext cx="4290042" cy="2980539"/>
           </a:xfrm>
           <a:prstGeom prst="line">
             <a:avLst/>
@@ -6963,7 +6963,7 @@
         </p:nvSpPr>
         <p:spPr>
           <a:xfrm>
-            <a:off x="7028451" y="1797285"/>
+            <a:off x="6789412" y="3286183"/>
             <a:ext cx="2203535" cy="393290"/>
           </a:xfrm>
           <a:prstGeom prst="ellipse">
@@ -7015,7 +7015,7 @@
         </p:nvSpPr>
         <p:spPr>
           <a:xfrm>
-            <a:off x="7137004" y="2712717"/>
+            <a:off x="3963881" y="3361441"/>
             <a:ext cx="2203535" cy="393290"/>
           </a:xfrm>
           <a:prstGeom prst="ellipse">
@@ -7063,15 +7063,15 @@
             </a:extLst>
           </p:cNvPr>
           <p:cNvCxnSpPr>
-            <a:stCxn id="14" idx="2"/>
-            <a:endCxn id="61" idx="6"/>
+            <a:cxnSpLocks/>
+            <a:stCxn id="14" idx="0"/>
           </p:cNvCxnSpPr>
           <p:nvPr/>
         </p:nvCxnSpPr>
         <p:spPr>
-          <a:xfrm>
-            <a:off x="7028451" y="1993930"/>
-            <a:ext cx="282660" cy="440488"/>
+          <a:xfrm flipH="1" flipV="1">
+            <a:off x="6765077" y="1970558"/>
+            <a:ext cx="1126103" cy="1315625"/>
           </a:xfrm>
           <a:prstGeom prst="straightConnector1">
             <a:avLst/>
@@ -7106,15 +7106,14 @@
           </p:cNvPr>
           <p:cNvCxnSpPr>
             <a:cxnSpLocks/>
-            <a:stCxn id="16" idx="2"/>
-            <a:endCxn id="61" idx="6"/>
+            <a:stCxn id="16" idx="0"/>
           </p:cNvCxnSpPr>
           <p:nvPr/>
         </p:nvCxnSpPr>
         <p:spPr>
           <a:xfrm flipV="1">
-            <a:off x="7137004" y="2434418"/>
-            <a:ext cx="174107" cy="474944"/>
+            <a:off x="5065649" y="1925553"/>
+            <a:ext cx="814251" cy="1435888"/>
           </a:xfrm>
           <a:prstGeom prst="straightConnector1">
             <a:avLst/>
@@ -7152,7 +7151,7 @@
         </p:nvSpPr>
         <p:spPr>
           <a:xfrm>
-            <a:off x="3124919" y="1202858"/>
+            <a:off x="3092463" y="2051927"/>
             <a:ext cx="1858297" cy="393290"/>
           </a:xfrm>
           <a:prstGeom prst="ellipse">
@@ -7204,7 +7203,7 @@
         </p:nvSpPr>
         <p:spPr>
           <a:xfrm>
-            <a:off x="4669745" y="1596994"/>
+            <a:off x="3979184" y="2697379"/>
             <a:ext cx="1204663" cy="307777"/>
           </a:xfrm>
           <a:prstGeom prst="rect">
@@ -7244,14 +7243,14 @@
           <p:cNvCxnSpPr>
             <a:cxnSpLocks/>
             <a:stCxn id="44" idx="0"/>
-            <a:endCxn id="54" idx="2"/>
+            <a:endCxn id="54" idx="0"/>
           </p:cNvCxnSpPr>
           <p:nvPr/>
         </p:nvCxnSpPr>
         <p:spPr>
           <a:xfrm>
             <a:off x="1688181" y="1184423"/>
-            <a:ext cx="1436738" cy="215080"/>
+            <a:ext cx="2333431" cy="867504"/>
           </a:xfrm>
           <a:prstGeom prst="line">
             <a:avLst/>
@@ -7601,7 +7600,7 @@
         <p:spPr>
           <a:xfrm>
             <a:off x="1688181" y="1184423"/>
-            <a:ext cx="3764633" cy="1249995"/>
+            <a:ext cx="3697475" cy="590446"/>
           </a:xfrm>
           <a:prstGeom prst="line">
             <a:avLst/>
@@ -7636,7 +7635,7 @@
         </p:nvSpPr>
         <p:spPr>
           <a:xfrm>
-            <a:off x="5552781" y="4374185"/>
+            <a:off x="5648922" y="6193873"/>
             <a:ext cx="1858297" cy="393290"/>
           </a:xfrm>
           <a:prstGeom prst="ellipse">
@@ -7663,7 +7662,7 @@
           <a:p>
             <a:pPr algn="ctr"/>
             <a:r>
-              <a:rPr lang="vi-VN" sz="1400">
+              <a:rPr lang="vi-VN" sz="1400" dirty="0">
                 <a:latin typeface="+mj-lt"/>
               </a:rPr>
               <a:t>Thông báo tới người dùng</a:t>
@@ -7692,7 +7691,7 @@
         <p:spPr>
           <a:xfrm>
             <a:off x="1688181" y="1184423"/>
-            <a:ext cx="3864600" cy="3386407"/>
+            <a:ext cx="3960741" cy="5206095"/>
           </a:xfrm>
           <a:prstGeom prst="line">
             <a:avLst/>
@@ -7730,8 +7729,8 @@
         </p:nvCxnSpPr>
         <p:spPr>
           <a:xfrm flipH="1">
-            <a:off x="7411078" y="2097220"/>
-            <a:ext cx="3191064" cy="2473610"/>
+            <a:off x="7507219" y="2097220"/>
+            <a:ext cx="3094923" cy="4293298"/>
           </a:xfrm>
           <a:prstGeom prst="line">
             <a:avLst/>
@@ -7762,15 +7761,16 @@
             </a:extLst>
           </p:cNvPr>
           <p:cNvCxnSpPr>
+            <a:cxnSpLocks/>
             <a:stCxn id="54" idx="4"/>
-            <a:endCxn id="61" idx="2"/>
+            <a:endCxn id="16" idx="0"/>
           </p:cNvCxnSpPr>
           <p:nvPr/>
         </p:nvCxnSpPr>
         <p:spPr>
           <a:xfrm>
-            <a:off x="4054068" y="1596148"/>
-            <a:ext cx="1398746" cy="838270"/>
+            <a:off x="4021612" y="2445217"/>
+            <a:ext cx="1044037" cy="916224"/>
           </a:xfrm>
           <a:prstGeom prst="straightConnector1">
             <a:avLst/>
@@ -7988,9 +7988,9 @@
           <p:nvPr/>
         </p:nvCxnSpPr>
         <p:spPr>
-          <a:xfrm flipV="1">
-            <a:off x="7311111" y="2163268"/>
-            <a:ext cx="3319829" cy="271150"/>
+          <a:xfrm>
+            <a:off x="7243953" y="1774869"/>
+            <a:ext cx="3386987" cy="388399"/>
           </a:xfrm>
           <a:prstGeom prst="line">
             <a:avLst/>
@@ -8344,20 +8344,20 @@
 </file>
 
 <file path=customXml/item1.xml><?xml version="1.0" encoding="utf-8"?>
-<p:properties xmlns:p="http://schemas.microsoft.com/office/2006/metadata/properties" xmlns:xsi="http://www.w3.org/2001/XMLSchema-instance" xmlns:pc="http://schemas.microsoft.com/office/infopath/2007/PartnerControls">
-  <documentManagement>
-    <_activity xmlns="c80d803b-ee30-4cf1-8997-d5dbef288d47" xsi:nil="true"/>
-  </documentManagement>
-</p:properties>
-</file>
-
-<file path=customXml/item2.xml><?xml version="1.0" encoding="utf-8"?>
 <?mso-contentType ?>
 <FormTemplates xmlns="http://schemas.microsoft.com/sharepoint/v3/contenttype/forms">
   <Display>DocumentLibraryForm</Display>
   <Edit>DocumentLibraryForm</Edit>
   <New>DocumentLibraryForm</New>
 </FormTemplates>
+</file>
+
+<file path=customXml/item2.xml><?xml version="1.0" encoding="utf-8"?>
+<p:properties xmlns:p="http://schemas.microsoft.com/office/2006/metadata/properties" xmlns:xsi="http://www.w3.org/2001/XMLSchema-instance" xmlns:pc="http://schemas.microsoft.com/office/infopath/2007/PartnerControls">
+  <documentManagement>
+    <_activity xmlns="c80d803b-ee30-4cf1-8997-d5dbef288d47" xsi:nil="true"/>
+  </documentManagement>
+</p:properties>
 </file>
 
 <file path=customXml/item3.xml><?xml version="1.0" encoding="utf-8"?>
@@ -8594,6 +8594,14 @@
 </file>
 
 <file path=customXml/itemProps1.xml><?xml version="1.0" encoding="utf-8"?>
+<ds:datastoreItem xmlns:ds="http://schemas.openxmlformats.org/officeDocument/2006/customXml" ds:itemID="{CC0F71D0-B456-499C-9723-E5E42E4AD08D}">
+  <ds:schemaRefs>
+    <ds:schemaRef ds:uri="http://schemas.microsoft.com/sharepoint/v3/contenttype/forms"/>
+  </ds:schemaRefs>
+</ds:datastoreItem>
+</file>
+
+<file path=customXml/itemProps2.xml><?xml version="1.0" encoding="utf-8"?>
 <ds:datastoreItem xmlns:ds="http://schemas.openxmlformats.org/officeDocument/2006/customXml" ds:itemID="{62708EBF-A450-4275-BE92-5350CCD7E3D8}">
   <ds:schemaRefs>
     <ds:schemaRef ds:uri="http://schemas.microsoft.com/office/2006/documentManagement/types"/>
@@ -8606,14 +8614,6 @@
     <ds:schemaRef ds:uri="c80d803b-ee30-4cf1-8997-d5dbef288d47"/>
     <ds:schemaRef ds:uri="http://schemas.microsoft.com/office/2006/metadata/properties"/>
     <ds:schemaRef ds:uri="http://purl.org/dc/terms/"/>
-  </ds:schemaRefs>
-</ds:datastoreItem>
-</file>
-
-<file path=customXml/itemProps2.xml><?xml version="1.0" encoding="utf-8"?>
-<ds:datastoreItem xmlns:ds="http://schemas.openxmlformats.org/officeDocument/2006/customXml" ds:itemID="{CC0F71D0-B456-499C-9723-E5E42E4AD08D}">
-  <ds:schemaRefs>
-    <ds:schemaRef ds:uri="http://schemas.microsoft.com/sharepoint/v3/contenttype/forms"/>
   </ds:schemaRefs>
 </ds:datastoreItem>
 </file>

--- a/Use Case Diagram/UC_group.pptx
+++ b/Use Case Diagram/UC_group.pptx
@@ -268,7 +268,7 @@
           <a:p>
             <a:fld id="{5202C541-B2DD-4733-9C70-4F2EA2223365}" type="datetimeFigureOut">
               <a:rPr lang="en-US" smtClean="0"/>
-              <a:t>5/8/2025</a:t>
+              <a:t>5/10/2025</a:t>
             </a:fld>
             <a:endParaRPr lang="en-US"/>
           </a:p>
@@ -466,7 +466,7 @@
           <a:p>
             <a:fld id="{5202C541-B2DD-4733-9C70-4F2EA2223365}" type="datetimeFigureOut">
               <a:rPr lang="en-US" smtClean="0"/>
-              <a:t>5/8/2025</a:t>
+              <a:t>5/10/2025</a:t>
             </a:fld>
             <a:endParaRPr lang="en-US"/>
           </a:p>
@@ -674,7 +674,7 @@
           <a:p>
             <a:fld id="{5202C541-B2DD-4733-9C70-4F2EA2223365}" type="datetimeFigureOut">
               <a:rPr lang="en-US" smtClean="0"/>
-              <a:t>5/8/2025</a:t>
+              <a:t>5/10/2025</a:t>
             </a:fld>
             <a:endParaRPr lang="en-US"/>
           </a:p>
@@ -872,7 +872,7 @@
           <a:p>
             <a:fld id="{5202C541-B2DD-4733-9C70-4F2EA2223365}" type="datetimeFigureOut">
               <a:rPr lang="en-US" smtClean="0"/>
-              <a:t>5/8/2025</a:t>
+              <a:t>5/10/2025</a:t>
             </a:fld>
             <a:endParaRPr lang="en-US"/>
           </a:p>
@@ -1147,7 +1147,7 @@
           <a:p>
             <a:fld id="{5202C541-B2DD-4733-9C70-4F2EA2223365}" type="datetimeFigureOut">
               <a:rPr lang="en-US" smtClean="0"/>
-              <a:t>5/8/2025</a:t>
+              <a:t>5/10/2025</a:t>
             </a:fld>
             <a:endParaRPr lang="en-US"/>
           </a:p>
@@ -1412,7 +1412,7 @@
           <a:p>
             <a:fld id="{5202C541-B2DD-4733-9C70-4F2EA2223365}" type="datetimeFigureOut">
               <a:rPr lang="en-US" smtClean="0"/>
-              <a:t>5/8/2025</a:t>
+              <a:t>5/10/2025</a:t>
             </a:fld>
             <a:endParaRPr lang="en-US"/>
           </a:p>
@@ -1824,7 +1824,7 @@
           <a:p>
             <a:fld id="{5202C541-B2DD-4733-9C70-4F2EA2223365}" type="datetimeFigureOut">
               <a:rPr lang="en-US" smtClean="0"/>
-              <a:t>5/8/2025</a:t>
+              <a:t>5/10/2025</a:t>
             </a:fld>
             <a:endParaRPr lang="en-US"/>
           </a:p>
@@ -1965,7 +1965,7 @@
           <a:p>
             <a:fld id="{5202C541-B2DD-4733-9C70-4F2EA2223365}" type="datetimeFigureOut">
               <a:rPr lang="en-US" smtClean="0"/>
-              <a:t>5/8/2025</a:t>
+              <a:t>5/10/2025</a:t>
             </a:fld>
             <a:endParaRPr lang="en-US"/>
           </a:p>
@@ -2078,7 +2078,7 @@
           <a:p>
             <a:fld id="{5202C541-B2DD-4733-9C70-4F2EA2223365}" type="datetimeFigureOut">
               <a:rPr lang="en-US" smtClean="0"/>
-              <a:t>5/8/2025</a:t>
+              <a:t>5/10/2025</a:t>
             </a:fld>
             <a:endParaRPr lang="en-US"/>
           </a:p>
@@ -2389,7 +2389,7 @@
           <a:p>
             <a:fld id="{5202C541-B2DD-4733-9C70-4F2EA2223365}" type="datetimeFigureOut">
               <a:rPr lang="en-US" smtClean="0"/>
-              <a:t>5/8/2025</a:t>
+              <a:t>5/10/2025</a:t>
             </a:fld>
             <a:endParaRPr lang="en-US"/>
           </a:p>
@@ -2677,7 +2677,7 @@
           <a:p>
             <a:fld id="{5202C541-B2DD-4733-9C70-4F2EA2223365}" type="datetimeFigureOut">
               <a:rPr lang="en-US" smtClean="0"/>
-              <a:t>5/8/2025</a:t>
+              <a:t>5/10/2025</a:t>
             </a:fld>
             <a:endParaRPr lang="en-US"/>
           </a:p>
@@ -2918,7 +2918,7 @@
           <a:p>
             <a:fld id="{5202C541-B2DD-4733-9C70-4F2EA2223365}" type="datetimeFigureOut">
               <a:rPr lang="en-US" smtClean="0"/>
-              <a:t>5/8/2025</a:t>
+              <a:t>5/10/2025</a:t>
             </a:fld>
             <a:endParaRPr lang="en-US"/>
           </a:p>
@@ -6517,58 +6517,6 @@
           </a:p>
         </p:txBody>
       </p:sp>
-      <p:sp>
-        <p:nvSpPr>
-          <p:cNvPr id="62" name="Oval 61">
-            <a:extLst>
-              <a:ext uri="{FF2B5EF4-FFF2-40B4-BE49-F238E27FC236}">
-                <a16:creationId xmlns:a16="http://schemas.microsoft.com/office/drawing/2014/main" id="{572FB954-A2C0-6685-4B38-684F444428E4}"/>
-              </a:ext>
-            </a:extLst>
-          </p:cNvPr>
-          <p:cNvSpPr/>
-          <p:nvPr/>
-        </p:nvSpPr>
-        <p:spPr>
-          <a:xfrm>
-            <a:off x="5527274" y="5270936"/>
-            <a:ext cx="1858297" cy="393290"/>
-          </a:xfrm>
-          <a:prstGeom prst="ellipse">
-            <a:avLst/>
-          </a:prstGeom>
-        </p:spPr>
-        <p:style>
-          <a:lnRef idx="2">
-            <a:schemeClr val="accent6"/>
-          </a:lnRef>
-          <a:fillRef idx="1">
-            <a:schemeClr val="lt1"/>
-          </a:fillRef>
-          <a:effectRef idx="0">
-            <a:schemeClr val="accent6"/>
-          </a:effectRef>
-          <a:fontRef idx="minor">
-            <a:schemeClr val="dk1"/>
-          </a:fontRef>
-        </p:style>
-        <p:txBody>
-          <a:bodyPr rtlCol="0" anchor="ctr"/>
-          <a:lstStyle/>
-          <a:p>
-            <a:pPr algn="ctr"/>
-            <a:r>
-              <a:rPr lang="vi-VN" sz="1400" dirty="0">
-                <a:latin typeface="+mj-lt"/>
-              </a:rPr>
-              <a:t>Xét yêu cầu tham gia nhóm</a:t>
-            </a:r>
-            <a:endParaRPr lang="en-US" sz="1400" dirty="0">
-              <a:latin typeface="+mj-lt"/>
-            </a:endParaRPr>
-          </a:p>
-        </p:txBody>
-      </p:sp>
       <p:cxnSp>
         <p:nvCxnSpPr>
           <p:cNvPr id="72" name="Straight Arrow Connector 71">
@@ -6732,25 +6680,960 @@
           </a:p>
         </p:txBody>
       </p:sp>
+      <p:sp>
+        <p:nvSpPr>
+          <p:cNvPr id="116" name="TextBox 115">
+            <a:extLst>
+              <a:ext uri="{FF2B5EF4-FFF2-40B4-BE49-F238E27FC236}">
+                <a16:creationId xmlns:a16="http://schemas.microsoft.com/office/drawing/2014/main" id="{58E92878-49F5-A9DF-98D3-9C68DED81247}"/>
+              </a:ext>
+            </a:extLst>
+          </p:cNvPr>
+          <p:cNvSpPr txBox="1"/>
+          <p:nvPr/>
+        </p:nvSpPr>
+        <p:spPr>
+          <a:xfrm>
+            <a:off x="-91454" y="324464"/>
+            <a:ext cx="2456763" cy="369332"/>
+          </a:xfrm>
+          <a:prstGeom prst="rect">
+            <a:avLst/>
+          </a:prstGeom>
+          <a:noFill/>
+        </p:spPr>
+        <p:txBody>
+          <a:bodyPr wrap="none" rtlCol="0">
+            <a:spAutoFit/>
+          </a:bodyPr>
+          <a:lstStyle/>
+          <a:p>
+            <a:r>
+              <a:rPr lang="vi-VN" dirty="0">
+                <a:latin typeface="+mj-lt"/>
+              </a:rPr>
+              <a:t>Usecase Tham gia nhóm</a:t>
+            </a:r>
+            <a:endParaRPr lang="en-US" dirty="0">
+              <a:latin typeface="+mj-lt"/>
+            </a:endParaRPr>
+          </a:p>
+        </p:txBody>
+      </p:sp>
       <p:cxnSp>
         <p:nvCxnSpPr>
-          <p:cNvPr id="88" name="Straight Arrow Connector 87">
-            <a:extLst>
-              <a:ext uri="{FF2B5EF4-FFF2-40B4-BE49-F238E27FC236}">
-                <a16:creationId xmlns:a16="http://schemas.microsoft.com/office/drawing/2014/main" id="{0F435657-8FBA-A23D-BBB3-288DD5A917A5}"/>
+          <p:cNvPr id="8" name="Straight Connector 7">
+            <a:extLst>
+              <a:ext uri="{FF2B5EF4-FFF2-40B4-BE49-F238E27FC236}">
+                <a16:creationId xmlns:a16="http://schemas.microsoft.com/office/drawing/2014/main" id="{0D601BBB-4DAF-C73F-7842-A928259FB0FF}"/>
               </a:ext>
             </a:extLst>
           </p:cNvPr>
           <p:cNvCxnSpPr>
             <a:cxnSpLocks/>
-            <a:endCxn id="62" idx="0"/>
+            <a:stCxn id="38" idx="6"/>
+            <a:endCxn id="16" idx="2"/>
           </p:cNvCxnSpPr>
           <p:nvPr/>
         </p:nvCxnSpPr>
         <p:spPr>
           <a:xfrm>
-            <a:off x="5050477" y="3787470"/>
-            <a:ext cx="1405946" cy="1483466"/>
+            <a:off x="1237232" y="2487042"/>
+            <a:ext cx="2726649" cy="1071044"/>
+          </a:xfrm>
+          <a:prstGeom prst="line">
+            <a:avLst/>
+          </a:prstGeom>
+        </p:spPr>
+        <p:style>
+          <a:lnRef idx="2">
+            <a:schemeClr val="accent1"/>
+          </a:lnRef>
+          <a:fillRef idx="0">
+            <a:schemeClr val="accent1"/>
+          </a:fillRef>
+          <a:effectRef idx="1">
+            <a:schemeClr val="accent1"/>
+          </a:effectRef>
+          <a:fontRef idx="minor">
+            <a:schemeClr val="tx1"/>
+          </a:fontRef>
+        </p:style>
+      </p:cxnSp>
+      <p:sp>
+        <p:nvSpPr>
+          <p:cNvPr id="10" name="Oval 9">
+            <a:extLst>
+              <a:ext uri="{FF2B5EF4-FFF2-40B4-BE49-F238E27FC236}">
+                <a16:creationId xmlns:a16="http://schemas.microsoft.com/office/drawing/2014/main" id="{65D5EB5A-D138-6684-ED9F-F2B01CBA913E}"/>
+              </a:ext>
+            </a:extLst>
+          </p:cNvPr>
+          <p:cNvSpPr/>
+          <p:nvPr/>
+        </p:nvSpPr>
+        <p:spPr>
+          <a:xfrm>
+            <a:off x="5259163" y="74192"/>
+            <a:ext cx="1858297" cy="393290"/>
+          </a:xfrm>
+          <a:prstGeom prst="ellipse">
+            <a:avLst/>
+          </a:prstGeom>
+        </p:spPr>
+        <p:style>
+          <a:lnRef idx="2">
+            <a:schemeClr val="accent6"/>
+          </a:lnRef>
+          <a:fillRef idx="1">
+            <a:schemeClr val="lt1"/>
+          </a:fillRef>
+          <a:effectRef idx="0">
+            <a:schemeClr val="accent6"/>
+          </a:effectRef>
+          <a:fontRef idx="minor">
+            <a:schemeClr val="dk1"/>
+          </a:fontRef>
+        </p:style>
+        <p:txBody>
+          <a:bodyPr rtlCol="0" anchor="ctr"/>
+          <a:lstStyle/>
+          <a:p>
+            <a:pPr algn="ctr"/>
+            <a:r>
+              <a:rPr lang="vi-VN" sz="1400" dirty="0">
+                <a:latin typeface="+mj-lt"/>
+              </a:rPr>
+              <a:t>Tìm nhóm</a:t>
+            </a:r>
+            <a:endParaRPr lang="en-US" sz="1400" dirty="0">
+              <a:latin typeface="+mj-lt"/>
+            </a:endParaRPr>
+          </a:p>
+        </p:txBody>
+      </p:sp>
+      <p:sp>
+        <p:nvSpPr>
+          <p:cNvPr id="14" name="Oval 13">
+            <a:extLst>
+              <a:ext uri="{FF2B5EF4-FFF2-40B4-BE49-F238E27FC236}">
+                <a16:creationId xmlns:a16="http://schemas.microsoft.com/office/drawing/2014/main" id="{0EDF8E67-CEDF-5136-6488-9FF27F6FC007}"/>
+              </a:ext>
+            </a:extLst>
+          </p:cNvPr>
+          <p:cNvSpPr/>
+          <p:nvPr/>
+        </p:nvSpPr>
+        <p:spPr>
+          <a:xfrm>
+            <a:off x="6789412" y="3286183"/>
+            <a:ext cx="2203535" cy="393290"/>
+          </a:xfrm>
+          <a:prstGeom prst="ellipse">
+            <a:avLst/>
+          </a:prstGeom>
+        </p:spPr>
+        <p:style>
+          <a:lnRef idx="2">
+            <a:schemeClr val="accent6"/>
+          </a:lnRef>
+          <a:fillRef idx="1">
+            <a:schemeClr val="lt1"/>
+          </a:fillRef>
+          <a:effectRef idx="0">
+            <a:schemeClr val="accent6"/>
+          </a:effectRef>
+          <a:fontRef idx="minor">
+            <a:schemeClr val="dk1"/>
+          </a:fontRef>
+        </p:style>
+        <p:txBody>
+          <a:bodyPr rtlCol="0" anchor="ctr"/>
+          <a:lstStyle/>
+          <a:p>
+            <a:pPr algn="ctr"/>
+            <a:r>
+              <a:rPr lang="vi-VN" sz="1400" dirty="0">
+                <a:latin typeface="+mj-lt"/>
+              </a:rPr>
+              <a:t>Tham gia  nhóm công khai</a:t>
+            </a:r>
+            <a:endParaRPr lang="en-US" sz="1400" dirty="0">
+              <a:latin typeface="+mj-lt"/>
+            </a:endParaRPr>
+          </a:p>
+        </p:txBody>
+      </p:sp>
+      <p:sp>
+        <p:nvSpPr>
+          <p:cNvPr id="16" name="Oval 15">
+            <a:extLst>
+              <a:ext uri="{FF2B5EF4-FFF2-40B4-BE49-F238E27FC236}">
+                <a16:creationId xmlns:a16="http://schemas.microsoft.com/office/drawing/2014/main" id="{DFDC4867-8797-C90F-AE6F-F92D26EDA457}"/>
+              </a:ext>
+            </a:extLst>
+          </p:cNvPr>
+          <p:cNvSpPr/>
+          <p:nvPr/>
+        </p:nvSpPr>
+        <p:spPr>
+          <a:xfrm>
+            <a:off x="3963881" y="3361441"/>
+            <a:ext cx="2203535" cy="393290"/>
+          </a:xfrm>
+          <a:prstGeom prst="ellipse">
+            <a:avLst/>
+          </a:prstGeom>
+        </p:spPr>
+        <p:style>
+          <a:lnRef idx="2">
+            <a:schemeClr val="accent6"/>
+          </a:lnRef>
+          <a:fillRef idx="1">
+            <a:schemeClr val="lt1"/>
+          </a:fillRef>
+          <a:effectRef idx="0">
+            <a:schemeClr val="accent6"/>
+          </a:effectRef>
+          <a:fontRef idx="minor">
+            <a:schemeClr val="dk1"/>
+          </a:fontRef>
+        </p:style>
+        <p:txBody>
+          <a:bodyPr rtlCol="0" anchor="ctr"/>
+          <a:lstStyle/>
+          <a:p>
+            <a:pPr algn="ctr"/>
+            <a:r>
+              <a:rPr lang="vi-VN" sz="1400" dirty="0">
+                <a:latin typeface="+mj-lt"/>
+              </a:rPr>
+              <a:t>Tham gia  nhóm riêng tư</a:t>
+            </a:r>
+            <a:endParaRPr lang="en-US" sz="1400" dirty="0">
+              <a:latin typeface="+mj-lt"/>
+            </a:endParaRPr>
+          </a:p>
+        </p:txBody>
+      </p:sp>
+      <p:cxnSp>
+        <p:nvCxnSpPr>
+          <p:cNvPr id="19" name="Straight Arrow Connector 18">
+            <a:extLst>
+              <a:ext uri="{FF2B5EF4-FFF2-40B4-BE49-F238E27FC236}">
+                <a16:creationId xmlns:a16="http://schemas.microsoft.com/office/drawing/2014/main" id="{2FC0F9F3-A397-BA7C-BDAE-269EFBA4DEEC}"/>
+              </a:ext>
+            </a:extLst>
+          </p:cNvPr>
+          <p:cNvCxnSpPr>
+            <a:cxnSpLocks/>
+            <a:stCxn id="14" idx="0"/>
+          </p:cNvCxnSpPr>
+          <p:nvPr/>
+        </p:nvCxnSpPr>
+        <p:spPr>
+          <a:xfrm flipH="1" flipV="1">
+            <a:off x="6765077" y="1970558"/>
+            <a:ext cx="1126103" cy="1315625"/>
+          </a:xfrm>
+          <a:prstGeom prst="straightConnector1">
+            <a:avLst/>
+          </a:prstGeom>
+          <a:ln>
+            <a:tailEnd type="triangle"/>
+          </a:ln>
+        </p:spPr>
+        <p:style>
+          <a:lnRef idx="2">
+            <a:schemeClr val="accent1"/>
+          </a:lnRef>
+          <a:fillRef idx="0">
+            <a:schemeClr val="accent1"/>
+          </a:fillRef>
+          <a:effectRef idx="1">
+            <a:schemeClr val="accent1"/>
+          </a:effectRef>
+          <a:fontRef idx="minor">
+            <a:schemeClr val="tx1"/>
+          </a:fontRef>
+        </p:style>
+      </p:cxnSp>
+      <p:cxnSp>
+        <p:nvCxnSpPr>
+          <p:cNvPr id="21" name="Straight Arrow Connector 20">
+            <a:extLst>
+              <a:ext uri="{FF2B5EF4-FFF2-40B4-BE49-F238E27FC236}">
+                <a16:creationId xmlns:a16="http://schemas.microsoft.com/office/drawing/2014/main" id="{4B14B7F4-7287-1D3C-1B6F-BB16B75F99E0}"/>
+              </a:ext>
+            </a:extLst>
+          </p:cNvPr>
+          <p:cNvCxnSpPr>
+            <a:cxnSpLocks/>
+            <a:stCxn id="16" idx="0"/>
+          </p:cNvCxnSpPr>
+          <p:nvPr/>
+        </p:nvCxnSpPr>
+        <p:spPr>
+          <a:xfrm flipV="1">
+            <a:off x="5065649" y="1925553"/>
+            <a:ext cx="814251" cy="1435888"/>
+          </a:xfrm>
+          <a:prstGeom prst="straightConnector1">
+            <a:avLst/>
+          </a:prstGeom>
+          <a:ln>
+            <a:tailEnd type="triangle"/>
+          </a:ln>
+        </p:spPr>
+        <p:style>
+          <a:lnRef idx="2">
+            <a:schemeClr val="accent1"/>
+          </a:lnRef>
+          <a:fillRef idx="0">
+            <a:schemeClr val="accent1"/>
+          </a:fillRef>
+          <a:effectRef idx="1">
+            <a:schemeClr val="accent1"/>
+          </a:effectRef>
+          <a:fontRef idx="minor">
+            <a:schemeClr val="tx1"/>
+          </a:fontRef>
+        </p:style>
+      </p:cxnSp>
+      <p:sp>
+        <p:nvSpPr>
+          <p:cNvPr id="54" name="Oval 53">
+            <a:extLst>
+              <a:ext uri="{FF2B5EF4-FFF2-40B4-BE49-F238E27FC236}">
+                <a16:creationId xmlns:a16="http://schemas.microsoft.com/office/drawing/2014/main" id="{204A77E9-159A-0CF3-1D40-A95C8E18A3EA}"/>
+              </a:ext>
+            </a:extLst>
+          </p:cNvPr>
+          <p:cNvSpPr/>
+          <p:nvPr/>
+        </p:nvSpPr>
+        <p:spPr>
+          <a:xfrm>
+            <a:off x="3092463" y="2051927"/>
+            <a:ext cx="1858297" cy="393290"/>
+          </a:xfrm>
+          <a:prstGeom prst="ellipse">
+            <a:avLst/>
+          </a:prstGeom>
+        </p:spPr>
+        <p:style>
+          <a:lnRef idx="2">
+            <a:schemeClr val="accent6"/>
+          </a:lnRef>
+          <a:fillRef idx="1">
+            <a:schemeClr val="lt1"/>
+          </a:fillRef>
+          <a:effectRef idx="0">
+            <a:schemeClr val="accent6"/>
+          </a:effectRef>
+          <a:fontRef idx="minor">
+            <a:schemeClr val="dk1"/>
+          </a:fontRef>
+        </p:style>
+        <p:txBody>
+          <a:bodyPr rtlCol="0" anchor="ctr"/>
+          <a:lstStyle/>
+          <a:p>
+            <a:pPr algn="ctr"/>
+            <a:r>
+              <a:rPr lang="vi-VN" sz="1400" dirty="0">
+                <a:latin typeface="+mj-lt"/>
+              </a:rPr>
+              <a:t>Trả lời câu hỏi tham gia nhóm</a:t>
+            </a:r>
+            <a:endParaRPr lang="en-US" sz="1400" dirty="0">
+              <a:latin typeface="+mj-lt"/>
+            </a:endParaRPr>
+          </a:p>
+        </p:txBody>
+      </p:sp>
+      <p:sp>
+        <p:nvSpPr>
+          <p:cNvPr id="57" name="TextBox 56">
+            <a:extLst>
+              <a:ext uri="{FF2B5EF4-FFF2-40B4-BE49-F238E27FC236}">
+                <a16:creationId xmlns:a16="http://schemas.microsoft.com/office/drawing/2014/main" id="{125CC6F3-4CCD-EB14-227B-45A88F8E5C28}"/>
+              </a:ext>
+            </a:extLst>
+          </p:cNvPr>
+          <p:cNvSpPr txBox="1"/>
+          <p:nvPr/>
+        </p:nvSpPr>
+        <p:spPr>
+          <a:xfrm>
+            <a:off x="3979184" y="2697379"/>
+            <a:ext cx="1204663" cy="307777"/>
+          </a:xfrm>
+          <a:prstGeom prst="rect">
+            <a:avLst/>
+          </a:prstGeom>
+          <a:noFill/>
+        </p:spPr>
+        <p:txBody>
+          <a:bodyPr wrap="square" rtlCol="0">
+            <a:spAutoFit/>
+          </a:bodyPr>
+          <a:lstStyle/>
+          <a:p>
+            <a:r>
+              <a:rPr lang="vi-VN" sz="1400" dirty="0">
+                <a:latin typeface="Times New Roman" panose="02020603050405020304" pitchFamily="18" charset="0"/>
+                <a:cs typeface="Times New Roman" panose="02020603050405020304" pitchFamily="18" charset="0"/>
+              </a:rPr>
+              <a:t>&lt;&lt;extend&gt;&gt;</a:t>
+            </a:r>
+            <a:endParaRPr lang="en-US" sz="1400" dirty="0">
+              <a:latin typeface="Times New Roman" panose="02020603050405020304" pitchFamily="18" charset="0"/>
+              <a:cs typeface="Times New Roman" panose="02020603050405020304" pitchFamily="18" charset="0"/>
+            </a:endParaRPr>
+          </a:p>
+        </p:txBody>
+      </p:sp>
+      <p:cxnSp>
+        <p:nvCxnSpPr>
+          <p:cNvPr id="68" name="Straight Connector 67">
+            <a:extLst>
+              <a:ext uri="{FF2B5EF4-FFF2-40B4-BE49-F238E27FC236}">
+                <a16:creationId xmlns:a16="http://schemas.microsoft.com/office/drawing/2014/main" id="{9F95281F-9B2E-6EBE-D6CF-F7B8D91F04F6}"/>
+              </a:ext>
+            </a:extLst>
+          </p:cNvPr>
+          <p:cNvCxnSpPr>
+            <a:cxnSpLocks/>
+            <a:stCxn id="44" idx="0"/>
+            <a:endCxn id="54" idx="0"/>
+          </p:cNvCxnSpPr>
+          <p:nvPr/>
+        </p:nvCxnSpPr>
+        <p:spPr>
+          <a:xfrm>
+            <a:off x="1688181" y="1184423"/>
+            <a:ext cx="2333431" cy="867504"/>
+          </a:xfrm>
+          <a:prstGeom prst="line">
+            <a:avLst/>
+          </a:prstGeom>
+        </p:spPr>
+        <p:style>
+          <a:lnRef idx="2">
+            <a:schemeClr val="accent1"/>
+          </a:lnRef>
+          <a:fillRef idx="0">
+            <a:schemeClr val="accent1"/>
+          </a:fillRef>
+          <a:effectRef idx="1">
+            <a:schemeClr val="accent1"/>
+          </a:effectRef>
+          <a:fontRef idx="minor">
+            <a:schemeClr val="tx1"/>
+          </a:fontRef>
+        </p:style>
+      </p:cxnSp>
+      <p:sp>
+        <p:nvSpPr>
+          <p:cNvPr id="86" name="Flowchart: Connector 85">
+            <a:extLst>
+              <a:ext uri="{FF2B5EF4-FFF2-40B4-BE49-F238E27FC236}">
+                <a16:creationId xmlns:a16="http://schemas.microsoft.com/office/drawing/2014/main" id="{84F73CA9-87D8-6330-4F65-31BD04647326}"/>
+              </a:ext>
+            </a:extLst>
+          </p:cNvPr>
+          <p:cNvSpPr/>
+          <p:nvPr/>
+        </p:nvSpPr>
+        <p:spPr>
+          <a:xfrm>
+            <a:off x="10602142" y="2003813"/>
+            <a:ext cx="196645" cy="186813"/>
+          </a:xfrm>
+          <a:prstGeom prst="flowChartConnector">
+            <a:avLst/>
+          </a:prstGeom>
+        </p:spPr>
+        <p:style>
+          <a:lnRef idx="2">
+            <a:schemeClr val="accent6"/>
+          </a:lnRef>
+          <a:fillRef idx="1">
+            <a:schemeClr val="lt1"/>
+          </a:fillRef>
+          <a:effectRef idx="0">
+            <a:schemeClr val="accent6"/>
+          </a:effectRef>
+          <a:fontRef idx="minor">
+            <a:schemeClr val="dk1"/>
+          </a:fontRef>
+        </p:style>
+        <p:txBody>
+          <a:bodyPr rtlCol="0" anchor="ctr"/>
+          <a:lstStyle/>
+          <a:p>
+            <a:pPr algn="ctr"/>
+            <a:endParaRPr lang="en-US"/>
+          </a:p>
+        </p:txBody>
+      </p:sp>
+      <p:cxnSp>
+        <p:nvCxnSpPr>
+          <p:cNvPr id="87" name="Straight Connector 86">
+            <a:extLst>
+              <a:ext uri="{FF2B5EF4-FFF2-40B4-BE49-F238E27FC236}">
+                <a16:creationId xmlns:a16="http://schemas.microsoft.com/office/drawing/2014/main" id="{62A3C59A-050F-CC84-1EAB-0A20BC637B6F}"/>
+              </a:ext>
+            </a:extLst>
+          </p:cNvPr>
+          <p:cNvCxnSpPr>
+            <a:stCxn id="86" idx="4"/>
+          </p:cNvCxnSpPr>
+          <p:nvPr/>
+        </p:nvCxnSpPr>
+        <p:spPr>
+          <a:xfrm>
+            <a:off x="10700465" y="2190626"/>
+            <a:ext cx="0" cy="403123"/>
+          </a:xfrm>
+          <a:prstGeom prst="line">
+            <a:avLst/>
+          </a:prstGeom>
+        </p:spPr>
+        <p:style>
+          <a:lnRef idx="2">
+            <a:schemeClr val="accent1"/>
+          </a:lnRef>
+          <a:fillRef idx="0">
+            <a:schemeClr val="accent1"/>
+          </a:fillRef>
+          <a:effectRef idx="1">
+            <a:schemeClr val="accent1"/>
+          </a:effectRef>
+          <a:fontRef idx="minor">
+            <a:schemeClr val="tx1"/>
+          </a:fontRef>
+        </p:style>
+      </p:cxnSp>
+      <p:cxnSp>
+        <p:nvCxnSpPr>
+          <p:cNvPr id="90" name="Straight Connector 89">
+            <a:extLst>
+              <a:ext uri="{FF2B5EF4-FFF2-40B4-BE49-F238E27FC236}">
+                <a16:creationId xmlns:a16="http://schemas.microsoft.com/office/drawing/2014/main" id="{9A4FDCED-B969-C88A-19D3-1BD4F99B8B1A}"/>
+              </a:ext>
+            </a:extLst>
+          </p:cNvPr>
+          <p:cNvCxnSpPr>
+            <a:cxnSpLocks/>
+          </p:cNvCxnSpPr>
+          <p:nvPr/>
+        </p:nvCxnSpPr>
+        <p:spPr>
+          <a:xfrm>
+            <a:off x="10700465" y="2328277"/>
+            <a:ext cx="196645" cy="0"/>
+          </a:xfrm>
+          <a:prstGeom prst="line">
+            <a:avLst/>
+          </a:prstGeom>
+        </p:spPr>
+        <p:style>
+          <a:lnRef idx="2">
+            <a:schemeClr val="accent1"/>
+          </a:lnRef>
+          <a:fillRef idx="0">
+            <a:schemeClr val="accent1"/>
+          </a:fillRef>
+          <a:effectRef idx="1">
+            <a:schemeClr val="accent1"/>
+          </a:effectRef>
+          <a:fontRef idx="minor">
+            <a:schemeClr val="tx1"/>
+          </a:fontRef>
+        </p:style>
+      </p:cxnSp>
+      <p:cxnSp>
+        <p:nvCxnSpPr>
+          <p:cNvPr id="91" name="Straight Connector 90">
+            <a:extLst>
+              <a:ext uri="{FF2B5EF4-FFF2-40B4-BE49-F238E27FC236}">
+                <a16:creationId xmlns:a16="http://schemas.microsoft.com/office/drawing/2014/main" id="{28621740-4B5B-D09E-F7E5-5A1AC9861DA3}"/>
+              </a:ext>
+            </a:extLst>
+          </p:cNvPr>
+          <p:cNvCxnSpPr>
+            <a:cxnSpLocks/>
+          </p:cNvCxnSpPr>
+          <p:nvPr/>
+        </p:nvCxnSpPr>
+        <p:spPr>
+          <a:xfrm flipH="1">
+            <a:off x="10523484" y="2328277"/>
+            <a:ext cx="152400" cy="0"/>
+          </a:xfrm>
+          <a:prstGeom prst="line">
+            <a:avLst/>
+          </a:prstGeom>
+        </p:spPr>
+        <p:style>
+          <a:lnRef idx="2">
+            <a:schemeClr val="accent1"/>
+          </a:lnRef>
+          <a:fillRef idx="0">
+            <a:schemeClr val="accent1"/>
+          </a:fillRef>
+          <a:effectRef idx="1">
+            <a:schemeClr val="accent1"/>
+          </a:effectRef>
+          <a:fontRef idx="minor">
+            <a:schemeClr val="tx1"/>
+          </a:fontRef>
+        </p:style>
+      </p:cxnSp>
+      <p:cxnSp>
+        <p:nvCxnSpPr>
+          <p:cNvPr id="92" name="Straight Connector 91">
+            <a:extLst>
+              <a:ext uri="{FF2B5EF4-FFF2-40B4-BE49-F238E27FC236}">
+                <a16:creationId xmlns:a16="http://schemas.microsoft.com/office/drawing/2014/main" id="{91E2232C-A583-32B4-52A2-0A4FD4CC7FDC}"/>
+              </a:ext>
+            </a:extLst>
+          </p:cNvPr>
+          <p:cNvCxnSpPr/>
+          <p:nvPr/>
+        </p:nvCxnSpPr>
+        <p:spPr>
+          <a:xfrm flipH="1">
+            <a:off x="10523484" y="2603580"/>
+            <a:ext cx="152400" cy="137652"/>
+          </a:xfrm>
+          <a:prstGeom prst="line">
+            <a:avLst/>
+          </a:prstGeom>
+        </p:spPr>
+        <p:style>
+          <a:lnRef idx="2">
+            <a:schemeClr val="accent1"/>
+          </a:lnRef>
+          <a:fillRef idx="0">
+            <a:schemeClr val="accent1"/>
+          </a:fillRef>
+          <a:effectRef idx="1">
+            <a:schemeClr val="accent1"/>
+          </a:effectRef>
+          <a:fontRef idx="minor">
+            <a:schemeClr val="tx1"/>
+          </a:fontRef>
+        </p:style>
+      </p:cxnSp>
+      <p:cxnSp>
+        <p:nvCxnSpPr>
+          <p:cNvPr id="94" name="Straight Connector 93">
+            <a:extLst>
+              <a:ext uri="{FF2B5EF4-FFF2-40B4-BE49-F238E27FC236}">
+                <a16:creationId xmlns:a16="http://schemas.microsoft.com/office/drawing/2014/main" id="{7A7FF1B4-9C20-B9BD-B9A4-73CF0BBF6A97}"/>
+              </a:ext>
+            </a:extLst>
+          </p:cNvPr>
+          <p:cNvCxnSpPr/>
+          <p:nvPr/>
+        </p:nvCxnSpPr>
+        <p:spPr>
+          <a:xfrm>
+            <a:off x="10675883" y="2603580"/>
+            <a:ext cx="221227" cy="137651"/>
+          </a:xfrm>
+          <a:prstGeom prst="line">
+            <a:avLst/>
+          </a:prstGeom>
+        </p:spPr>
+        <p:style>
+          <a:lnRef idx="2">
+            <a:schemeClr val="accent1"/>
+          </a:lnRef>
+          <a:fillRef idx="0">
+            <a:schemeClr val="accent1"/>
+          </a:fillRef>
+          <a:effectRef idx="1">
+            <a:schemeClr val="accent1"/>
+          </a:effectRef>
+          <a:fontRef idx="minor">
+            <a:schemeClr val="tx1"/>
+          </a:fontRef>
+        </p:style>
+      </p:cxnSp>
+      <p:sp>
+        <p:nvSpPr>
+          <p:cNvPr id="96" name="TextBox 95">
+            <a:extLst>
+              <a:ext uri="{FF2B5EF4-FFF2-40B4-BE49-F238E27FC236}">
+                <a16:creationId xmlns:a16="http://schemas.microsoft.com/office/drawing/2014/main" id="{0A52E499-61C2-50F1-9FEC-1C8B3A7C5989}"/>
+              </a:ext>
+            </a:extLst>
+          </p:cNvPr>
+          <p:cNvSpPr txBox="1"/>
+          <p:nvPr/>
+        </p:nvSpPr>
+        <p:spPr>
+          <a:xfrm>
+            <a:off x="10381194" y="2860638"/>
+            <a:ext cx="835186" cy="307777"/>
+          </a:xfrm>
+          <a:prstGeom prst="rect">
+            <a:avLst/>
+          </a:prstGeom>
+          <a:noFill/>
+        </p:spPr>
+        <p:txBody>
+          <a:bodyPr wrap="square" rtlCol="0">
+            <a:spAutoFit/>
+          </a:bodyPr>
+          <a:lstStyle/>
+          <a:p>
+            <a:r>
+              <a:rPr lang="vi-VN" sz="1400" dirty="0">
+                <a:latin typeface="Times New Roman" panose="02020603050405020304" pitchFamily="18" charset="0"/>
+                <a:cs typeface="Times New Roman" panose="02020603050405020304" pitchFamily="18" charset="0"/>
+              </a:rPr>
+              <a:t>system</a:t>
+            </a:r>
+            <a:endParaRPr lang="en-US" sz="1400" dirty="0">
+              <a:latin typeface="Times New Roman" panose="02020603050405020304" pitchFamily="18" charset="0"/>
+              <a:cs typeface="Times New Roman" panose="02020603050405020304" pitchFamily="18" charset="0"/>
+            </a:endParaRPr>
+          </a:p>
+        </p:txBody>
+      </p:sp>
+      <p:cxnSp>
+        <p:nvCxnSpPr>
+          <p:cNvPr id="108" name="Straight Connector 107">
+            <a:extLst>
+              <a:ext uri="{FF2B5EF4-FFF2-40B4-BE49-F238E27FC236}">
+                <a16:creationId xmlns:a16="http://schemas.microsoft.com/office/drawing/2014/main" id="{4FCE513D-8553-E440-0AA1-92B490A007FA}"/>
+              </a:ext>
+            </a:extLst>
+          </p:cNvPr>
+          <p:cNvCxnSpPr>
+            <a:stCxn id="44" idx="0"/>
+            <a:endCxn id="10" idx="2"/>
+          </p:cNvCxnSpPr>
+          <p:nvPr/>
+        </p:nvCxnSpPr>
+        <p:spPr>
+          <a:xfrm flipV="1">
+            <a:off x="1688181" y="270837"/>
+            <a:ext cx="3570982" cy="913586"/>
+          </a:xfrm>
+          <a:prstGeom prst="line">
+            <a:avLst/>
+          </a:prstGeom>
+        </p:spPr>
+        <p:style>
+          <a:lnRef idx="2">
+            <a:schemeClr val="accent1"/>
+          </a:lnRef>
+          <a:fillRef idx="0">
+            <a:schemeClr val="accent1"/>
+          </a:fillRef>
+          <a:effectRef idx="1">
+            <a:schemeClr val="accent1"/>
+          </a:effectRef>
+          <a:fontRef idx="minor">
+            <a:schemeClr val="tx1"/>
+          </a:fontRef>
+        </p:style>
+      </p:cxnSp>
+      <p:cxnSp>
+        <p:nvCxnSpPr>
+          <p:cNvPr id="112" name="Straight Connector 111">
+            <a:extLst>
+              <a:ext uri="{FF2B5EF4-FFF2-40B4-BE49-F238E27FC236}">
+                <a16:creationId xmlns:a16="http://schemas.microsoft.com/office/drawing/2014/main" id="{6845592C-8971-B68B-DBA6-2937B8AAE398}"/>
+              </a:ext>
+            </a:extLst>
+          </p:cNvPr>
+          <p:cNvCxnSpPr>
+            <a:stCxn id="44" idx="0"/>
+            <a:endCxn id="61" idx="2"/>
+          </p:cNvCxnSpPr>
+          <p:nvPr/>
+        </p:nvCxnSpPr>
+        <p:spPr>
+          <a:xfrm>
+            <a:off x="1688181" y="1184423"/>
+            <a:ext cx="3697475" cy="590446"/>
+          </a:xfrm>
+          <a:prstGeom prst="line">
+            <a:avLst/>
+          </a:prstGeom>
+        </p:spPr>
+        <p:style>
+          <a:lnRef idx="2">
+            <a:schemeClr val="accent1"/>
+          </a:lnRef>
+          <a:fillRef idx="0">
+            <a:schemeClr val="accent1"/>
+          </a:fillRef>
+          <a:effectRef idx="1">
+            <a:schemeClr val="accent1"/>
+          </a:effectRef>
+          <a:fontRef idx="minor">
+            <a:schemeClr val="tx1"/>
+          </a:fontRef>
+        </p:style>
+      </p:cxnSp>
+      <p:sp>
+        <p:nvSpPr>
+          <p:cNvPr id="124" name="Oval 123">
+            <a:extLst>
+              <a:ext uri="{FF2B5EF4-FFF2-40B4-BE49-F238E27FC236}">
+                <a16:creationId xmlns:a16="http://schemas.microsoft.com/office/drawing/2014/main" id="{8DC5BA2F-0671-4018-06AF-E6C609DFA31B}"/>
+              </a:ext>
+            </a:extLst>
+          </p:cNvPr>
+          <p:cNvSpPr/>
+          <p:nvPr/>
+        </p:nvSpPr>
+        <p:spPr>
+          <a:xfrm>
+            <a:off x="5385655" y="6461911"/>
+            <a:ext cx="1858297" cy="393290"/>
+          </a:xfrm>
+          <a:prstGeom prst="ellipse">
+            <a:avLst/>
+          </a:prstGeom>
+        </p:spPr>
+        <p:style>
+          <a:lnRef idx="2">
+            <a:schemeClr val="accent6"/>
+          </a:lnRef>
+          <a:fillRef idx="1">
+            <a:schemeClr val="lt1"/>
+          </a:fillRef>
+          <a:effectRef idx="0">
+            <a:schemeClr val="accent6"/>
+          </a:effectRef>
+          <a:fontRef idx="minor">
+            <a:schemeClr val="dk1"/>
+          </a:fontRef>
+        </p:style>
+        <p:txBody>
+          <a:bodyPr rtlCol="0" anchor="ctr"/>
+          <a:lstStyle/>
+          <a:p>
+            <a:pPr algn="ctr"/>
+            <a:r>
+              <a:rPr lang="vi-VN" sz="1400" dirty="0">
+                <a:latin typeface="+mj-lt"/>
+              </a:rPr>
+              <a:t>Thông báo tới người dùng</a:t>
+            </a:r>
+            <a:endParaRPr lang="en-US" sz="1400" dirty="0">
+              <a:latin typeface="+mj-lt"/>
+            </a:endParaRPr>
+          </a:p>
+        </p:txBody>
+      </p:sp>
+      <p:cxnSp>
+        <p:nvCxnSpPr>
+          <p:cNvPr id="126" name="Straight Connector 125">
+            <a:extLst>
+              <a:ext uri="{FF2B5EF4-FFF2-40B4-BE49-F238E27FC236}">
+                <a16:creationId xmlns:a16="http://schemas.microsoft.com/office/drawing/2014/main" id="{DB70354F-C5BB-65FE-073B-38B0D2A27B38}"/>
+              </a:ext>
+            </a:extLst>
+          </p:cNvPr>
+          <p:cNvCxnSpPr>
+            <a:stCxn id="44" idx="0"/>
+            <a:endCxn id="124" idx="2"/>
+          </p:cNvCxnSpPr>
+          <p:nvPr/>
+        </p:nvCxnSpPr>
+        <p:spPr>
+          <a:xfrm>
+            <a:off x="1688181" y="1184423"/>
+            <a:ext cx="3697474" cy="5474133"/>
+          </a:xfrm>
+          <a:prstGeom prst="line">
+            <a:avLst/>
+          </a:prstGeom>
+        </p:spPr>
+        <p:style>
+          <a:lnRef idx="2">
+            <a:schemeClr val="accent1"/>
+          </a:lnRef>
+          <a:fillRef idx="0">
+            <a:schemeClr val="accent1"/>
+          </a:fillRef>
+          <a:effectRef idx="1">
+            <a:schemeClr val="accent1"/>
+          </a:effectRef>
+          <a:fontRef idx="minor">
+            <a:schemeClr val="tx1"/>
+          </a:fontRef>
+        </p:style>
+      </p:cxnSp>
+      <p:cxnSp>
+        <p:nvCxnSpPr>
+          <p:cNvPr id="128" name="Straight Connector 127">
+            <a:extLst>
+              <a:ext uri="{FF2B5EF4-FFF2-40B4-BE49-F238E27FC236}">
+                <a16:creationId xmlns:a16="http://schemas.microsoft.com/office/drawing/2014/main" id="{2E565068-BE9E-4EC6-BF1A-6FED0581D651}"/>
+              </a:ext>
+            </a:extLst>
+          </p:cNvPr>
+          <p:cNvCxnSpPr>
+            <a:stCxn id="86" idx="2"/>
+            <a:endCxn id="124" idx="6"/>
+          </p:cNvCxnSpPr>
+          <p:nvPr/>
+        </p:nvCxnSpPr>
+        <p:spPr>
+          <a:xfrm flipH="1">
+            <a:off x="7243952" y="2097220"/>
+            <a:ext cx="3358190" cy="4561336"/>
+          </a:xfrm>
+          <a:prstGeom prst="line">
+            <a:avLst/>
+          </a:prstGeom>
+        </p:spPr>
+        <p:style>
+          <a:lnRef idx="2">
+            <a:schemeClr val="accent1"/>
+          </a:lnRef>
+          <a:fillRef idx="0">
+            <a:schemeClr val="accent1"/>
+          </a:fillRef>
+          <a:effectRef idx="1">
+            <a:schemeClr val="accent1"/>
+          </a:effectRef>
+          <a:fontRef idx="minor">
+            <a:schemeClr val="tx1"/>
+          </a:fontRef>
+        </p:style>
+      </p:cxnSp>
+      <p:cxnSp>
+        <p:nvCxnSpPr>
+          <p:cNvPr id="141" name="Straight Arrow Connector 140">
+            <a:extLst>
+              <a:ext uri="{FF2B5EF4-FFF2-40B4-BE49-F238E27FC236}">
+                <a16:creationId xmlns:a16="http://schemas.microsoft.com/office/drawing/2014/main" id="{F361CDEE-4291-F6DF-6F14-B928595D3755}"/>
+              </a:ext>
+            </a:extLst>
+          </p:cNvPr>
+          <p:cNvCxnSpPr>
+            <a:cxnSpLocks/>
+            <a:stCxn id="54" idx="4"/>
+            <a:endCxn id="16" idx="0"/>
+          </p:cNvCxnSpPr>
+          <p:nvPr/>
+        </p:nvCxnSpPr>
+        <p:spPr>
+          <a:xfrm>
+            <a:off x="4021612" y="2445217"/>
+            <a:ext cx="1044037" cy="916224"/>
           </a:xfrm>
           <a:prstGeom prst="straightConnector1">
             <a:avLst/>
@@ -6777,10 +7660,144 @@
       </p:cxnSp>
       <p:sp>
         <p:nvSpPr>
-          <p:cNvPr id="89" name="TextBox 88">
-            <a:extLst>
-              <a:ext uri="{FF2B5EF4-FFF2-40B4-BE49-F238E27FC236}">
-                <a16:creationId xmlns:a16="http://schemas.microsoft.com/office/drawing/2014/main" id="{AC5D9FC3-3AC4-CBF8-A69F-CF928962031E}"/>
+          <p:cNvPr id="142" name="Oval 141">
+            <a:extLst>
+              <a:ext uri="{FF2B5EF4-FFF2-40B4-BE49-F238E27FC236}">
+                <a16:creationId xmlns:a16="http://schemas.microsoft.com/office/drawing/2014/main" id="{B4A8D7AC-74BD-FBA4-14DB-F416B2D80291}"/>
+              </a:ext>
+            </a:extLst>
+          </p:cNvPr>
+          <p:cNvSpPr/>
+          <p:nvPr/>
+        </p:nvSpPr>
+        <p:spPr>
+          <a:xfrm>
+            <a:off x="5278707" y="820090"/>
+            <a:ext cx="1858297" cy="393290"/>
+          </a:xfrm>
+          <a:prstGeom prst="ellipse">
+            <a:avLst/>
+          </a:prstGeom>
+        </p:spPr>
+        <p:style>
+          <a:lnRef idx="2">
+            <a:schemeClr val="accent6"/>
+          </a:lnRef>
+          <a:fillRef idx="1">
+            <a:schemeClr val="lt1"/>
+          </a:fillRef>
+          <a:effectRef idx="0">
+            <a:schemeClr val="accent6"/>
+          </a:effectRef>
+          <a:fontRef idx="minor">
+            <a:schemeClr val="dk1"/>
+          </a:fontRef>
+        </p:style>
+        <p:txBody>
+          <a:bodyPr rtlCol="0" anchor="ctr"/>
+          <a:lstStyle/>
+          <a:p>
+            <a:pPr algn="ctr"/>
+            <a:r>
+              <a:rPr lang="vi-VN" sz="1400" dirty="0">
+                <a:latin typeface="+mj-lt"/>
+              </a:rPr>
+              <a:t>Lấy ra danh sách nhóm</a:t>
+            </a:r>
+            <a:endParaRPr lang="en-US" sz="1400" dirty="0">
+              <a:latin typeface="+mj-lt"/>
+            </a:endParaRPr>
+          </a:p>
+        </p:txBody>
+      </p:sp>
+      <p:cxnSp>
+        <p:nvCxnSpPr>
+          <p:cNvPr id="145" name="Straight Connector 144">
+            <a:extLst>
+              <a:ext uri="{FF2B5EF4-FFF2-40B4-BE49-F238E27FC236}">
+                <a16:creationId xmlns:a16="http://schemas.microsoft.com/office/drawing/2014/main" id="{0AEC7A68-CA4F-52BE-B833-07DF6CD06733}"/>
+              </a:ext>
+            </a:extLst>
+          </p:cNvPr>
+          <p:cNvCxnSpPr>
+            <a:stCxn id="142" idx="6"/>
+            <a:endCxn id="86" idx="3"/>
+          </p:cNvCxnSpPr>
+          <p:nvPr/>
+        </p:nvCxnSpPr>
+        <p:spPr>
+          <a:xfrm>
+            <a:off x="7137004" y="1016735"/>
+            <a:ext cx="3493936" cy="1146533"/>
+          </a:xfrm>
+          <a:prstGeom prst="line">
+            <a:avLst/>
+          </a:prstGeom>
+        </p:spPr>
+        <p:style>
+          <a:lnRef idx="2">
+            <a:schemeClr val="accent1"/>
+          </a:lnRef>
+          <a:fillRef idx="0">
+            <a:schemeClr val="accent1"/>
+          </a:fillRef>
+          <a:effectRef idx="1">
+            <a:schemeClr val="accent1"/>
+          </a:effectRef>
+          <a:fontRef idx="minor">
+            <a:schemeClr val="tx1"/>
+          </a:fontRef>
+        </p:style>
+      </p:cxnSp>
+      <p:cxnSp>
+        <p:nvCxnSpPr>
+          <p:cNvPr id="150" name="Straight Arrow Connector 149">
+            <a:extLst>
+              <a:ext uri="{FF2B5EF4-FFF2-40B4-BE49-F238E27FC236}">
+                <a16:creationId xmlns:a16="http://schemas.microsoft.com/office/drawing/2014/main" id="{78669E5E-40BA-5ECF-A7CB-0990A2F3B8D8}"/>
+              </a:ext>
+            </a:extLst>
+          </p:cNvPr>
+          <p:cNvCxnSpPr>
+            <a:stCxn id="10" idx="4"/>
+            <a:endCxn id="142" idx="0"/>
+          </p:cNvCxnSpPr>
+          <p:nvPr/>
+        </p:nvCxnSpPr>
+        <p:spPr>
+          <a:xfrm>
+            <a:off x="6188312" y="467482"/>
+            <a:ext cx="19544" cy="352608"/>
+          </a:xfrm>
+          <a:prstGeom prst="straightConnector1">
+            <a:avLst/>
+          </a:prstGeom>
+          <a:ln>
+            <a:prstDash val="sysDot"/>
+            <a:tailEnd type="triangle"/>
+          </a:ln>
+        </p:spPr>
+        <p:style>
+          <a:lnRef idx="2">
+            <a:schemeClr val="accent1"/>
+          </a:lnRef>
+          <a:fillRef idx="0">
+            <a:schemeClr val="accent1"/>
+          </a:fillRef>
+          <a:effectRef idx="1">
+            <a:schemeClr val="accent1"/>
+          </a:effectRef>
+          <a:fontRef idx="minor">
+            <a:schemeClr val="tx1"/>
+          </a:fontRef>
+        </p:style>
+      </p:cxnSp>
+      <p:sp>
+        <p:nvSpPr>
+          <p:cNvPr id="152" name="TextBox 151">
+            <a:extLst>
+              <a:ext uri="{FF2B5EF4-FFF2-40B4-BE49-F238E27FC236}">
+                <a16:creationId xmlns:a16="http://schemas.microsoft.com/office/drawing/2014/main" id="{2454AFED-7105-2896-E33F-BFC592BBF09C}"/>
               </a:ext>
             </a:extLst>
           </p:cNvPr>
@@ -6789,8 +7806,8 @@
         </p:nvSpPr>
         <p:spPr>
           <a:xfrm>
-            <a:off x="5901614" y="4706674"/>
-            <a:ext cx="1248696" cy="307777"/>
+            <a:off x="4998310" y="483780"/>
+            <a:ext cx="1117867" cy="307777"/>
           </a:xfrm>
           <a:prstGeom prst="rect">
             <a:avLst/>
@@ -6817,1055 +7834,26 @@
           </a:p>
         </p:txBody>
       </p:sp>
-      <p:sp>
-        <p:nvSpPr>
-          <p:cNvPr id="116" name="TextBox 115">
-            <a:extLst>
-              <a:ext uri="{FF2B5EF4-FFF2-40B4-BE49-F238E27FC236}">
-                <a16:creationId xmlns:a16="http://schemas.microsoft.com/office/drawing/2014/main" id="{58E92878-49F5-A9DF-98D3-9C68DED81247}"/>
-              </a:ext>
-            </a:extLst>
-          </p:cNvPr>
-          <p:cNvSpPr txBox="1"/>
-          <p:nvPr/>
-        </p:nvSpPr>
-        <p:spPr>
-          <a:xfrm>
-            <a:off x="-91454" y="324464"/>
-            <a:ext cx="2456763" cy="369332"/>
-          </a:xfrm>
-          <a:prstGeom prst="rect">
-            <a:avLst/>
-          </a:prstGeom>
-          <a:noFill/>
-        </p:spPr>
-        <p:txBody>
-          <a:bodyPr wrap="none" rtlCol="0">
-            <a:spAutoFit/>
-          </a:bodyPr>
-          <a:lstStyle/>
-          <a:p>
-            <a:r>
-              <a:rPr lang="vi-VN" dirty="0">
-                <a:latin typeface="+mj-lt"/>
-              </a:rPr>
-              <a:t>Usecase Tham gia nhóm</a:t>
-            </a:r>
-            <a:endParaRPr lang="en-US" dirty="0">
-              <a:latin typeface="+mj-lt"/>
-            </a:endParaRPr>
-          </a:p>
-        </p:txBody>
-      </p:sp>
       <p:cxnSp>
         <p:nvCxnSpPr>
-          <p:cNvPr id="8" name="Straight Connector 7">
-            <a:extLst>
-              <a:ext uri="{FF2B5EF4-FFF2-40B4-BE49-F238E27FC236}">
-                <a16:creationId xmlns:a16="http://schemas.microsoft.com/office/drawing/2014/main" id="{0D601BBB-4DAF-C73F-7842-A928259FB0FF}"/>
+          <p:cNvPr id="157" name="Straight Connector 156">
+            <a:extLst>
+              <a:ext uri="{FF2B5EF4-FFF2-40B4-BE49-F238E27FC236}">
+                <a16:creationId xmlns:a16="http://schemas.microsoft.com/office/drawing/2014/main" id="{F8B20570-CA3F-E4A7-5386-60D2ED905CCD}"/>
               </a:ext>
             </a:extLst>
           </p:cNvPr>
           <p:cNvCxnSpPr>
             <a:cxnSpLocks/>
-            <a:stCxn id="38" idx="6"/>
-            <a:endCxn id="62" idx="2"/>
-          </p:cNvCxnSpPr>
-          <p:nvPr/>
-        </p:nvCxnSpPr>
-        <p:spPr>
-          <a:xfrm>
-            <a:off x="1237232" y="2487042"/>
-            <a:ext cx="4290042" cy="2980539"/>
-          </a:xfrm>
-          <a:prstGeom prst="line">
-            <a:avLst/>
-          </a:prstGeom>
-        </p:spPr>
-        <p:style>
-          <a:lnRef idx="2">
-            <a:schemeClr val="accent1"/>
-          </a:lnRef>
-          <a:fillRef idx="0">
-            <a:schemeClr val="accent1"/>
-          </a:fillRef>
-          <a:effectRef idx="1">
-            <a:schemeClr val="accent1"/>
-          </a:effectRef>
-          <a:fontRef idx="minor">
-            <a:schemeClr val="tx1"/>
-          </a:fontRef>
-        </p:style>
-      </p:cxnSp>
-      <p:sp>
-        <p:nvSpPr>
-          <p:cNvPr id="10" name="Oval 9">
-            <a:extLst>
-              <a:ext uri="{FF2B5EF4-FFF2-40B4-BE49-F238E27FC236}">
-                <a16:creationId xmlns:a16="http://schemas.microsoft.com/office/drawing/2014/main" id="{65D5EB5A-D138-6684-ED9F-F2B01CBA913E}"/>
-              </a:ext>
-            </a:extLst>
-          </p:cNvPr>
-          <p:cNvSpPr/>
-          <p:nvPr/>
-        </p:nvSpPr>
-        <p:spPr>
-          <a:xfrm>
-            <a:off x="5259163" y="74192"/>
-            <a:ext cx="1858297" cy="393290"/>
-          </a:xfrm>
-          <a:prstGeom prst="ellipse">
-            <a:avLst/>
-          </a:prstGeom>
-        </p:spPr>
-        <p:style>
-          <a:lnRef idx="2">
-            <a:schemeClr val="accent6"/>
-          </a:lnRef>
-          <a:fillRef idx="1">
-            <a:schemeClr val="lt1"/>
-          </a:fillRef>
-          <a:effectRef idx="0">
-            <a:schemeClr val="accent6"/>
-          </a:effectRef>
-          <a:fontRef idx="minor">
-            <a:schemeClr val="dk1"/>
-          </a:fontRef>
-        </p:style>
-        <p:txBody>
-          <a:bodyPr rtlCol="0" anchor="ctr"/>
-          <a:lstStyle/>
-          <a:p>
-            <a:pPr algn="ctr"/>
-            <a:r>
-              <a:rPr lang="vi-VN" sz="1400" dirty="0">
-                <a:latin typeface="+mj-lt"/>
-              </a:rPr>
-              <a:t>Tìm nhóm</a:t>
-            </a:r>
-            <a:endParaRPr lang="en-US" sz="1400" dirty="0">
-              <a:latin typeface="+mj-lt"/>
-            </a:endParaRPr>
-          </a:p>
-        </p:txBody>
-      </p:sp>
-      <p:sp>
-        <p:nvSpPr>
-          <p:cNvPr id="14" name="Oval 13">
-            <a:extLst>
-              <a:ext uri="{FF2B5EF4-FFF2-40B4-BE49-F238E27FC236}">
-                <a16:creationId xmlns:a16="http://schemas.microsoft.com/office/drawing/2014/main" id="{0EDF8E67-CEDF-5136-6488-9FF27F6FC007}"/>
-              </a:ext>
-            </a:extLst>
-          </p:cNvPr>
-          <p:cNvSpPr/>
-          <p:nvPr/>
-        </p:nvSpPr>
-        <p:spPr>
-          <a:xfrm>
-            <a:off x="6789412" y="3286183"/>
-            <a:ext cx="2203535" cy="393290"/>
-          </a:xfrm>
-          <a:prstGeom prst="ellipse">
-            <a:avLst/>
-          </a:prstGeom>
-        </p:spPr>
-        <p:style>
-          <a:lnRef idx="2">
-            <a:schemeClr val="accent6"/>
-          </a:lnRef>
-          <a:fillRef idx="1">
-            <a:schemeClr val="lt1"/>
-          </a:fillRef>
-          <a:effectRef idx="0">
-            <a:schemeClr val="accent6"/>
-          </a:effectRef>
-          <a:fontRef idx="minor">
-            <a:schemeClr val="dk1"/>
-          </a:fontRef>
-        </p:style>
-        <p:txBody>
-          <a:bodyPr rtlCol="0" anchor="ctr"/>
-          <a:lstStyle/>
-          <a:p>
-            <a:pPr algn="ctr"/>
-            <a:r>
-              <a:rPr lang="vi-VN" sz="1400" dirty="0">
-                <a:latin typeface="+mj-lt"/>
-              </a:rPr>
-              <a:t>Tham gia  nhóm công khai</a:t>
-            </a:r>
-            <a:endParaRPr lang="en-US" sz="1400" dirty="0">
-              <a:latin typeface="+mj-lt"/>
-            </a:endParaRPr>
-          </a:p>
-        </p:txBody>
-      </p:sp>
-      <p:sp>
-        <p:nvSpPr>
-          <p:cNvPr id="16" name="Oval 15">
-            <a:extLst>
-              <a:ext uri="{FF2B5EF4-FFF2-40B4-BE49-F238E27FC236}">
-                <a16:creationId xmlns:a16="http://schemas.microsoft.com/office/drawing/2014/main" id="{DFDC4867-8797-C90F-AE6F-F92D26EDA457}"/>
-              </a:ext>
-            </a:extLst>
-          </p:cNvPr>
-          <p:cNvSpPr/>
-          <p:nvPr/>
-        </p:nvSpPr>
-        <p:spPr>
-          <a:xfrm>
-            <a:off x="3963881" y="3361441"/>
-            <a:ext cx="2203535" cy="393290"/>
-          </a:xfrm>
-          <a:prstGeom prst="ellipse">
-            <a:avLst/>
-          </a:prstGeom>
-        </p:spPr>
-        <p:style>
-          <a:lnRef idx="2">
-            <a:schemeClr val="accent6"/>
-          </a:lnRef>
-          <a:fillRef idx="1">
-            <a:schemeClr val="lt1"/>
-          </a:fillRef>
-          <a:effectRef idx="0">
-            <a:schemeClr val="accent6"/>
-          </a:effectRef>
-          <a:fontRef idx="minor">
-            <a:schemeClr val="dk1"/>
-          </a:fontRef>
-        </p:style>
-        <p:txBody>
-          <a:bodyPr rtlCol="0" anchor="ctr"/>
-          <a:lstStyle/>
-          <a:p>
-            <a:pPr algn="ctr"/>
-            <a:r>
-              <a:rPr lang="vi-VN" sz="1400" dirty="0">
-                <a:latin typeface="+mj-lt"/>
-              </a:rPr>
-              <a:t>Tham gia  nhóm riêng tư</a:t>
-            </a:r>
-            <a:endParaRPr lang="en-US" sz="1400" dirty="0">
-              <a:latin typeface="+mj-lt"/>
-            </a:endParaRPr>
-          </a:p>
-        </p:txBody>
-      </p:sp>
-      <p:cxnSp>
-        <p:nvCxnSpPr>
-          <p:cNvPr id="19" name="Straight Arrow Connector 18">
-            <a:extLst>
-              <a:ext uri="{FF2B5EF4-FFF2-40B4-BE49-F238E27FC236}">
-                <a16:creationId xmlns:a16="http://schemas.microsoft.com/office/drawing/2014/main" id="{2FC0F9F3-A397-BA7C-BDAE-269EFBA4DEEC}"/>
-              </a:ext>
-            </a:extLst>
-          </p:cNvPr>
-          <p:cNvCxnSpPr>
-            <a:cxnSpLocks/>
-            <a:stCxn id="14" idx="0"/>
-          </p:cNvCxnSpPr>
-          <p:nvPr/>
-        </p:nvCxnSpPr>
-        <p:spPr>
-          <a:xfrm flipH="1" flipV="1">
-            <a:off x="6765077" y="1970558"/>
-            <a:ext cx="1126103" cy="1315625"/>
-          </a:xfrm>
-          <a:prstGeom prst="straightConnector1">
-            <a:avLst/>
-          </a:prstGeom>
-          <a:ln>
-            <a:tailEnd type="triangle"/>
-          </a:ln>
-        </p:spPr>
-        <p:style>
-          <a:lnRef idx="2">
-            <a:schemeClr val="accent1"/>
-          </a:lnRef>
-          <a:fillRef idx="0">
-            <a:schemeClr val="accent1"/>
-          </a:fillRef>
-          <a:effectRef idx="1">
-            <a:schemeClr val="accent1"/>
-          </a:effectRef>
-          <a:fontRef idx="minor">
-            <a:schemeClr val="tx1"/>
-          </a:fontRef>
-        </p:style>
-      </p:cxnSp>
-      <p:cxnSp>
-        <p:nvCxnSpPr>
-          <p:cNvPr id="21" name="Straight Arrow Connector 20">
-            <a:extLst>
-              <a:ext uri="{FF2B5EF4-FFF2-40B4-BE49-F238E27FC236}">
-                <a16:creationId xmlns:a16="http://schemas.microsoft.com/office/drawing/2014/main" id="{4B14B7F4-7287-1D3C-1B6F-BB16B75F99E0}"/>
-              </a:ext>
-            </a:extLst>
-          </p:cNvPr>
-          <p:cNvCxnSpPr>
-            <a:cxnSpLocks/>
-            <a:stCxn id="16" idx="0"/>
-          </p:cNvCxnSpPr>
-          <p:nvPr/>
-        </p:nvCxnSpPr>
-        <p:spPr>
-          <a:xfrm flipV="1">
-            <a:off x="5065649" y="1925553"/>
-            <a:ext cx="814251" cy="1435888"/>
-          </a:xfrm>
-          <a:prstGeom prst="straightConnector1">
-            <a:avLst/>
-          </a:prstGeom>
-          <a:ln>
-            <a:tailEnd type="triangle"/>
-          </a:ln>
-        </p:spPr>
-        <p:style>
-          <a:lnRef idx="2">
-            <a:schemeClr val="accent1"/>
-          </a:lnRef>
-          <a:fillRef idx="0">
-            <a:schemeClr val="accent1"/>
-          </a:fillRef>
-          <a:effectRef idx="1">
-            <a:schemeClr val="accent1"/>
-          </a:effectRef>
-          <a:fontRef idx="minor">
-            <a:schemeClr val="tx1"/>
-          </a:fontRef>
-        </p:style>
-      </p:cxnSp>
-      <p:sp>
-        <p:nvSpPr>
-          <p:cNvPr id="54" name="Oval 53">
-            <a:extLst>
-              <a:ext uri="{FF2B5EF4-FFF2-40B4-BE49-F238E27FC236}">
-                <a16:creationId xmlns:a16="http://schemas.microsoft.com/office/drawing/2014/main" id="{204A77E9-159A-0CF3-1D40-A95C8E18A3EA}"/>
-              </a:ext>
-            </a:extLst>
-          </p:cNvPr>
-          <p:cNvSpPr/>
-          <p:nvPr/>
-        </p:nvSpPr>
-        <p:spPr>
-          <a:xfrm>
-            <a:off x="3092463" y="2051927"/>
-            <a:ext cx="1858297" cy="393290"/>
-          </a:xfrm>
-          <a:prstGeom prst="ellipse">
-            <a:avLst/>
-          </a:prstGeom>
-        </p:spPr>
-        <p:style>
-          <a:lnRef idx="2">
-            <a:schemeClr val="accent6"/>
-          </a:lnRef>
-          <a:fillRef idx="1">
-            <a:schemeClr val="lt1"/>
-          </a:fillRef>
-          <a:effectRef idx="0">
-            <a:schemeClr val="accent6"/>
-          </a:effectRef>
-          <a:fontRef idx="minor">
-            <a:schemeClr val="dk1"/>
-          </a:fontRef>
-        </p:style>
-        <p:txBody>
-          <a:bodyPr rtlCol="0" anchor="ctr"/>
-          <a:lstStyle/>
-          <a:p>
-            <a:pPr algn="ctr"/>
-            <a:r>
-              <a:rPr lang="vi-VN" sz="1400" dirty="0">
-                <a:latin typeface="+mj-lt"/>
-              </a:rPr>
-              <a:t>Trả lời câu hỏi tham gia nhóm</a:t>
-            </a:r>
-            <a:endParaRPr lang="en-US" sz="1400" dirty="0">
-              <a:latin typeface="+mj-lt"/>
-            </a:endParaRPr>
-          </a:p>
-        </p:txBody>
-      </p:sp>
-      <p:sp>
-        <p:nvSpPr>
-          <p:cNvPr id="57" name="TextBox 56">
-            <a:extLst>
-              <a:ext uri="{FF2B5EF4-FFF2-40B4-BE49-F238E27FC236}">
-                <a16:creationId xmlns:a16="http://schemas.microsoft.com/office/drawing/2014/main" id="{125CC6F3-4CCD-EB14-227B-45A88F8E5C28}"/>
-              </a:ext>
-            </a:extLst>
-          </p:cNvPr>
-          <p:cNvSpPr txBox="1"/>
-          <p:nvPr/>
-        </p:nvSpPr>
-        <p:spPr>
-          <a:xfrm>
-            <a:off x="3979184" y="2697379"/>
-            <a:ext cx="1204663" cy="307777"/>
-          </a:xfrm>
-          <a:prstGeom prst="rect">
-            <a:avLst/>
-          </a:prstGeom>
-          <a:noFill/>
-        </p:spPr>
-        <p:txBody>
-          <a:bodyPr wrap="square" rtlCol="0">
-            <a:spAutoFit/>
-          </a:bodyPr>
-          <a:lstStyle/>
-          <a:p>
-            <a:r>
-              <a:rPr lang="vi-VN" sz="1400" dirty="0">
-                <a:latin typeface="Times New Roman" panose="02020603050405020304" pitchFamily="18" charset="0"/>
-                <a:cs typeface="Times New Roman" panose="02020603050405020304" pitchFamily="18" charset="0"/>
-              </a:rPr>
-              <a:t>&lt;&lt;extend&gt;&gt;</a:t>
-            </a:r>
-            <a:endParaRPr lang="en-US" sz="1400" dirty="0">
-              <a:latin typeface="Times New Roman" panose="02020603050405020304" pitchFamily="18" charset="0"/>
-              <a:cs typeface="Times New Roman" panose="02020603050405020304" pitchFamily="18" charset="0"/>
-            </a:endParaRPr>
-          </a:p>
-        </p:txBody>
-      </p:sp>
-      <p:cxnSp>
-        <p:nvCxnSpPr>
-          <p:cNvPr id="68" name="Straight Connector 67">
-            <a:extLst>
-              <a:ext uri="{FF2B5EF4-FFF2-40B4-BE49-F238E27FC236}">
-                <a16:creationId xmlns:a16="http://schemas.microsoft.com/office/drawing/2014/main" id="{9F95281F-9B2E-6EBE-D6CF-F7B8D91F04F6}"/>
-              </a:ext>
-            </a:extLst>
-          </p:cNvPr>
-          <p:cNvCxnSpPr>
-            <a:cxnSpLocks/>
-            <a:stCxn id="44" idx="0"/>
-            <a:endCxn id="54" idx="0"/>
-          </p:cNvCxnSpPr>
-          <p:nvPr/>
-        </p:nvCxnSpPr>
-        <p:spPr>
-          <a:xfrm>
-            <a:off x="1688181" y="1184423"/>
-            <a:ext cx="2333431" cy="867504"/>
-          </a:xfrm>
-          <a:prstGeom prst="line">
-            <a:avLst/>
-          </a:prstGeom>
-        </p:spPr>
-        <p:style>
-          <a:lnRef idx="2">
-            <a:schemeClr val="accent1"/>
-          </a:lnRef>
-          <a:fillRef idx="0">
-            <a:schemeClr val="accent1"/>
-          </a:fillRef>
-          <a:effectRef idx="1">
-            <a:schemeClr val="accent1"/>
-          </a:effectRef>
-          <a:fontRef idx="minor">
-            <a:schemeClr val="tx1"/>
-          </a:fontRef>
-        </p:style>
-      </p:cxnSp>
-      <p:sp>
-        <p:nvSpPr>
-          <p:cNvPr id="86" name="Flowchart: Connector 85">
-            <a:extLst>
-              <a:ext uri="{FF2B5EF4-FFF2-40B4-BE49-F238E27FC236}">
-                <a16:creationId xmlns:a16="http://schemas.microsoft.com/office/drawing/2014/main" id="{84F73CA9-87D8-6330-4F65-31BD04647326}"/>
-              </a:ext>
-            </a:extLst>
-          </p:cNvPr>
-          <p:cNvSpPr/>
-          <p:nvPr/>
-        </p:nvSpPr>
-        <p:spPr>
-          <a:xfrm>
-            <a:off x="10602142" y="2003813"/>
-            <a:ext cx="196645" cy="186813"/>
-          </a:xfrm>
-          <a:prstGeom prst="flowChartConnector">
-            <a:avLst/>
-          </a:prstGeom>
-        </p:spPr>
-        <p:style>
-          <a:lnRef idx="2">
-            <a:schemeClr val="accent6"/>
-          </a:lnRef>
-          <a:fillRef idx="1">
-            <a:schemeClr val="lt1"/>
-          </a:fillRef>
-          <a:effectRef idx="0">
-            <a:schemeClr val="accent6"/>
-          </a:effectRef>
-          <a:fontRef idx="minor">
-            <a:schemeClr val="dk1"/>
-          </a:fontRef>
-        </p:style>
-        <p:txBody>
-          <a:bodyPr rtlCol="0" anchor="ctr"/>
-          <a:lstStyle/>
-          <a:p>
-            <a:pPr algn="ctr"/>
-            <a:endParaRPr lang="en-US"/>
-          </a:p>
-        </p:txBody>
-      </p:sp>
-      <p:cxnSp>
-        <p:nvCxnSpPr>
-          <p:cNvPr id="87" name="Straight Connector 86">
-            <a:extLst>
-              <a:ext uri="{FF2B5EF4-FFF2-40B4-BE49-F238E27FC236}">
-                <a16:creationId xmlns:a16="http://schemas.microsoft.com/office/drawing/2014/main" id="{62A3C59A-050F-CC84-1EAB-0A20BC637B6F}"/>
-              </a:ext>
-            </a:extLst>
-          </p:cNvPr>
-          <p:cNvCxnSpPr>
-            <a:stCxn id="86" idx="4"/>
-          </p:cNvCxnSpPr>
-          <p:nvPr/>
-        </p:nvCxnSpPr>
-        <p:spPr>
-          <a:xfrm>
-            <a:off x="10700465" y="2190626"/>
-            <a:ext cx="0" cy="403123"/>
-          </a:xfrm>
-          <a:prstGeom prst="line">
-            <a:avLst/>
-          </a:prstGeom>
-        </p:spPr>
-        <p:style>
-          <a:lnRef idx="2">
-            <a:schemeClr val="accent1"/>
-          </a:lnRef>
-          <a:fillRef idx="0">
-            <a:schemeClr val="accent1"/>
-          </a:fillRef>
-          <a:effectRef idx="1">
-            <a:schemeClr val="accent1"/>
-          </a:effectRef>
-          <a:fontRef idx="minor">
-            <a:schemeClr val="tx1"/>
-          </a:fontRef>
-        </p:style>
-      </p:cxnSp>
-      <p:cxnSp>
-        <p:nvCxnSpPr>
-          <p:cNvPr id="90" name="Straight Connector 89">
-            <a:extLst>
-              <a:ext uri="{FF2B5EF4-FFF2-40B4-BE49-F238E27FC236}">
-                <a16:creationId xmlns:a16="http://schemas.microsoft.com/office/drawing/2014/main" id="{9A4FDCED-B969-C88A-19D3-1BD4F99B8B1A}"/>
-              </a:ext>
-            </a:extLst>
-          </p:cNvPr>
-          <p:cNvCxnSpPr>
-            <a:cxnSpLocks/>
-          </p:cNvCxnSpPr>
-          <p:nvPr/>
-        </p:nvCxnSpPr>
-        <p:spPr>
-          <a:xfrm>
-            <a:off x="10700465" y="2328277"/>
-            <a:ext cx="196645" cy="0"/>
-          </a:xfrm>
-          <a:prstGeom prst="line">
-            <a:avLst/>
-          </a:prstGeom>
-        </p:spPr>
-        <p:style>
-          <a:lnRef idx="2">
-            <a:schemeClr val="accent1"/>
-          </a:lnRef>
-          <a:fillRef idx="0">
-            <a:schemeClr val="accent1"/>
-          </a:fillRef>
-          <a:effectRef idx="1">
-            <a:schemeClr val="accent1"/>
-          </a:effectRef>
-          <a:fontRef idx="minor">
-            <a:schemeClr val="tx1"/>
-          </a:fontRef>
-        </p:style>
-      </p:cxnSp>
-      <p:cxnSp>
-        <p:nvCxnSpPr>
-          <p:cNvPr id="91" name="Straight Connector 90">
-            <a:extLst>
-              <a:ext uri="{FF2B5EF4-FFF2-40B4-BE49-F238E27FC236}">
-                <a16:creationId xmlns:a16="http://schemas.microsoft.com/office/drawing/2014/main" id="{28621740-4B5B-D09E-F7E5-5A1AC9861DA3}"/>
-              </a:ext>
-            </a:extLst>
-          </p:cNvPr>
-          <p:cNvCxnSpPr>
-            <a:cxnSpLocks/>
-          </p:cNvCxnSpPr>
-          <p:nvPr/>
-        </p:nvCxnSpPr>
-        <p:spPr>
-          <a:xfrm flipH="1">
-            <a:off x="10523484" y="2328277"/>
-            <a:ext cx="152400" cy="0"/>
-          </a:xfrm>
-          <a:prstGeom prst="line">
-            <a:avLst/>
-          </a:prstGeom>
-        </p:spPr>
-        <p:style>
-          <a:lnRef idx="2">
-            <a:schemeClr val="accent1"/>
-          </a:lnRef>
-          <a:fillRef idx="0">
-            <a:schemeClr val="accent1"/>
-          </a:fillRef>
-          <a:effectRef idx="1">
-            <a:schemeClr val="accent1"/>
-          </a:effectRef>
-          <a:fontRef idx="minor">
-            <a:schemeClr val="tx1"/>
-          </a:fontRef>
-        </p:style>
-      </p:cxnSp>
-      <p:cxnSp>
-        <p:nvCxnSpPr>
-          <p:cNvPr id="92" name="Straight Connector 91">
-            <a:extLst>
-              <a:ext uri="{FF2B5EF4-FFF2-40B4-BE49-F238E27FC236}">
-                <a16:creationId xmlns:a16="http://schemas.microsoft.com/office/drawing/2014/main" id="{91E2232C-A583-32B4-52A2-0A4FD4CC7FDC}"/>
-              </a:ext>
-            </a:extLst>
-          </p:cNvPr>
-          <p:cNvCxnSpPr/>
-          <p:nvPr/>
-        </p:nvCxnSpPr>
-        <p:spPr>
-          <a:xfrm flipH="1">
-            <a:off x="10523484" y="2603580"/>
-            <a:ext cx="152400" cy="137652"/>
-          </a:xfrm>
-          <a:prstGeom prst="line">
-            <a:avLst/>
-          </a:prstGeom>
-        </p:spPr>
-        <p:style>
-          <a:lnRef idx="2">
-            <a:schemeClr val="accent1"/>
-          </a:lnRef>
-          <a:fillRef idx="0">
-            <a:schemeClr val="accent1"/>
-          </a:fillRef>
-          <a:effectRef idx="1">
-            <a:schemeClr val="accent1"/>
-          </a:effectRef>
-          <a:fontRef idx="minor">
-            <a:schemeClr val="tx1"/>
-          </a:fontRef>
-        </p:style>
-      </p:cxnSp>
-      <p:cxnSp>
-        <p:nvCxnSpPr>
-          <p:cNvPr id="94" name="Straight Connector 93">
-            <a:extLst>
-              <a:ext uri="{FF2B5EF4-FFF2-40B4-BE49-F238E27FC236}">
-                <a16:creationId xmlns:a16="http://schemas.microsoft.com/office/drawing/2014/main" id="{7A7FF1B4-9C20-B9BD-B9A4-73CF0BBF6A97}"/>
-              </a:ext>
-            </a:extLst>
-          </p:cNvPr>
-          <p:cNvCxnSpPr/>
-          <p:nvPr/>
-        </p:nvCxnSpPr>
-        <p:spPr>
-          <a:xfrm>
-            <a:off x="10675883" y="2603580"/>
-            <a:ext cx="221227" cy="137651"/>
-          </a:xfrm>
-          <a:prstGeom prst="line">
-            <a:avLst/>
-          </a:prstGeom>
-        </p:spPr>
-        <p:style>
-          <a:lnRef idx="2">
-            <a:schemeClr val="accent1"/>
-          </a:lnRef>
-          <a:fillRef idx="0">
-            <a:schemeClr val="accent1"/>
-          </a:fillRef>
-          <a:effectRef idx="1">
-            <a:schemeClr val="accent1"/>
-          </a:effectRef>
-          <a:fontRef idx="minor">
-            <a:schemeClr val="tx1"/>
-          </a:fontRef>
-        </p:style>
-      </p:cxnSp>
-      <p:sp>
-        <p:nvSpPr>
-          <p:cNvPr id="96" name="TextBox 95">
-            <a:extLst>
-              <a:ext uri="{FF2B5EF4-FFF2-40B4-BE49-F238E27FC236}">
-                <a16:creationId xmlns:a16="http://schemas.microsoft.com/office/drawing/2014/main" id="{0A52E499-61C2-50F1-9FEC-1C8B3A7C5989}"/>
-              </a:ext>
-            </a:extLst>
-          </p:cNvPr>
-          <p:cNvSpPr txBox="1"/>
-          <p:nvPr/>
-        </p:nvSpPr>
-        <p:spPr>
-          <a:xfrm>
-            <a:off x="10381194" y="2860638"/>
-            <a:ext cx="835186" cy="307777"/>
-          </a:xfrm>
-          <a:prstGeom prst="rect">
-            <a:avLst/>
-          </a:prstGeom>
-          <a:noFill/>
-        </p:spPr>
-        <p:txBody>
-          <a:bodyPr wrap="square" rtlCol="0">
-            <a:spAutoFit/>
-          </a:bodyPr>
-          <a:lstStyle/>
-          <a:p>
-            <a:r>
-              <a:rPr lang="vi-VN" sz="1400" dirty="0">
-                <a:latin typeface="Times New Roman" panose="02020603050405020304" pitchFamily="18" charset="0"/>
-                <a:cs typeface="Times New Roman" panose="02020603050405020304" pitchFamily="18" charset="0"/>
-              </a:rPr>
-              <a:t>system</a:t>
-            </a:r>
-            <a:endParaRPr lang="en-US" sz="1400" dirty="0">
-              <a:latin typeface="Times New Roman" panose="02020603050405020304" pitchFamily="18" charset="0"/>
-              <a:cs typeface="Times New Roman" panose="02020603050405020304" pitchFamily="18" charset="0"/>
-            </a:endParaRPr>
-          </a:p>
-        </p:txBody>
-      </p:sp>
-      <p:cxnSp>
-        <p:nvCxnSpPr>
-          <p:cNvPr id="108" name="Straight Connector 107">
-            <a:extLst>
-              <a:ext uri="{FF2B5EF4-FFF2-40B4-BE49-F238E27FC236}">
-                <a16:creationId xmlns:a16="http://schemas.microsoft.com/office/drawing/2014/main" id="{4FCE513D-8553-E440-0AA1-92B490A007FA}"/>
-              </a:ext>
-            </a:extLst>
-          </p:cNvPr>
-          <p:cNvCxnSpPr>
-            <a:stCxn id="44" idx="0"/>
-            <a:endCxn id="10" idx="2"/>
-          </p:cNvCxnSpPr>
-          <p:nvPr/>
-        </p:nvCxnSpPr>
-        <p:spPr>
-          <a:xfrm flipV="1">
-            <a:off x="1688181" y="270837"/>
-            <a:ext cx="3570982" cy="913586"/>
-          </a:xfrm>
-          <a:prstGeom prst="line">
-            <a:avLst/>
-          </a:prstGeom>
-        </p:spPr>
-        <p:style>
-          <a:lnRef idx="2">
-            <a:schemeClr val="accent1"/>
-          </a:lnRef>
-          <a:fillRef idx="0">
-            <a:schemeClr val="accent1"/>
-          </a:fillRef>
-          <a:effectRef idx="1">
-            <a:schemeClr val="accent1"/>
-          </a:effectRef>
-          <a:fontRef idx="minor">
-            <a:schemeClr val="tx1"/>
-          </a:fontRef>
-        </p:style>
-      </p:cxnSp>
-      <p:cxnSp>
-        <p:nvCxnSpPr>
-          <p:cNvPr id="112" name="Straight Connector 111">
-            <a:extLst>
-              <a:ext uri="{FF2B5EF4-FFF2-40B4-BE49-F238E27FC236}">
-                <a16:creationId xmlns:a16="http://schemas.microsoft.com/office/drawing/2014/main" id="{6845592C-8971-B68B-DBA6-2937B8AAE398}"/>
-              </a:ext>
-            </a:extLst>
-          </p:cNvPr>
-          <p:cNvCxnSpPr>
-            <a:stCxn id="44" idx="0"/>
-            <a:endCxn id="61" idx="2"/>
-          </p:cNvCxnSpPr>
-          <p:nvPr/>
-        </p:nvCxnSpPr>
-        <p:spPr>
-          <a:xfrm>
-            <a:off x="1688181" y="1184423"/>
-            <a:ext cx="3697475" cy="590446"/>
-          </a:xfrm>
-          <a:prstGeom prst="line">
-            <a:avLst/>
-          </a:prstGeom>
-        </p:spPr>
-        <p:style>
-          <a:lnRef idx="2">
-            <a:schemeClr val="accent1"/>
-          </a:lnRef>
-          <a:fillRef idx="0">
-            <a:schemeClr val="accent1"/>
-          </a:fillRef>
-          <a:effectRef idx="1">
-            <a:schemeClr val="accent1"/>
-          </a:effectRef>
-          <a:fontRef idx="minor">
-            <a:schemeClr val="tx1"/>
-          </a:fontRef>
-        </p:style>
-      </p:cxnSp>
-      <p:sp>
-        <p:nvSpPr>
-          <p:cNvPr id="124" name="Oval 123">
-            <a:extLst>
-              <a:ext uri="{FF2B5EF4-FFF2-40B4-BE49-F238E27FC236}">
-                <a16:creationId xmlns:a16="http://schemas.microsoft.com/office/drawing/2014/main" id="{8DC5BA2F-0671-4018-06AF-E6C609DFA31B}"/>
-              </a:ext>
-            </a:extLst>
-          </p:cNvPr>
-          <p:cNvSpPr/>
-          <p:nvPr/>
-        </p:nvSpPr>
-        <p:spPr>
-          <a:xfrm>
-            <a:off x="5648922" y="6193873"/>
-            <a:ext cx="1858297" cy="393290"/>
-          </a:xfrm>
-          <a:prstGeom prst="ellipse">
-            <a:avLst/>
-          </a:prstGeom>
-        </p:spPr>
-        <p:style>
-          <a:lnRef idx="2">
-            <a:schemeClr val="accent6"/>
-          </a:lnRef>
-          <a:fillRef idx="1">
-            <a:schemeClr val="lt1"/>
-          </a:fillRef>
-          <a:effectRef idx="0">
-            <a:schemeClr val="accent6"/>
-          </a:effectRef>
-          <a:fontRef idx="minor">
-            <a:schemeClr val="dk1"/>
-          </a:fontRef>
-        </p:style>
-        <p:txBody>
-          <a:bodyPr rtlCol="0" anchor="ctr"/>
-          <a:lstStyle/>
-          <a:p>
-            <a:pPr algn="ctr"/>
-            <a:r>
-              <a:rPr lang="vi-VN" sz="1400" dirty="0">
-                <a:latin typeface="+mj-lt"/>
-              </a:rPr>
-              <a:t>Thông báo tới người dùng</a:t>
-            </a:r>
-            <a:endParaRPr lang="en-US" sz="1400" dirty="0">
-              <a:latin typeface="+mj-lt"/>
-            </a:endParaRPr>
-          </a:p>
-        </p:txBody>
-      </p:sp>
-      <p:cxnSp>
-        <p:nvCxnSpPr>
-          <p:cNvPr id="126" name="Straight Connector 125">
-            <a:extLst>
-              <a:ext uri="{FF2B5EF4-FFF2-40B4-BE49-F238E27FC236}">
-                <a16:creationId xmlns:a16="http://schemas.microsoft.com/office/drawing/2014/main" id="{DB70354F-C5BB-65FE-073B-38B0D2A27B38}"/>
-              </a:ext>
-            </a:extLst>
-          </p:cNvPr>
-          <p:cNvCxnSpPr>
-            <a:stCxn id="44" idx="0"/>
-            <a:endCxn id="124" idx="2"/>
-          </p:cNvCxnSpPr>
-          <p:nvPr/>
-        </p:nvCxnSpPr>
-        <p:spPr>
-          <a:xfrm>
-            <a:off x="1688181" y="1184423"/>
-            <a:ext cx="3960741" cy="5206095"/>
-          </a:xfrm>
-          <a:prstGeom prst="line">
-            <a:avLst/>
-          </a:prstGeom>
-        </p:spPr>
-        <p:style>
-          <a:lnRef idx="2">
-            <a:schemeClr val="accent1"/>
-          </a:lnRef>
-          <a:fillRef idx="0">
-            <a:schemeClr val="accent1"/>
-          </a:fillRef>
-          <a:effectRef idx="1">
-            <a:schemeClr val="accent1"/>
-          </a:effectRef>
-          <a:fontRef idx="minor">
-            <a:schemeClr val="tx1"/>
-          </a:fontRef>
-        </p:style>
-      </p:cxnSp>
-      <p:cxnSp>
-        <p:nvCxnSpPr>
-          <p:cNvPr id="128" name="Straight Connector 127">
-            <a:extLst>
-              <a:ext uri="{FF2B5EF4-FFF2-40B4-BE49-F238E27FC236}">
-                <a16:creationId xmlns:a16="http://schemas.microsoft.com/office/drawing/2014/main" id="{2E565068-BE9E-4EC6-BF1A-6FED0581D651}"/>
-              </a:ext>
-            </a:extLst>
-          </p:cNvPr>
-          <p:cNvCxnSpPr>
-            <a:stCxn id="86" idx="2"/>
-            <a:endCxn id="124" idx="6"/>
-          </p:cNvCxnSpPr>
-          <p:nvPr/>
-        </p:nvCxnSpPr>
-        <p:spPr>
-          <a:xfrm flipH="1">
-            <a:off x="7507219" y="2097220"/>
-            <a:ext cx="3094923" cy="4293298"/>
-          </a:xfrm>
-          <a:prstGeom prst="line">
-            <a:avLst/>
-          </a:prstGeom>
-        </p:spPr>
-        <p:style>
-          <a:lnRef idx="2">
-            <a:schemeClr val="accent1"/>
-          </a:lnRef>
-          <a:fillRef idx="0">
-            <a:schemeClr val="accent1"/>
-          </a:fillRef>
-          <a:effectRef idx="1">
-            <a:schemeClr val="accent1"/>
-          </a:effectRef>
-          <a:fontRef idx="minor">
-            <a:schemeClr val="tx1"/>
-          </a:fontRef>
-        </p:style>
-      </p:cxnSp>
-      <p:cxnSp>
-        <p:nvCxnSpPr>
-          <p:cNvPr id="141" name="Straight Arrow Connector 140">
-            <a:extLst>
-              <a:ext uri="{FF2B5EF4-FFF2-40B4-BE49-F238E27FC236}">
-                <a16:creationId xmlns:a16="http://schemas.microsoft.com/office/drawing/2014/main" id="{F361CDEE-4291-F6DF-6F14-B928595D3755}"/>
-              </a:ext>
-            </a:extLst>
-          </p:cNvPr>
-          <p:cNvCxnSpPr>
-            <a:cxnSpLocks/>
-            <a:stCxn id="54" idx="4"/>
-            <a:endCxn id="16" idx="0"/>
-          </p:cNvCxnSpPr>
-          <p:nvPr/>
-        </p:nvCxnSpPr>
-        <p:spPr>
-          <a:xfrm>
-            <a:off x="4021612" y="2445217"/>
-            <a:ext cx="1044037" cy="916224"/>
-          </a:xfrm>
-          <a:prstGeom prst="straightConnector1">
-            <a:avLst/>
-          </a:prstGeom>
-          <a:ln>
-            <a:prstDash val="sysDot"/>
-            <a:tailEnd type="triangle"/>
-          </a:ln>
-        </p:spPr>
-        <p:style>
-          <a:lnRef idx="2">
-            <a:schemeClr val="accent1"/>
-          </a:lnRef>
-          <a:fillRef idx="0">
-            <a:schemeClr val="accent1"/>
-          </a:fillRef>
-          <a:effectRef idx="1">
-            <a:schemeClr val="accent1"/>
-          </a:effectRef>
-          <a:fontRef idx="minor">
-            <a:schemeClr val="tx1"/>
-          </a:fontRef>
-        </p:style>
-      </p:cxnSp>
-      <p:sp>
-        <p:nvSpPr>
-          <p:cNvPr id="142" name="Oval 141">
-            <a:extLst>
-              <a:ext uri="{FF2B5EF4-FFF2-40B4-BE49-F238E27FC236}">
-                <a16:creationId xmlns:a16="http://schemas.microsoft.com/office/drawing/2014/main" id="{B4A8D7AC-74BD-FBA4-14DB-F416B2D80291}"/>
-              </a:ext>
-            </a:extLst>
-          </p:cNvPr>
-          <p:cNvSpPr/>
-          <p:nvPr/>
-        </p:nvSpPr>
-        <p:spPr>
-          <a:xfrm>
-            <a:off x="5278707" y="820090"/>
-            <a:ext cx="1858297" cy="393290"/>
-          </a:xfrm>
-          <a:prstGeom prst="ellipse">
-            <a:avLst/>
-          </a:prstGeom>
-        </p:spPr>
-        <p:style>
-          <a:lnRef idx="2">
-            <a:schemeClr val="accent6"/>
-          </a:lnRef>
-          <a:fillRef idx="1">
-            <a:schemeClr val="lt1"/>
-          </a:fillRef>
-          <a:effectRef idx="0">
-            <a:schemeClr val="accent6"/>
-          </a:effectRef>
-          <a:fontRef idx="minor">
-            <a:schemeClr val="dk1"/>
-          </a:fontRef>
-        </p:style>
-        <p:txBody>
-          <a:bodyPr rtlCol="0" anchor="ctr"/>
-          <a:lstStyle/>
-          <a:p>
-            <a:pPr algn="ctr"/>
-            <a:r>
-              <a:rPr lang="vi-VN" sz="1400" dirty="0">
-                <a:latin typeface="+mj-lt"/>
-              </a:rPr>
-              <a:t>Lấy ra danh sách nhóm</a:t>
-            </a:r>
-            <a:endParaRPr lang="en-US" sz="1400" dirty="0">
-              <a:latin typeface="+mj-lt"/>
-            </a:endParaRPr>
-          </a:p>
-        </p:txBody>
-      </p:sp>
-      <p:cxnSp>
-        <p:nvCxnSpPr>
-          <p:cNvPr id="145" name="Straight Connector 144">
-            <a:extLst>
-              <a:ext uri="{FF2B5EF4-FFF2-40B4-BE49-F238E27FC236}">
-                <a16:creationId xmlns:a16="http://schemas.microsoft.com/office/drawing/2014/main" id="{0AEC7A68-CA4F-52BE-B833-07DF6CD06733}"/>
-              </a:ext>
-            </a:extLst>
-          </p:cNvPr>
-          <p:cNvCxnSpPr>
-            <a:stCxn id="142" idx="6"/>
+            <a:stCxn id="61" idx="6"/>
             <a:endCxn id="86" idx="3"/>
           </p:cNvCxnSpPr>
           <p:nvPr/>
         </p:nvCxnSpPr>
         <p:spPr>
           <a:xfrm>
-            <a:off x="7137004" y="1016735"/>
-            <a:ext cx="3493936" cy="1146533"/>
+            <a:off x="7243953" y="1774869"/>
+            <a:ext cx="3386987" cy="388399"/>
           </a:xfrm>
           <a:prstGeom prst="line">
             <a:avLst/>
@@ -7886,55 +7874,12 @@
           </a:fontRef>
         </p:style>
       </p:cxnSp>
-      <p:cxnSp>
-        <p:nvCxnSpPr>
-          <p:cNvPr id="150" name="Straight Arrow Connector 149">
-            <a:extLst>
-              <a:ext uri="{FF2B5EF4-FFF2-40B4-BE49-F238E27FC236}">
-                <a16:creationId xmlns:a16="http://schemas.microsoft.com/office/drawing/2014/main" id="{78669E5E-40BA-5ECF-A7CB-0990A2F3B8D8}"/>
-              </a:ext>
-            </a:extLst>
-          </p:cNvPr>
-          <p:cNvCxnSpPr>
-            <a:stCxn id="10" idx="4"/>
-            <a:endCxn id="142" idx="0"/>
-          </p:cNvCxnSpPr>
-          <p:nvPr/>
-        </p:nvCxnSpPr>
-        <p:spPr>
-          <a:xfrm>
-            <a:off x="6188312" y="467482"/>
-            <a:ext cx="19544" cy="352608"/>
-          </a:xfrm>
-          <a:prstGeom prst="straightConnector1">
-            <a:avLst/>
-          </a:prstGeom>
-          <a:ln>
-            <a:prstDash val="sysDot"/>
-            <a:tailEnd type="triangle"/>
-          </a:ln>
-        </p:spPr>
-        <p:style>
-          <a:lnRef idx="2">
-            <a:schemeClr val="accent1"/>
-          </a:lnRef>
-          <a:fillRef idx="0">
-            <a:schemeClr val="accent1"/>
-          </a:fillRef>
-          <a:effectRef idx="1">
-            <a:schemeClr val="accent1"/>
-          </a:effectRef>
-          <a:fontRef idx="minor">
-            <a:schemeClr val="tx1"/>
-          </a:fontRef>
-        </p:style>
-      </p:cxnSp>
-      <p:sp>
-        <p:nvSpPr>
-          <p:cNvPr id="152" name="TextBox 151">
-            <a:extLst>
-              <a:ext uri="{FF2B5EF4-FFF2-40B4-BE49-F238E27FC236}">
-                <a16:creationId xmlns:a16="http://schemas.microsoft.com/office/drawing/2014/main" id="{2454AFED-7105-2896-E33F-BFC592BBF09C}"/>
+      <p:sp>
+        <p:nvSpPr>
+          <p:cNvPr id="5" name="TextBox 4">
+            <a:extLst>
+              <a:ext uri="{FF2B5EF4-FFF2-40B4-BE49-F238E27FC236}">
+                <a16:creationId xmlns:a16="http://schemas.microsoft.com/office/drawing/2014/main" id="{D236D9B8-9648-20E6-3E3F-AD1274222BB2}"/>
               </a:ext>
             </a:extLst>
           </p:cNvPr>
@@ -7943,7 +7888,7 @@
         </p:nvSpPr>
         <p:spPr>
           <a:xfrm>
-            <a:off x="5089989" y="514681"/>
+            <a:off x="4316949" y="4412382"/>
             <a:ext cx="1117867" cy="307777"/>
           </a:xfrm>
           <a:prstGeom prst="rect">
@@ -7971,26 +7916,121 @@
           </a:p>
         </p:txBody>
       </p:sp>
+      <p:sp>
+        <p:nvSpPr>
+          <p:cNvPr id="6" name="Oval 5">
+            <a:extLst>
+              <a:ext uri="{FF2B5EF4-FFF2-40B4-BE49-F238E27FC236}">
+                <a16:creationId xmlns:a16="http://schemas.microsoft.com/office/drawing/2014/main" id="{0D4FB98E-1615-E005-B848-35D0F83EC5DA}"/>
+              </a:ext>
+            </a:extLst>
+          </p:cNvPr>
+          <p:cNvSpPr/>
+          <p:nvPr/>
+        </p:nvSpPr>
+        <p:spPr>
+          <a:xfrm>
+            <a:off x="5124593" y="5042510"/>
+            <a:ext cx="2203535" cy="393290"/>
+          </a:xfrm>
+          <a:prstGeom prst="ellipse">
+            <a:avLst/>
+          </a:prstGeom>
+        </p:spPr>
+        <p:style>
+          <a:lnRef idx="2">
+            <a:schemeClr val="accent6"/>
+          </a:lnRef>
+          <a:fillRef idx="1">
+            <a:schemeClr val="lt1"/>
+          </a:fillRef>
+          <a:effectRef idx="0">
+            <a:schemeClr val="accent6"/>
+          </a:effectRef>
+          <a:fontRef idx="minor">
+            <a:schemeClr val="dk1"/>
+          </a:fontRef>
+        </p:style>
+        <p:txBody>
+          <a:bodyPr rtlCol="0" anchor="ctr"/>
+          <a:lstStyle/>
+          <a:p>
+            <a:pPr algn="ctr"/>
+            <a:r>
+              <a:rPr lang="vi-VN" sz="1400" dirty="0">
+                <a:latin typeface="+mj-lt"/>
+              </a:rPr>
+              <a:t>Yêu cầu tham gia</a:t>
+            </a:r>
+            <a:endParaRPr lang="en-US" sz="1400" dirty="0">
+              <a:latin typeface="+mj-lt"/>
+            </a:endParaRPr>
+          </a:p>
+        </p:txBody>
+      </p:sp>
       <p:cxnSp>
         <p:nvCxnSpPr>
-          <p:cNvPr id="157" name="Straight Connector 156">
-            <a:extLst>
-              <a:ext uri="{FF2B5EF4-FFF2-40B4-BE49-F238E27FC236}">
-                <a16:creationId xmlns:a16="http://schemas.microsoft.com/office/drawing/2014/main" id="{F8B20570-CA3F-E4A7-5386-60D2ED905CCD}"/>
+          <p:cNvPr id="7" name="Straight Arrow Connector 6">
+            <a:extLst>
+              <a:ext uri="{FF2B5EF4-FFF2-40B4-BE49-F238E27FC236}">
+                <a16:creationId xmlns:a16="http://schemas.microsoft.com/office/drawing/2014/main" id="{BA6330D4-C636-5E40-E8EA-4A1B5A74479B}"/>
               </a:ext>
             </a:extLst>
           </p:cNvPr>
           <p:cNvCxnSpPr>
             <a:cxnSpLocks/>
-            <a:stCxn id="61" idx="6"/>
-            <a:endCxn id="86" idx="3"/>
+            <a:endCxn id="6" idx="0"/>
           </p:cNvCxnSpPr>
           <p:nvPr/>
         </p:nvCxnSpPr>
         <p:spPr>
           <a:xfrm>
-            <a:off x="7243953" y="1774869"/>
-            <a:ext cx="3386987" cy="388399"/>
+            <a:off x="5079028" y="3787246"/>
+            <a:ext cx="1147333" cy="1255264"/>
+          </a:xfrm>
+          <a:prstGeom prst="straightConnector1">
+            <a:avLst/>
+          </a:prstGeom>
+          <a:ln>
+            <a:prstDash val="sysDot"/>
+            <a:tailEnd type="triangle"/>
+          </a:ln>
+        </p:spPr>
+        <p:style>
+          <a:lnRef idx="2">
+            <a:schemeClr val="accent1"/>
+          </a:lnRef>
+          <a:fillRef idx="0">
+            <a:schemeClr val="accent1"/>
+          </a:fillRef>
+          <a:effectRef idx="1">
+            <a:schemeClr val="accent1"/>
+          </a:effectRef>
+          <a:fontRef idx="minor">
+            <a:schemeClr val="tx1"/>
+          </a:fontRef>
+        </p:style>
+      </p:cxnSp>
+      <p:cxnSp>
+        <p:nvCxnSpPr>
+          <p:cNvPr id="11" name="Straight Connector 10">
+            <a:extLst>
+              <a:ext uri="{FF2B5EF4-FFF2-40B4-BE49-F238E27FC236}">
+                <a16:creationId xmlns:a16="http://schemas.microsoft.com/office/drawing/2014/main" id="{94A436C1-BEBC-8B85-74F2-832C365AC97B}"/>
+              </a:ext>
+            </a:extLst>
+          </p:cNvPr>
+          <p:cNvCxnSpPr>
+            <a:cxnSpLocks/>
+            <a:stCxn id="38" idx="6"/>
+            <a:endCxn id="6" idx="2"/>
+          </p:cNvCxnSpPr>
+          <p:nvPr/>
+        </p:nvCxnSpPr>
+        <p:spPr>
+          <a:xfrm>
+            <a:off x="1237232" y="2487042"/>
+            <a:ext cx="3887361" cy="2752113"/>
           </a:xfrm>
           <a:prstGeom prst="line">
             <a:avLst/>
@@ -8344,23 +8384,6 @@
 </file>
 
 <file path=customXml/item1.xml><?xml version="1.0" encoding="utf-8"?>
-<?mso-contentType ?>
-<FormTemplates xmlns="http://schemas.microsoft.com/sharepoint/v3/contenttype/forms">
-  <Display>DocumentLibraryForm</Display>
-  <Edit>DocumentLibraryForm</Edit>
-  <New>DocumentLibraryForm</New>
-</FormTemplates>
-</file>
-
-<file path=customXml/item2.xml><?xml version="1.0" encoding="utf-8"?>
-<p:properties xmlns:p="http://schemas.microsoft.com/office/2006/metadata/properties" xmlns:xsi="http://www.w3.org/2001/XMLSchema-instance" xmlns:pc="http://schemas.microsoft.com/office/infopath/2007/PartnerControls">
-  <documentManagement>
-    <_activity xmlns="c80d803b-ee30-4cf1-8997-d5dbef288d47" xsi:nil="true"/>
-  </documentManagement>
-</p:properties>
-</file>
-
-<file path=customXml/item3.xml><?xml version="1.0" encoding="utf-8"?>
 <ct:contentTypeSchema xmlns:ct="http://schemas.microsoft.com/office/2006/metadata/contentType" xmlns:ma="http://schemas.microsoft.com/office/2006/metadata/properties/metaAttributes" ct:_="" ma:_="" ma:contentTypeName="Document" ma:contentTypeID="0x01010091885E8D135CD643938305DEC3E1B53E" ma:contentTypeVersion="15" ma:contentTypeDescription="Create a new document." ma:contentTypeScope="" ma:versionID="a6814ea74d3fb77b5ad977a3843b2846">
   <xsd:schema xmlns:xsd="http://www.w3.org/2001/XMLSchema" xmlns:xs="http://www.w3.org/2001/XMLSchema" xmlns:p="http://schemas.microsoft.com/office/2006/metadata/properties" xmlns:ns3="c80d803b-ee30-4cf1-8997-d5dbef288d47" xmlns:ns4="1c1e4822-5b82-4cb4-a39e-28e929ec74cb" targetNamespace="http://schemas.microsoft.com/office/2006/metadata/properties" ma:root="true" ma:fieldsID="20e89a6ac46c5aeb3e918dc78faa7076" ns3:_="" ns4:_="">
     <xsd:import namespace="c80d803b-ee30-4cf1-8997-d5dbef288d47"/>
@@ -8593,32 +8616,24 @@
 </ct:contentTypeSchema>
 </file>
 
-<file path=customXml/itemProps1.xml><?xml version="1.0" encoding="utf-8"?>
-<ds:datastoreItem xmlns:ds="http://schemas.openxmlformats.org/officeDocument/2006/customXml" ds:itemID="{CC0F71D0-B456-499C-9723-E5E42E4AD08D}">
-  <ds:schemaRefs>
-    <ds:schemaRef ds:uri="http://schemas.microsoft.com/sharepoint/v3/contenttype/forms"/>
-  </ds:schemaRefs>
-</ds:datastoreItem>
+<file path=customXml/item2.xml><?xml version="1.0" encoding="utf-8"?>
+<?mso-contentType ?>
+<FormTemplates xmlns="http://schemas.microsoft.com/sharepoint/v3/contenttype/forms">
+  <Display>DocumentLibraryForm</Display>
+  <Edit>DocumentLibraryForm</Edit>
+  <New>DocumentLibraryForm</New>
+</FormTemplates>
 </file>
 
-<file path=customXml/itemProps2.xml><?xml version="1.0" encoding="utf-8"?>
-<ds:datastoreItem xmlns:ds="http://schemas.openxmlformats.org/officeDocument/2006/customXml" ds:itemID="{62708EBF-A450-4275-BE92-5350CCD7E3D8}">
-  <ds:schemaRefs>
-    <ds:schemaRef ds:uri="http://schemas.microsoft.com/office/2006/documentManagement/types"/>
-    <ds:schemaRef ds:uri="http://purl.org/dc/dcmitype/"/>
-    <ds:schemaRef ds:uri="http://purl.org/dc/elements/1.1/"/>
-    <ds:schemaRef ds:uri="http://schemas.microsoft.com/office/infopath/2007/PartnerControls"/>
-    <ds:schemaRef ds:uri="http://schemas.openxmlformats.org/package/2006/metadata/core-properties"/>
-    <ds:schemaRef ds:uri="http://www.w3.org/XML/1998/namespace"/>
-    <ds:schemaRef ds:uri="1c1e4822-5b82-4cb4-a39e-28e929ec74cb"/>
-    <ds:schemaRef ds:uri="c80d803b-ee30-4cf1-8997-d5dbef288d47"/>
-    <ds:schemaRef ds:uri="http://schemas.microsoft.com/office/2006/metadata/properties"/>
-    <ds:schemaRef ds:uri="http://purl.org/dc/terms/"/>
-  </ds:schemaRefs>
-</ds:datastoreItem>
+<file path=customXml/item3.xml><?xml version="1.0" encoding="utf-8"?>
+<p:properties xmlns:p="http://schemas.microsoft.com/office/2006/metadata/properties" xmlns:xsi="http://www.w3.org/2001/XMLSchema-instance" xmlns:pc="http://schemas.microsoft.com/office/infopath/2007/PartnerControls">
+  <documentManagement>
+    <_activity xmlns="c80d803b-ee30-4cf1-8997-d5dbef288d47" xsi:nil="true"/>
+  </documentManagement>
+</p:properties>
 </file>
 
-<file path=customXml/itemProps3.xml><?xml version="1.0" encoding="utf-8"?>
+<file path=customXml/itemProps1.xml><?xml version="1.0" encoding="utf-8"?>
 <ds:datastoreItem xmlns:ds="http://schemas.openxmlformats.org/officeDocument/2006/customXml" ds:itemID="{E7720A69-3D9A-4641-9490-F8E3EC0921C6}">
   <ds:schemaRefs>
     <ds:schemaRef ds:uri="http://schemas.microsoft.com/office/2006/metadata/contentType"/>
@@ -8635,4 +8650,29 @@
     <ds:schemaRef ds:uri="http://schemas.microsoft.com/internal/obd"/>
   </ds:schemaRefs>
 </ds:datastoreItem>
+</file>
+
+<file path=customXml/itemProps2.xml><?xml version="1.0" encoding="utf-8"?>
+<ds:datastoreItem xmlns:ds="http://schemas.openxmlformats.org/officeDocument/2006/customXml" ds:itemID="{CC0F71D0-B456-499C-9723-E5E42E4AD08D}">
+  <ds:schemaRefs>
+    <ds:schemaRef ds:uri="http://schemas.microsoft.com/sharepoint/v3/contenttype/forms"/>
+  </ds:schemaRefs>
+</ds:datastoreItem>
+</file>
+
+<file path=customXml/itemProps3.xml><?xml version="1.0" encoding="utf-8"?>
+<ds:datastoreItem xmlns:ds="http://schemas.openxmlformats.org/officeDocument/2006/customXml" ds:itemID="{62708EBF-A450-4275-BE92-5350CCD7E3D8}">
+  <ds:schemaRefs>
+    <ds:schemaRef ds:uri="http://schemas.microsoft.com/office/2006/documentManagement/types"/>
+    <ds:schemaRef ds:uri="http://purl.org/dc/dcmitype/"/>
+    <ds:schemaRef ds:uri="http://purl.org/dc/elements/1.1/"/>
+    <ds:schemaRef ds:uri="http://schemas.microsoft.com/office/infopath/2007/PartnerControls"/>
+    <ds:schemaRef ds:uri="http://schemas.openxmlformats.org/package/2006/metadata/core-properties"/>
+    <ds:schemaRef ds:uri="http://www.w3.org/XML/1998/namespace"/>
+    <ds:schemaRef ds:uri="1c1e4822-5b82-4cb4-a39e-28e929ec74cb"/>
+    <ds:schemaRef ds:uri="c80d803b-ee30-4cf1-8997-d5dbef288d47"/>
+    <ds:schemaRef ds:uri="http://schemas.microsoft.com/office/2006/metadata/properties"/>
+    <ds:schemaRef ds:uri="http://purl.org/dc/terms/"/>
+  </ds:schemaRefs>
+</ds:datastoreItem>
 </file>
--- a/Use Case Diagram/UC_group.pptx
+++ b/Use Case Diagram/UC_group.pptx
@@ -5,8 +5,7 @@
     <p:sldMasterId id="2147483648" r:id="rId4"/>
   </p:sldMasterIdLst>
   <p:sldIdLst>
-    <p:sldId id="256" r:id="rId5"/>
-    <p:sldId id="258" r:id="rId6"/>
+    <p:sldId id="258" r:id="rId5"/>
   </p:sldIdLst>
   <p:sldSz cx="12192000" cy="6858000"/>
   <p:notesSz cx="6858000" cy="9144000"/>
@@ -268,7 +267,7 @@
           <a:p>
             <a:fld id="{5202C541-B2DD-4733-9C70-4F2EA2223365}" type="datetimeFigureOut">
               <a:rPr lang="en-US" smtClean="0"/>
-              <a:t>5/10/2025</a:t>
+              <a:t>5/18/2025</a:t>
             </a:fld>
             <a:endParaRPr lang="en-US"/>
           </a:p>
@@ -466,7 +465,7 @@
           <a:p>
             <a:fld id="{5202C541-B2DD-4733-9C70-4F2EA2223365}" type="datetimeFigureOut">
               <a:rPr lang="en-US" smtClean="0"/>
-              <a:t>5/10/2025</a:t>
+              <a:t>5/18/2025</a:t>
             </a:fld>
             <a:endParaRPr lang="en-US"/>
           </a:p>
@@ -674,7 +673,7 @@
           <a:p>
             <a:fld id="{5202C541-B2DD-4733-9C70-4F2EA2223365}" type="datetimeFigureOut">
               <a:rPr lang="en-US" smtClean="0"/>
-              <a:t>5/10/2025</a:t>
+              <a:t>5/18/2025</a:t>
             </a:fld>
             <a:endParaRPr lang="en-US"/>
           </a:p>
@@ -872,7 +871,7 @@
           <a:p>
             <a:fld id="{5202C541-B2DD-4733-9C70-4F2EA2223365}" type="datetimeFigureOut">
               <a:rPr lang="en-US" smtClean="0"/>
-              <a:t>5/10/2025</a:t>
+              <a:t>5/18/2025</a:t>
             </a:fld>
             <a:endParaRPr lang="en-US"/>
           </a:p>
@@ -1147,7 +1146,7 @@
           <a:p>
             <a:fld id="{5202C541-B2DD-4733-9C70-4F2EA2223365}" type="datetimeFigureOut">
               <a:rPr lang="en-US" smtClean="0"/>
-              <a:t>5/10/2025</a:t>
+              <a:t>5/18/2025</a:t>
             </a:fld>
             <a:endParaRPr lang="en-US"/>
           </a:p>
@@ -1412,7 +1411,7 @@
           <a:p>
             <a:fld id="{5202C541-B2DD-4733-9C70-4F2EA2223365}" type="datetimeFigureOut">
               <a:rPr lang="en-US" smtClean="0"/>
-              <a:t>5/10/2025</a:t>
+              <a:t>5/18/2025</a:t>
             </a:fld>
             <a:endParaRPr lang="en-US"/>
           </a:p>
@@ -1824,7 +1823,7 @@
           <a:p>
             <a:fld id="{5202C541-B2DD-4733-9C70-4F2EA2223365}" type="datetimeFigureOut">
               <a:rPr lang="en-US" smtClean="0"/>
-              <a:t>5/10/2025</a:t>
+              <a:t>5/18/2025</a:t>
             </a:fld>
             <a:endParaRPr lang="en-US"/>
           </a:p>
@@ -1965,7 +1964,7 @@
           <a:p>
             <a:fld id="{5202C541-B2DD-4733-9C70-4F2EA2223365}" type="datetimeFigureOut">
               <a:rPr lang="en-US" smtClean="0"/>
-              <a:t>5/10/2025</a:t>
+              <a:t>5/18/2025</a:t>
             </a:fld>
             <a:endParaRPr lang="en-US"/>
           </a:p>
@@ -2078,7 +2077,7 @@
           <a:p>
             <a:fld id="{5202C541-B2DD-4733-9C70-4F2EA2223365}" type="datetimeFigureOut">
               <a:rPr lang="en-US" smtClean="0"/>
-              <a:t>5/10/2025</a:t>
+              <a:t>5/18/2025</a:t>
             </a:fld>
             <a:endParaRPr lang="en-US"/>
           </a:p>
@@ -2389,7 +2388,7 @@
           <a:p>
             <a:fld id="{5202C541-B2DD-4733-9C70-4F2EA2223365}" type="datetimeFigureOut">
               <a:rPr lang="en-US" smtClean="0"/>
-              <a:t>5/10/2025</a:t>
+              <a:t>5/18/2025</a:t>
             </a:fld>
             <a:endParaRPr lang="en-US"/>
           </a:p>
@@ -2677,7 +2676,7 @@
           <a:p>
             <a:fld id="{5202C541-B2DD-4733-9C70-4F2EA2223365}" type="datetimeFigureOut">
               <a:rPr lang="en-US" smtClean="0"/>
-              <a:t>5/10/2025</a:t>
+              <a:t>5/18/2025</a:t>
             </a:fld>
             <a:endParaRPr lang="en-US"/>
           </a:p>
@@ -2918,7 +2917,7 @@
           <a:p>
             <a:fld id="{5202C541-B2DD-4733-9C70-4F2EA2223365}" type="datetimeFigureOut">
               <a:rPr lang="en-US" smtClean="0"/>
-              <a:t>5/10/2025</a:t>
+              <a:t>5/18/2025</a:t>
             </a:fld>
             <a:endParaRPr lang="en-US"/>
           </a:p>
@@ -3319,2396 +3318,6 @@
 </file>
 
 <file path=ppt/slides/slide1.xml><?xml version="1.0" encoding="utf-8"?>
-<p:sld xmlns:a="http://schemas.openxmlformats.org/drawingml/2006/main" xmlns:r="http://schemas.openxmlformats.org/officeDocument/2006/relationships" xmlns:p="http://schemas.openxmlformats.org/presentationml/2006/main">
-  <p:cSld>
-    <p:spTree>
-      <p:nvGrpSpPr>
-        <p:cNvPr id="1" name=""/>
-        <p:cNvGrpSpPr/>
-        <p:nvPr/>
-      </p:nvGrpSpPr>
-      <p:grpSpPr>
-        <a:xfrm>
-          <a:off x="0" y="0"/>
-          <a:ext cx="0" cy="0"/>
-          <a:chOff x="0" y="0"/>
-          <a:chExt cx="0" cy="0"/>
-        </a:xfrm>
-      </p:grpSpPr>
-      <p:sp>
-        <p:nvSpPr>
-          <p:cNvPr id="4" name="Rectangle 3">
-            <a:extLst>
-              <a:ext uri="{FF2B5EF4-FFF2-40B4-BE49-F238E27FC236}">
-                <a16:creationId xmlns:a16="http://schemas.microsoft.com/office/drawing/2014/main" id="{9C711C19-631F-60DB-741B-4196EAFF2926}"/>
-              </a:ext>
-            </a:extLst>
-          </p:cNvPr>
-          <p:cNvSpPr/>
-          <p:nvPr/>
-        </p:nvSpPr>
-        <p:spPr>
-          <a:xfrm>
-            <a:off x="4896464" y="-9832"/>
-            <a:ext cx="7266038" cy="6858000"/>
-          </a:xfrm>
-          <a:prstGeom prst="rect">
-            <a:avLst/>
-          </a:prstGeom>
-        </p:spPr>
-        <p:style>
-          <a:lnRef idx="2">
-            <a:schemeClr val="accent6"/>
-          </a:lnRef>
-          <a:fillRef idx="1">
-            <a:schemeClr val="lt1"/>
-          </a:fillRef>
-          <a:effectRef idx="0">
-            <a:schemeClr val="accent6"/>
-          </a:effectRef>
-          <a:fontRef idx="minor">
-            <a:schemeClr val="dk1"/>
-          </a:fontRef>
-        </p:style>
-        <p:txBody>
-          <a:bodyPr rtlCol="0" anchor="ctr"/>
-          <a:lstStyle/>
-          <a:p>
-            <a:pPr algn="ctr"/>
-            <a:endParaRPr lang="en-US" dirty="0"/>
-          </a:p>
-        </p:txBody>
-      </p:sp>
-      <p:sp>
-        <p:nvSpPr>
-          <p:cNvPr id="5" name="Flowchart: Connector 4">
-            <a:extLst>
-              <a:ext uri="{FF2B5EF4-FFF2-40B4-BE49-F238E27FC236}">
-                <a16:creationId xmlns:a16="http://schemas.microsoft.com/office/drawing/2014/main" id="{9A77B749-AD8C-DA81-92AD-811852AC7FA0}"/>
-              </a:ext>
-            </a:extLst>
-          </p:cNvPr>
-          <p:cNvSpPr/>
-          <p:nvPr/>
-        </p:nvSpPr>
-        <p:spPr>
-          <a:xfrm>
-            <a:off x="2109020" y="766916"/>
-            <a:ext cx="196645" cy="186813"/>
-          </a:xfrm>
-          <a:prstGeom prst="flowChartConnector">
-            <a:avLst/>
-          </a:prstGeom>
-        </p:spPr>
-        <p:style>
-          <a:lnRef idx="2">
-            <a:schemeClr val="accent6"/>
-          </a:lnRef>
-          <a:fillRef idx="1">
-            <a:schemeClr val="lt1"/>
-          </a:fillRef>
-          <a:effectRef idx="0">
-            <a:schemeClr val="accent6"/>
-          </a:effectRef>
-          <a:fontRef idx="minor">
-            <a:schemeClr val="dk1"/>
-          </a:fontRef>
-        </p:style>
-        <p:txBody>
-          <a:bodyPr rtlCol="0" anchor="ctr"/>
-          <a:lstStyle/>
-          <a:p>
-            <a:pPr algn="ctr"/>
-            <a:endParaRPr lang="en-US"/>
-          </a:p>
-        </p:txBody>
-      </p:sp>
-      <p:cxnSp>
-        <p:nvCxnSpPr>
-          <p:cNvPr id="7" name="Straight Connector 6">
-            <a:extLst>
-              <a:ext uri="{FF2B5EF4-FFF2-40B4-BE49-F238E27FC236}">
-                <a16:creationId xmlns:a16="http://schemas.microsoft.com/office/drawing/2014/main" id="{0BEBA7DB-5D38-E4EB-215D-FC69745E1E91}"/>
-              </a:ext>
-            </a:extLst>
-          </p:cNvPr>
-          <p:cNvCxnSpPr>
-            <a:cxnSpLocks/>
-            <a:stCxn id="5" idx="4"/>
-          </p:cNvCxnSpPr>
-          <p:nvPr/>
-        </p:nvCxnSpPr>
-        <p:spPr>
-          <a:xfrm>
-            <a:off x="2207343" y="953729"/>
-            <a:ext cx="0" cy="403123"/>
-          </a:xfrm>
-          <a:prstGeom prst="line">
-            <a:avLst/>
-          </a:prstGeom>
-        </p:spPr>
-        <p:style>
-          <a:lnRef idx="2">
-            <a:schemeClr val="accent1"/>
-          </a:lnRef>
-          <a:fillRef idx="0">
-            <a:schemeClr val="accent1"/>
-          </a:fillRef>
-          <a:effectRef idx="1">
-            <a:schemeClr val="accent1"/>
-          </a:effectRef>
-          <a:fontRef idx="minor">
-            <a:schemeClr val="tx1"/>
-          </a:fontRef>
-        </p:style>
-      </p:cxnSp>
-      <p:cxnSp>
-        <p:nvCxnSpPr>
-          <p:cNvPr id="9" name="Straight Connector 8">
-            <a:extLst>
-              <a:ext uri="{FF2B5EF4-FFF2-40B4-BE49-F238E27FC236}">
-                <a16:creationId xmlns:a16="http://schemas.microsoft.com/office/drawing/2014/main" id="{59E0A916-9ABB-8720-69D1-4D48255CBC48}"/>
-              </a:ext>
-            </a:extLst>
-          </p:cNvPr>
-          <p:cNvCxnSpPr>
-            <a:cxnSpLocks/>
-          </p:cNvCxnSpPr>
-          <p:nvPr/>
-        </p:nvCxnSpPr>
-        <p:spPr>
-          <a:xfrm>
-            <a:off x="2207343" y="1081549"/>
-            <a:ext cx="196645" cy="0"/>
-          </a:xfrm>
-          <a:prstGeom prst="line">
-            <a:avLst/>
-          </a:prstGeom>
-        </p:spPr>
-        <p:style>
-          <a:lnRef idx="2">
-            <a:schemeClr val="accent1"/>
-          </a:lnRef>
-          <a:fillRef idx="0">
-            <a:schemeClr val="accent1"/>
-          </a:fillRef>
-          <a:effectRef idx="1">
-            <a:schemeClr val="accent1"/>
-          </a:effectRef>
-          <a:fontRef idx="minor">
-            <a:schemeClr val="tx1"/>
-          </a:fontRef>
-        </p:style>
-      </p:cxnSp>
-      <p:cxnSp>
-        <p:nvCxnSpPr>
-          <p:cNvPr id="11" name="Straight Connector 10">
-            <a:extLst>
-              <a:ext uri="{FF2B5EF4-FFF2-40B4-BE49-F238E27FC236}">
-                <a16:creationId xmlns:a16="http://schemas.microsoft.com/office/drawing/2014/main" id="{00DD3FBA-BB81-A67B-E446-B760CCFECF58}"/>
-              </a:ext>
-            </a:extLst>
-          </p:cNvPr>
-          <p:cNvCxnSpPr>
-            <a:cxnSpLocks/>
-          </p:cNvCxnSpPr>
-          <p:nvPr/>
-        </p:nvCxnSpPr>
-        <p:spPr>
-          <a:xfrm flipH="1">
-            <a:off x="2030362" y="1081549"/>
-            <a:ext cx="152400" cy="0"/>
-          </a:xfrm>
-          <a:prstGeom prst="line">
-            <a:avLst/>
-          </a:prstGeom>
-        </p:spPr>
-        <p:style>
-          <a:lnRef idx="2">
-            <a:schemeClr val="accent1"/>
-          </a:lnRef>
-          <a:fillRef idx="0">
-            <a:schemeClr val="accent1"/>
-          </a:fillRef>
-          <a:effectRef idx="1">
-            <a:schemeClr val="accent1"/>
-          </a:effectRef>
-          <a:fontRef idx="minor">
-            <a:schemeClr val="tx1"/>
-          </a:fontRef>
-        </p:style>
-      </p:cxnSp>
-      <p:cxnSp>
-        <p:nvCxnSpPr>
-          <p:cNvPr id="15" name="Straight Connector 14">
-            <a:extLst>
-              <a:ext uri="{FF2B5EF4-FFF2-40B4-BE49-F238E27FC236}">
-                <a16:creationId xmlns:a16="http://schemas.microsoft.com/office/drawing/2014/main" id="{D33521DA-320F-A81F-8C51-B1CFB1E291DD}"/>
-              </a:ext>
-            </a:extLst>
-          </p:cNvPr>
-          <p:cNvCxnSpPr/>
-          <p:nvPr/>
-        </p:nvCxnSpPr>
-        <p:spPr>
-          <a:xfrm flipH="1">
-            <a:off x="2030362" y="1356852"/>
-            <a:ext cx="152400" cy="137652"/>
-          </a:xfrm>
-          <a:prstGeom prst="line">
-            <a:avLst/>
-          </a:prstGeom>
-        </p:spPr>
-        <p:style>
-          <a:lnRef idx="2">
-            <a:schemeClr val="accent1"/>
-          </a:lnRef>
-          <a:fillRef idx="0">
-            <a:schemeClr val="accent1"/>
-          </a:fillRef>
-          <a:effectRef idx="1">
-            <a:schemeClr val="accent1"/>
-          </a:effectRef>
-          <a:fontRef idx="minor">
-            <a:schemeClr val="tx1"/>
-          </a:fontRef>
-        </p:style>
-      </p:cxnSp>
-      <p:cxnSp>
-        <p:nvCxnSpPr>
-          <p:cNvPr id="17" name="Straight Connector 16">
-            <a:extLst>
-              <a:ext uri="{FF2B5EF4-FFF2-40B4-BE49-F238E27FC236}">
-                <a16:creationId xmlns:a16="http://schemas.microsoft.com/office/drawing/2014/main" id="{971BF0B2-D850-4118-5955-3A477CB00D66}"/>
-              </a:ext>
-            </a:extLst>
-          </p:cNvPr>
-          <p:cNvCxnSpPr/>
-          <p:nvPr/>
-        </p:nvCxnSpPr>
-        <p:spPr>
-          <a:xfrm>
-            <a:off x="2182761" y="1356852"/>
-            <a:ext cx="221227" cy="137651"/>
-          </a:xfrm>
-          <a:prstGeom prst="line">
-            <a:avLst/>
-          </a:prstGeom>
-        </p:spPr>
-        <p:style>
-          <a:lnRef idx="2">
-            <a:schemeClr val="accent1"/>
-          </a:lnRef>
-          <a:fillRef idx="0">
-            <a:schemeClr val="accent1"/>
-          </a:fillRef>
-          <a:effectRef idx="1">
-            <a:schemeClr val="accent1"/>
-          </a:effectRef>
-          <a:fontRef idx="minor">
-            <a:schemeClr val="tx1"/>
-          </a:fontRef>
-        </p:style>
-      </p:cxnSp>
-      <p:sp>
-        <p:nvSpPr>
-          <p:cNvPr id="32" name="Flowchart: Connector 31">
-            <a:extLst>
-              <a:ext uri="{FF2B5EF4-FFF2-40B4-BE49-F238E27FC236}">
-                <a16:creationId xmlns:a16="http://schemas.microsoft.com/office/drawing/2014/main" id="{9353B5DA-8AB8-F83B-6F26-0ACCCBA54FC9}"/>
-              </a:ext>
-            </a:extLst>
-          </p:cNvPr>
-          <p:cNvSpPr/>
-          <p:nvPr/>
-        </p:nvSpPr>
-        <p:spPr>
-          <a:xfrm>
-            <a:off x="762000" y="4360606"/>
-            <a:ext cx="196645" cy="186813"/>
-          </a:xfrm>
-          <a:prstGeom prst="flowChartConnector">
-            <a:avLst/>
-          </a:prstGeom>
-        </p:spPr>
-        <p:style>
-          <a:lnRef idx="2">
-            <a:schemeClr val="accent6"/>
-          </a:lnRef>
-          <a:fillRef idx="1">
-            <a:schemeClr val="lt1"/>
-          </a:fillRef>
-          <a:effectRef idx="0">
-            <a:schemeClr val="accent6"/>
-          </a:effectRef>
-          <a:fontRef idx="minor">
-            <a:schemeClr val="dk1"/>
-          </a:fontRef>
-        </p:style>
-        <p:txBody>
-          <a:bodyPr rtlCol="0" anchor="ctr"/>
-          <a:lstStyle/>
-          <a:p>
-            <a:pPr algn="ctr"/>
-            <a:endParaRPr lang="en-US"/>
-          </a:p>
-        </p:txBody>
-      </p:sp>
-      <p:cxnSp>
-        <p:nvCxnSpPr>
-          <p:cNvPr id="33" name="Straight Connector 32">
-            <a:extLst>
-              <a:ext uri="{FF2B5EF4-FFF2-40B4-BE49-F238E27FC236}">
-                <a16:creationId xmlns:a16="http://schemas.microsoft.com/office/drawing/2014/main" id="{74EF4E59-20DA-8F45-7071-D58F92623CB0}"/>
-              </a:ext>
-            </a:extLst>
-          </p:cNvPr>
-          <p:cNvCxnSpPr>
-            <a:stCxn id="32" idx="4"/>
-          </p:cNvCxnSpPr>
-          <p:nvPr/>
-        </p:nvCxnSpPr>
-        <p:spPr>
-          <a:xfrm>
-            <a:off x="860323" y="4547419"/>
-            <a:ext cx="0" cy="403123"/>
-          </a:xfrm>
-          <a:prstGeom prst="line">
-            <a:avLst/>
-          </a:prstGeom>
-        </p:spPr>
-        <p:style>
-          <a:lnRef idx="2">
-            <a:schemeClr val="accent1"/>
-          </a:lnRef>
-          <a:fillRef idx="0">
-            <a:schemeClr val="accent1"/>
-          </a:fillRef>
-          <a:effectRef idx="1">
-            <a:schemeClr val="accent1"/>
-          </a:effectRef>
-          <a:fontRef idx="minor">
-            <a:schemeClr val="tx1"/>
-          </a:fontRef>
-        </p:style>
-      </p:cxnSp>
-      <p:cxnSp>
-        <p:nvCxnSpPr>
-          <p:cNvPr id="34" name="Straight Connector 33">
-            <a:extLst>
-              <a:ext uri="{FF2B5EF4-FFF2-40B4-BE49-F238E27FC236}">
-                <a16:creationId xmlns:a16="http://schemas.microsoft.com/office/drawing/2014/main" id="{6BF2A247-F7E3-8624-231B-825EFEFBD2A2}"/>
-              </a:ext>
-            </a:extLst>
-          </p:cNvPr>
-          <p:cNvCxnSpPr>
-            <a:cxnSpLocks/>
-          </p:cNvCxnSpPr>
-          <p:nvPr/>
-        </p:nvCxnSpPr>
-        <p:spPr>
-          <a:xfrm>
-            <a:off x="860323" y="4675239"/>
-            <a:ext cx="196645" cy="0"/>
-          </a:xfrm>
-          <a:prstGeom prst="line">
-            <a:avLst/>
-          </a:prstGeom>
-        </p:spPr>
-        <p:style>
-          <a:lnRef idx="2">
-            <a:schemeClr val="accent1"/>
-          </a:lnRef>
-          <a:fillRef idx="0">
-            <a:schemeClr val="accent1"/>
-          </a:fillRef>
-          <a:effectRef idx="1">
-            <a:schemeClr val="accent1"/>
-          </a:effectRef>
-          <a:fontRef idx="minor">
-            <a:schemeClr val="tx1"/>
-          </a:fontRef>
-        </p:style>
-      </p:cxnSp>
-      <p:cxnSp>
-        <p:nvCxnSpPr>
-          <p:cNvPr id="35" name="Straight Connector 34">
-            <a:extLst>
-              <a:ext uri="{FF2B5EF4-FFF2-40B4-BE49-F238E27FC236}">
-                <a16:creationId xmlns:a16="http://schemas.microsoft.com/office/drawing/2014/main" id="{19714200-0EB4-548C-1C28-8A9D84D99E49}"/>
-              </a:ext>
-            </a:extLst>
-          </p:cNvPr>
-          <p:cNvCxnSpPr>
-            <a:cxnSpLocks/>
-          </p:cNvCxnSpPr>
-          <p:nvPr/>
-        </p:nvCxnSpPr>
-        <p:spPr>
-          <a:xfrm flipH="1">
-            <a:off x="683342" y="4675239"/>
-            <a:ext cx="152400" cy="0"/>
-          </a:xfrm>
-          <a:prstGeom prst="line">
-            <a:avLst/>
-          </a:prstGeom>
-        </p:spPr>
-        <p:style>
-          <a:lnRef idx="2">
-            <a:schemeClr val="accent1"/>
-          </a:lnRef>
-          <a:fillRef idx="0">
-            <a:schemeClr val="accent1"/>
-          </a:fillRef>
-          <a:effectRef idx="1">
-            <a:schemeClr val="accent1"/>
-          </a:effectRef>
-          <a:fontRef idx="minor">
-            <a:schemeClr val="tx1"/>
-          </a:fontRef>
-        </p:style>
-      </p:cxnSp>
-      <p:cxnSp>
-        <p:nvCxnSpPr>
-          <p:cNvPr id="36" name="Straight Connector 35">
-            <a:extLst>
-              <a:ext uri="{FF2B5EF4-FFF2-40B4-BE49-F238E27FC236}">
-                <a16:creationId xmlns:a16="http://schemas.microsoft.com/office/drawing/2014/main" id="{8B3822B0-6D6E-132F-9806-B4562E33A50D}"/>
-              </a:ext>
-            </a:extLst>
-          </p:cNvPr>
-          <p:cNvCxnSpPr/>
-          <p:nvPr/>
-        </p:nvCxnSpPr>
-        <p:spPr>
-          <a:xfrm flipH="1">
-            <a:off x="683342" y="4950542"/>
-            <a:ext cx="152400" cy="137652"/>
-          </a:xfrm>
-          <a:prstGeom prst="line">
-            <a:avLst/>
-          </a:prstGeom>
-        </p:spPr>
-        <p:style>
-          <a:lnRef idx="2">
-            <a:schemeClr val="accent1"/>
-          </a:lnRef>
-          <a:fillRef idx="0">
-            <a:schemeClr val="accent1"/>
-          </a:fillRef>
-          <a:effectRef idx="1">
-            <a:schemeClr val="accent1"/>
-          </a:effectRef>
-          <a:fontRef idx="minor">
-            <a:schemeClr val="tx1"/>
-          </a:fontRef>
-        </p:style>
-      </p:cxnSp>
-      <p:cxnSp>
-        <p:nvCxnSpPr>
-          <p:cNvPr id="37" name="Straight Connector 36">
-            <a:extLst>
-              <a:ext uri="{FF2B5EF4-FFF2-40B4-BE49-F238E27FC236}">
-                <a16:creationId xmlns:a16="http://schemas.microsoft.com/office/drawing/2014/main" id="{3C962396-8EB7-3109-A3B5-30A85E8384C6}"/>
-              </a:ext>
-            </a:extLst>
-          </p:cNvPr>
-          <p:cNvCxnSpPr/>
-          <p:nvPr/>
-        </p:nvCxnSpPr>
-        <p:spPr>
-          <a:xfrm>
-            <a:off x="835741" y="4950542"/>
-            <a:ext cx="221227" cy="137651"/>
-          </a:xfrm>
-          <a:prstGeom prst="line">
-            <a:avLst/>
-          </a:prstGeom>
-        </p:spPr>
-        <p:style>
-          <a:lnRef idx="2">
-            <a:schemeClr val="accent1"/>
-          </a:lnRef>
-          <a:fillRef idx="0">
-            <a:schemeClr val="accent1"/>
-          </a:fillRef>
-          <a:effectRef idx="1">
-            <a:schemeClr val="accent1"/>
-          </a:effectRef>
-          <a:fontRef idx="minor">
-            <a:schemeClr val="tx1"/>
-          </a:fontRef>
-        </p:style>
-      </p:cxnSp>
-      <p:sp>
-        <p:nvSpPr>
-          <p:cNvPr id="38" name="Flowchart: Connector 37">
-            <a:extLst>
-              <a:ext uri="{FF2B5EF4-FFF2-40B4-BE49-F238E27FC236}">
-                <a16:creationId xmlns:a16="http://schemas.microsoft.com/office/drawing/2014/main" id="{A20A40E9-18C4-71D8-4505-6D259A1CA458}"/>
-              </a:ext>
-            </a:extLst>
-          </p:cNvPr>
-          <p:cNvSpPr/>
-          <p:nvPr/>
-        </p:nvSpPr>
-        <p:spPr>
-          <a:xfrm>
-            <a:off x="2084439" y="3419168"/>
-            <a:ext cx="196645" cy="186813"/>
-          </a:xfrm>
-          <a:prstGeom prst="flowChartConnector">
-            <a:avLst/>
-          </a:prstGeom>
-        </p:spPr>
-        <p:style>
-          <a:lnRef idx="2">
-            <a:schemeClr val="accent6"/>
-          </a:lnRef>
-          <a:fillRef idx="1">
-            <a:schemeClr val="lt1"/>
-          </a:fillRef>
-          <a:effectRef idx="0">
-            <a:schemeClr val="accent6"/>
-          </a:effectRef>
-          <a:fontRef idx="minor">
-            <a:schemeClr val="dk1"/>
-          </a:fontRef>
-        </p:style>
-        <p:txBody>
-          <a:bodyPr rtlCol="0" anchor="ctr"/>
-          <a:lstStyle/>
-          <a:p>
-            <a:pPr algn="ctr"/>
-            <a:endParaRPr lang="en-US"/>
-          </a:p>
-        </p:txBody>
-      </p:sp>
-      <p:cxnSp>
-        <p:nvCxnSpPr>
-          <p:cNvPr id="39" name="Straight Connector 38">
-            <a:extLst>
-              <a:ext uri="{FF2B5EF4-FFF2-40B4-BE49-F238E27FC236}">
-                <a16:creationId xmlns:a16="http://schemas.microsoft.com/office/drawing/2014/main" id="{B01BABCF-D3A3-FEA3-5A63-70913D9F664C}"/>
-              </a:ext>
-            </a:extLst>
-          </p:cNvPr>
-          <p:cNvCxnSpPr>
-            <a:stCxn id="38" idx="4"/>
-          </p:cNvCxnSpPr>
-          <p:nvPr/>
-        </p:nvCxnSpPr>
-        <p:spPr>
-          <a:xfrm>
-            <a:off x="2182762" y="3605981"/>
-            <a:ext cx="0" cy="403123"/>
-          </a:xfrm>
-          <a:prstGeom prst="line">
-            <a:avLst/>
-          </a:prstGeom>
-        </p:spPr>
-        <p:style>
-          <a:lnRef idx="2">
-            <a:schemeClr val="accent1"/>
-          </a:lnRef>
-          <a:fillRef idx="0">
-            <a:schemeClr val="accent1"/>
-          </a:fillRef>
-          <a:effectRef idx="1">
-            <a:schemeClr val="accent1"/>
-          </a:effectRef>
-          <a:fontRef idx="minor">
-            <a:schemeClr val="tx1"/>
-          </a:fontRef>
-        </p:style>
-      </p:cxnSp>
-      <p:cxnSp>
-        <p:nvCxnSpPr>
-          <p:cNvPr id="40" name="Straight Connector 39">
-            <a:extLst>
-              <a:ext uri="{FF2B5EF4-FFF2-40B4-BE49-F238E27FC236}">
-                <a16:creationId xmlns:a16="http://schemas.microsoft.com/office/drawing/2014/main" id="{3FC593A5-D2EF-4AC1-D8D7-7154C21B1229}"/>
-              </a:ext>
-            </a:extLst>
-          </p:cNvPr>
-          <p:cNvCxnSpPr>
-            <a:cxnSpLocks/>
-          </p:cNvCxnSpPr>
-          <p:nvPr/>
-        </p:nvCxnSpPr>
-        <p:spPr>
-          <a:xfrm>
-            <a:off x="2182762" y="3733801"/>
-            <a:ext cx="196645" cy="0"/>
-          </a:xfrm>
-          <a:prstGeom prst="line">
-            <a:avLst/>
-          </a:prstGeom>
-        </p:spPr>
-        <p:style>
-          <a:lnRef idx="2">
-            <a:schemeClr val="accent1"/>
-          </a:lnRef>
-          <a:fillRef idx="0">
-            <a:schemeClr val="accent1"/>
-          </a:fillRef>
-          <a:effectRef idx="1">
-            <a:schemeClr val="accent1"/>
-          </a:effectRef>
-          <a:fontRef idx="minor">
-            <a:schemeClr val="tx1"/>
-          </a:fontRef>
-        </p:style>
-      </p:cxnSp>
-      <p:cxnSp>
-        <p:nvCxnSpPr>
-          <p:cNvPr id="41" name="Straight Connector 40">
-            <a:extLst>
-              <a:ext uri="{FF2B5EF4-FFF2-40B4-BE49-F238E27FC236}">
-                <a16:creationId xmlns:a16="http://schemas.microsoft.com/office/drawing/2014/main" id="{16E58600-117C-AE6B-8925-244CDB3782AD}"/>
-              </a:ext>
-            </a:extLst>
-          </p:cNvPr>
-          <p:cNvCxnSpPr>
-            <a:cxnSpLocks/>
-          </p:cNvCxnSpPr>
-          <p:nvPr/>
-        </p:nvCxnSpPr>
-        <p:spPr>
-          <a:xfrm flipH="1">
-            <a:off x="2005781" y="3733801"/>
-            <a:ext cx="152400" cy="0"/>
-          </a:xfrm>
-          <a:prstGeom prst="line">
-            <a:avLst/>
-          </a:prstGeom>
-        </p:spPr>
-        <p:style>
-          <a:lnRef idx="2">
-            <a:schemeClr val="accent1"/>
-          </a:lnRef>
-          <a:fillRef idx="0">
-            <a:schemeClr val="accent1"/>
-          </a:fillRef>
-          <a:effectRef idx="1">
-            <a:schemeClr val="accent1"/>
-          </a:effectRef>
-          <a:fontRef idx="minor">
-            <a:schemeClr val="tx1"/>
-          </a:fontRef>
-        </p:style>
-      </p:cxnSp>
-      <p:cxnSp>
-        <p:nvCxnSpPr>
-          <p:cNvPr id="42" name="Straight Connector 41">
-            <a:extLst>
-              <a:ext uri="{FF2B5EF4-FFF2-40B4-BE49-F238E27FC236}">
-                <a16:creationId xmlns:a16="http://schemas.microsoft.com/office/drawing/2014/main" id="{4D63F43A-E027-16E1-3476-6D2DBFC98C36}"/>
-              </a:ext>
-            </a:extLst>
-          </p:cNvPr>
-          <p:cNvCxnSpPr/>
-          <p:nvPr/>
-        </p:nvCxnSpPr>
-        <p:spPr>
-          <a:xfrm flipH="1">
-            <a:off x="2005781" y="4009104"/>
-            <a:ext cx="152400" cy="137652"/>
-          </a:xfrm>
-          <a:prstGeom prst="line">
-            <a:avLst/>
-          </a:prstGeom>
-        </p:spPr>
-        <p:style>
-          <a:lnRef idx="2">
-            <a:schemeClr val="accent1"/>
-          </a:lnRef>
-          <a:fillRef idx="0">
-            <a:schemeClr val="accent1"/>
-          </a:fillRef>
-          <a:effectRef idx="1">
-            <a:schemeClr val="accent1"/>
-          </a:effectRef>
-          <a:fontRef idx="minor">
-            <a:schemeClr val="tx1"/>
-          </a:fontRef>
-        </p:style>
-      </p:cxnSp>
-      <p:cxnSp>
-        <p:nvCxnSpPr>
-          <p:cNvPr id="43" name="Straight Connector 42">
-            <a:extLst>
-              <a:ext uri="{FF2B5EF4-FFF2-40B4-BE49-F238E27FC236}">
-                <a16:creationId xmlns:a16="http://schemas.microsoft.com/office/drawing/2014/main" id="{659DDE2E-F6E1-3FFD-8194-BF2245DDB9C4}"/>
-              </a:ext>
-            </a:extLst>
-          </p:cNvPr>
-          <p:cNvCxnSpPr/>
-          <p:nvPr/>
-        </p:nvCxnSpPr>
-        <p:spPr>
-          <a:xfrm>
-            <a:off x="2158180" y="4009104"/>
-            <a:ext cx="221227" cy="137651"/>
-          </a:xfrm>
-          <a:prstGeom prst="line">
-            <a:avLst/>
-          </a:prstGeom>
-        </p:spPr>
-        <p:style>
-          <a:lnRef idx="2">
-            <a:schemeClr val="accent1"/>
-          </a:lnRef>
-          <a:fillRef idx="0">
-            <a:schemeClr val="accent1"/>
-          </a:fillRef>
-          <a:effectRef idx="1">
-            <a:schemeClr val="accent1"/>
-          </a:effectRef>
-          <a:fontRef idx="minor">
-            <a:schemeClr val="tx1"/>
-          </a:fontRef>
-        </p:style>
-      </p:cxnSp>
-      <p:sp>
-        <p:nvSpPr>
-          <p:cNvPr id="44" name="Flowchart: Connector 43">
-            <a:extLst>
-              <a:ext uri="{FF2B5EF4-FFF2-40B4-BE49-F238E27FC236}">
-                <a16:creationId xmlns:a16="http://schemas.microsoft.com/office/drawing/2014/main" id="{23676EB5-FB80-75BD-F7A0-E9A85FC7FB49}"/>
-              </a:ext>
-            </a:extLst>
-          </p:cNvPr>
-          <p:cNvSpPr/>
-          <p:nvPr/>
-        </p:nvSpPr>
-        <p:spPr>
-          <a:xfrm>
-            <a:off x="3628103" y="4286864"/>
-            <a:ext cx="196645" cy="186813"/>
-          </a:xfrm>
-          <a:prstGeom prst="flowChartConnector">
-            <a:avLst/>
-          </a:prstGeom>
-        </p:spPr>
-        <p:style>
-          <a:lnRef idx="2">
-            <a:schemeClr val="accent6"/>
-          </a:lnRef>
-          <a:fillRef idx="1">
-            <a:schemeClr val="lt1"/>
-          </a:fillRef>
-          <a:effectRef idx="0">
-            <a:schemeClr val="accent6"/>
-          </a:effectRef>
-          <a:fontRef idx="minor">
-            <a:schemeClr val="dk1"/>
-          </a:fontRef>
-        </p:style>
-        <p:txBody>
-          <a:bodyPr rtlCol="0" anchor="ctr"/>
-          <a:lstStyle/>
-          <a:p>
-            <a:pPr algn="ctr"/>
-            <a:endParaRPr lang="en-US"/>
-          </a:p>
-        </p:txBody>
-      </p:sp>
-      <p:cxnSp>
-        <p:nvCxnSpPr>
-          <p:cNvPr id="45" name="Straight Connector 44">
-            <a:extLst>
-              <a:ext uri="{FF2B5EF4-FFF2-40B4-BE49-F238E27FC236}">
-                <a16:creationId xmlns:a16="http://schemas.microsoft.com/office/drawing/2014/main" id="{970AFFDC-705A-413F-F5EC-A47E76630FA9}"/>
-              </a:ext>
-            </a:extLst>
-          </p:cNvPr>
-          <p:cNvCxnSpPr>
-            <a:stCxn id="44" idx="4"/>
-          </p:cNvCxnSpPr>
-          <p:nvPr/>
-        </p:nvCxnSpPr>
-        <p:spPr>
-          <a:xfrm>
-            <a:off x="3726426" y="4473677"/>
-            <a:ext cx="0" cy="403123"/>
-          </a:xfrm>
-          <a:prstGeom prst="line">
-            <a:avLst/>
-          </a:prstGeom>
-        </p:spPr>
-        <p:style>
-          <a:lnRef idx="2">
-            <a:schemeClr val="accent1"/>
-          </a:lnRef>
-          <a:fillRef idx="0">
-            <a:schemeClr val="accent1"/>
-          </a:fillRef>
-          <a:effectRef idx="1">
-            <a:schemeClr val="accent1"/>
-          </a:effectRef>
-          <a:fontRef idx="minor">
-            <a:schemeClr val="tx1"/>
-          </a:fontRef>
-        </p:style>
-      </p:cxnSp>
-      <p:cxnSp>
-        <p:nvCxnSpPr>
-          <p:cNvPr id="46" name="Straight Connector 45">
-            <a:extLst>
-              <a:ext uri="{FF2B5EF4-FFF2-40B4-BE49-F238E27FC236}">
-                <a16:creationId xmlns:a16="http://schemas.microsoft.com/office/drawing/2014/main" id="{B4CE6AEE-D540-8067-0751-2A9DAF6CBD2F}"/>
-              </a:ext>
-            </a:extLst>
-          </p:cNvPr>
-          <p:cNvCxnSpPr>
-            <a:cxnSpLocks/>
-          </p:cNvCxnSpPr>
-          <p:nvPr/>
-        </p:nvCxnSpPr>
-        <p:spPr>
-          <a:xfrm>
-            <a:off x="3726426" y="4601497"/>
-            <a:ext cx="196645" cy="0"/>
-          </a:xfrm>
-          <a:prstGeom prst="line">
-            <a:avLst/>
-          </a:prstGeom>
-        </p:spPr>
-        <p:style>
-          <a:lnRef idx="2">
-            <a:schemeClr val="accent1"/>
-          </a:lnRef>
-          <a:fillRef idx="0">
-            <a:schemeClr val="accent1"/>
-          </a:fillRef>
-          <a:effectRef idx="1">
-            <a:schemeClr val="accent1"/>
-          </a:effectRef>
-          <a:fontRef idx="minor">
-            <a:schemeClr val="tx1"/>
-          </a:fontRef>
-        </p:style>
-      </p:cxnSp>
-      <p:cxnSp>
-        <p:nvCxnSpPr>
-          <p:cNvPr id="47" name="Straight Connector 46">
-            <a:extLst>
-              <a:ext uri="{FF2B5EF4-FFF2-40B4-BE49-F238E27FC236}">
-                <a16:creationId xmlns:a16="http://schemas.microsoft.com/office/drawing/2014/main" id="{358E0875-50BE-F4ED-6543-370967713FB7}"/>
-              </a:ext>
-            </a:extLst>
-          </p:cNvPr>
-          <p:cNvCxnSpPr>
-            <a:cxnSpLocks/>
-          </p:cNvCxnSpPr>
-          <p:nvPr/>
-        </p:nvCxnSpPr>
-        <p:spPr>
-          <a:xfrm flipH="1">
-            <a:off x="3549445" y="4601497"/>
-            <a:ext cx="152400" cy="0"/>
-          </a:xfrm>
-          <a:prstGeom prst="line">
-            <a:avLst/>
-          </a:prstGeom>
-        </p:spPr>
-        <p:style>
-          <a:lnRef idx="2">
-            <a:schemeClr val="accent1"/>
-          </a:lnRef>
-          <a:fillRef idx="0">
-            <a:schemeClr val="accent1"/>
-          </a:fillRef>
-          <a:effectRef idx="1">
-            <a:schemeClr val="accent1"/>
-          </a:effectRef>
-          <a:fontRef idx="minor">
-            <a:schemeClr val="tx1"/>
-          </a:fontRef>
-        </p:style>
-      </p:cxnSp>
-      <p:cxnSp>
-        <p:nvCxnSpPr>
-          <p:cNvPr id="48" name="Straight Connector 47">
-            <a:extLst>
-              <a:ext uri="{FF2B5EF4-FFF2-40B4-BE49-F238E27FC236}">
-                <a16:creationId xmlns:a16="http://schemas.microsoft.com/office/drawing/2014/main" id="{031828C2-F937-D5A9-2419-2B5D6AB73919}"/>
-              </a:ext>
-            </a:extLst>
-          </p:cNvPr>
-          <p:cNvCxnSpPr/>
-          <p:nvPr/>
-        </p:nvCxnSpPr>
-        <p:spPr>
-          <a:xfrm flipH="1">
-            <a:off x="3549445" y="4876800"/>
-            <a:ext cx="152400" cy="137652"/>
-          </a:xfrm>
-          <a:prstGeom prst="line">
-            <a:avLst/>
-          </a:prstGeom>
-        </p:spPr>
-        <p:style>
-          <a:lnRef idx="2">
-            <a:schemeClr val="accent1"/>
-          </a:lnRef>
-          <a:fillRef idx="0">
-            <a:schemeClr val="accent1"/>
-          </a:fillRef>
-          <a:effectRef idx="1">
-            <a:schemeClr val="accent1"/>
-          </a:effectRef>
-          <a:fontRef idx="minor">
-            <a:schemeClr val="tx1"/>
-          </a:fontRef>
-        </p:style>
-      </p:cxnSp>
-      <p:cxnSp>
-        <p:nvCxnSpPr>
-          <p:cNvPr id="49" name="Straight Connector 48">
-            <a:extLst>
-              <a:ext uri="{FF2B5EF4-FFF2-40B4-BE49-F238E27FC236}">
-                <a16:creationId xmlns:a16="http://schemas.microsoft.com/office/drawing/2014/main" id="{CE507E37-5F59-2E76-FDD4-53D93517BB60}"/>
-              </a:ext>
-            </a:extLst>
-          </p:cNvPr>
-          <p:cNvCxnSpPr/>
-          <p:nvPr/>
-        </p:nvCxnSpPr>
-        <p:spPr>
-          <a:xfrm>
-            <a:off x="3701844" y="4876800"/>
-            <a:ext cx="221227" cy="137651"/>
-          </a:xfrm>
-          <a:prstGeom prst="line">
-            <a:avLst/>
-          </a:prstGeom>
-        </p:spPr>
-        <p:style>
-          <a:lnRef idx="2">
-            <a:schemeClr val="accent1"/>
-          </a:lnRef>
-          <a:fillRef idx="0">
-            <a:schemeClr val="accent1"/>
-          </a:fillRef>
-          <a:effectRef idx="1">
-            <a:schemeClr val="accent1"/>
-          </a:effectRef>
-          <a:fontRef idx="minor">
-            <a:schemeClr val="tx1"/>
-          </a:fontRef>
-        </p:style>
-      </p:cxnSp>
-      <p:sp>
-        <p:nvSpPr>
-          <p:cNvPr id="52" name="Oval 51">
-            <a:extLst>
-              <a:ext uri="{FF2B5EF4-FFF2-40B4-BE49-F238E27FC236}">
-                <a16:creationId xmlns:a16="http://schemas.microsoft.com/office/drawing/2014/main" id="{51A1E449-7FE5-DECD-3D7E-4E36072E7B22}"/>
-              </a:ext>
-            </a:extLst>
-          </p:cNvPr>
-          <p:cNvSpPr/>
-          <p:nvPr/>
-        </p:nvSpPr>
-        <p:spPr>
-          <a:xfrm>
-            <a:off x="7320111" y="61450"/>
-            <a:ext cx="1858297" cy="393290"/>
-          </a:xfrm>
-          <a:prstGeom prst="ellipse">
-            <a:avLst/>
-          </a:prstGeom>
-        </p:spPr>
-        <p:style>
-          <a:lnRef idx="2">
-            <a:schemeClr val="accent6"/>
-          </a:lnRef>
-          <a:fillRef idx="1">
-            <a:schemeClr val="lt1"/>
-          </a:fillRef>
-          <a:effectRef idx="0">
-            <a:schemeClr val="accent6"/>
-          </a:effectRef>
-          <a:fontRef idx="minor">
-            <a:schemeClr val="dk1"/>
-          </a:fontRef>
-        </p:style>
-        <p:txBody>
-          <a:bodyPr rtlCol="0" anchor="ctr"/>
-          <a:lstStyle/>
-          <a:p>
-            <a:pPr algn="ctr"/>
-            <a:r>
-              <a:rPr lang="vi-VN" sz="1400" dirty="0">
-                <a:latin typeface="+mj-lt"/>
-              </a:rPr>
-              <a:t>Đăng ký/Đăng nhập</a:t>
-            </a:r>
-            <a:endParaRPr lang="en-US" sz="1400" dirty="0">
-              <a:latin typeface="+mj-lt"/>
-            </a:endParaRPr>
-          </a:p>
-        </p:txBody>
-      </p:sp>
-      <p:sp>
-        <p:nvSpPr>
-          <p:cNvPr id="59" name="Oval 58">
-            <a:extLst>
-              <a:ext uri="{FF2B5EF4-FFF2-40B4-BE49-F238E27FC236}">
-                <a16:creationId xmlns:a16="http://schemas.microsoft.com/office/drawing/2014/main" id="{8A570221-89F0-D32B-E13A-EAA24DA2B652}"/>
-              </a:ext>
-            </a:extLst>
-          </p:cNvPr>
-          <p:cNvSpPr/>
-          <p:nvPr/>
-        </p:nvSpPr>
-        <p:spPr>
-          <a:xfrm>
-            <a:off x="7338673" y="570271"/>
-            <a:ext cx="1858297" cy="393290"/>
-          </a:xfrm>
-          <a:prstGeom prst="ellipse">
-            <a:avLst/>
-          </a:prstGeom>
-        </p:spPr>
-        <p:style>
-          <a:lnRef idx="2">
-            <a:schemeClr val="accent6"/>
-          </a:lnRef>
-          <a:fillRef idx="1">
-            <a:schemeClr val="lt1"/>
-          </a:fillRef>
-          <a:effectRef idx="0">
-            <a:schemeClr val="accent6"/>
-          </a:effectRef>
-          <a:fontRef idx="minor">
-            <a:schemeClr val="dk1"/>
-          </a:fontRef>
-        </p:style>
-        <p:txBody>
-          <a:bodyPr rtlCol="0" anchor="ctr"/>
-          <a:lstStyle/>
-          <a:p>
-            <a:pPr algn="ctr"/>
-            <a:r>
-              <a:rPr lang="vi-VN" sz="1400" dirty="0">
-                <a:latin typeface="+mj-lt"/>
-              </a:rPr>
-              <a:t>Tạo nhóm</a:t>
-            </a:r>
-            <a:endParaRPr lang="en-US" sz="1400" dirty="0">
-              <a:latin typeface="+mj-lt"/>
-            </a:endParaRPr>
-          </a:p>
-        </p:txBody>
-      </p:sp>
-      <p:sp>
-        <p:nvSpPr>
-          <p:cNvPr id="60" name="Oval 59">
-            <a:extLst>
-              <a:ext uri="{FF2B5EF4-FFF2-40B4-BE49-F238E27FC236}">
-                <a16:creationId xmlns:a16="http://schemas.microsoft.com/office/drawing/2014/main" id="{C4FF9744-0C0C-4E9F-657D-440B19A52E9F}"/>
-              </a:ext>
-            </a:extLst>
-          </p:cNvPr>
-          <p:cNvSpPr/>
-          <p:nvPr/>
-        </p:nvSpPr>
-        <p:spPr>
-          <a:xfrm>
-            <a:off x="7320110" y="1151602"/>
-            <a:ext cx="1858297" cy="393290"/>
-          </a:xfrm>
-          <a:prstGeom prst="ellipse">
-            <a:avLst/>
-          </a:prstGeom>
-        </p:spPr>
-        <p:style>
-          <a:lnRef idx="2">
-            <a:schemeClr val="accent6"/>
-          </a:lnRef>
-          <a:fillRef idx="1">
-            <a:schemeClr val="lt1"/>
-          </a:fillRef>
-          <a:effectRef idx="0">
-            <a:schemeClr val="accent6"/>
-          </a:effectRef>
-          <a:fontRef idx="minor">
-            <a:schemeClr val="dk1"/>
-          </a:fontRef>
-        </p:style>
-        <p:txBody>
-          <a:bodyPr rtlCol="0" anchor="ctr"/>
-          <a:lstStyle/>
-          <a:p>
-            <a:pPr algn="ctr"/>
-            <a:r>
-              <a:rPr lang="vi-VN" sz="1400" dirty="0">
-                <a:latin typeface="+mj-lt"/>
-              </a:rPr>
-              <a:t>Tìm kiếm nhóm</a:t>
-            </a:r>
-            <a:endParaRPr lang="en-US" sz="1400" dirty="0">
-              <a:latin typeface="+mj-lt"/>
-            </a:endParaRPr>
-          </a:p>
-        </p:txBody>
-      </p:sp>
-      <p:sp>
-        <p:nvSpPr>
-          <p:cNvPr id="61" name="Oval 60">
-            <a:extLst>
-              <a:ext uri="{FF2B5EF4-FFF2-40B4-BE49-F238E27FC236}">
-                <a16:creationId xmlns:a16="http://schemas.microsoft.com/office/drawing/2014/main" id="{09DB8B33-9ABF-C2E1-79EE-D71753324544}"/>
-              </a:ext>
-            </a:extLst>
-          </p:cNvPr>
-          <p:cNvSpPr/>
-          <p:nvPr/>
-        </p:nvSpPr>
-        <p:spPr>
-          <a:xfrm>
-            <a:off x="7338672" y="1753119"/>
-            <a:ext cx="1858297" cy="393290"/>
-          </a:xfrm>
-          <a:prstGeom prst="ellipse">
-            <a:avLst/>
-          </a:prstGeom>
-        </p:spPr>
-        <p:style>
-          <a:lnRef idx="2">
-            <a:schemeClr val="accent6"/>
-          </a:lnRef>
-          <a:fillRef idx="1">
-            <a:schemeClr val="lt1"/>
-          </a:fillRef>
-          <a:effectRef idx="0">
-            <a:schemeClr val="accent6"/>
-          </a:effectRef>
-          <a:fontRef idx="minor">
-            <a:schemeClr val="dk1"/>
-          </a:fontRef>
-        </p:style>
-        <p:txBody>
-          <a:bodyPr rtlCol="0" anchor="ctr"/>
-          <a:lstStyle/>
-          <a:p>
-            <a:pPr algn="ctr"/>
-            <a:r>
-              <a:rPr lang="vi-VN" sz="1400" dirty="0">
-                <a:latin typeface="+mj-lt"/>
-              </a:rPr>
-              <a:t>Tham gia  nhóm</a:t>
-            </a:r>
-            <a:endParaRPr lang="en-US" sz="1400" dirty="0">
-              <a:latin typeface="+mj-lt"/>
-            </a:endParaRPr>
-          </a:p>
-        </p:txBody>
-      </p:sp>
-      <p:sp>
-        <p:nvSpPr>
-          <p:cNvPr id="62" name="Oval 61">
-            <a:extLst>
-              <a:ext uri="{FF2B5EF4-FFF2-40B4-BE49-F238E27FC236}">
-                <a16:creationId xmlns:a16="http://schemas.microsoft.com/office/drawing/2014/main" id="{ECC3023D-15C0-9638-6B5B-EDB66C9EFD43}"/>
-              </a:ext>
-            </a:extLst>
-          </p:cNvPr>
-          <p:cNvSpPr/>
-          <p:nvPr/>
-        </p:nvSpPr>
-        <p:spPr>
-          <a:xfrm>
-            <a:off x="7309724" y="2729421"/>
-            <a:ext cx="1858297" cy="393290"/>
-          </a:xfrm>
-          <a:prstGeom prst="ellipse">
-            <a:avLst/>
-          </a:prstGeom>
-        </p:spPr>
-        <p:style>
-          <a:lnRef idx="2">
-            <a:schemeClr val="accent6"/>
-          </a:lnRef>
-          <a:fillRef idx="1">
-            <a:schemeClr val="lt1"/>
-          </a:fillRef>
-          <a:effectRef idx="0">
-            <a:schemeClr val="accent6"/>
-          </a:effectRef>
-          <a:fontRef idx="minor">
-            <a:schemeClr val="dk1"/>
-          </a:fontRef>
-        </p:style>
-        <p:txBody>
-          <a:bodyPr rtlCol="0" anchor="ctr"/>
-          <a:lstStyle/>
-          <a:p>
-            <a:pPr algn="ctr"/>
-            <a:r>
-              <a:rPr lang="vi-VN" sz="1400" dirty="0">
-                <a:latin typeface="+mj-lt"/>
-              </a:rPr>
-              <a:t>Xét yêu cầu tham gia nhóm</a:t>
-            </a:r>
-            <a:endParaRPr lang="en-US" sz="1400" dirty="0">
-              <a:latin typeface="+mj-lt"/>
-            </a:endParaRPr>
-          </a:p>
-        </p:txBody>
-      </p:sp>
-      <p:sp>
-        <p:nvSpPr>
-          <p:cNvPr id="63" name="Oval 62">
-            <a:extLst>
-              <a:ext uri="{FF2B5EF4-FFF2-40B4-BE49-F238E27FC236}">
-                <a16:creationId xmlns:a16="http://schemas.microsoft.com/office/drawing/2014/main" id="{CF649CDD-9A7C-EAF7-7F16-90B5E98DD014}"/>
-              </a:ext>
-            </a:extLst>
-          </p:cNvPr>
-          <p:cNvSpPr/>
-          <p:nvPr/>
-        </p:nvSpPr>
-        <p:spPr>
-          <a:xfrm>
-            <a:off x="7343578" y="3512574"/>
-            <a:ext cx="1858297" cy="393290"/>
-          </a:xfrm>
-          <a:prstGeom prst="ellipse">
-            <a:avLst/>
-          </a:prstGeom>
-        </p:spPr>
-        <p:style>
-          <a:lnRef idx="2">
-            <a:schemeClr val="accent6"/>
-          </a:lnRef>
-          <a:fillRef idx="1">
-            <a:schemeClr val="lt1"/>
-          </a:fillRef>
-          <a:effectRef idx="0">
-            <a:schemeClr val="accent6"/>
-          </a:effectRef>
-          <a:fontRef idx="minor">
-            <a:schemeClr val="dk1"/>
-          </a:fontRef>
-        </p:style>
-        <p:txBody>
-          <a:bodyPr rtlCol="0" anchor="ctr"/>
-          <a:lstStyle/>
-          <a:p>
-            <a:pPr algn="ctr"/>
-            <a:r>
-              <a:rPr lang="vi-VN" sz="1400" dirty="0">
-                <a:latin typeface="+mj-lt"/>
-              </a:rPr>
-              <a:t>Đăng bài trong nhóm</a:t>
-            </a:r>
-            <a:endParaRPr lang="en-US" sz="1400" dirty="0">
-              <a:latin typeface="+mj-lt"/>
-            </a:endParaRPr>
-          </a:p>
-        </p:txBody>
-      </p:sp>
-      <p:sp>
-        <p:nvSpPr>
-          <p:cNvPr id="64" name="Oval 63">
-            <a:extLst>
-              <a:ext uri="{FF2B5EF4-FFF2-40B4-BE49-F238E27FC236}">
-                <a16:creationId xmlns:a16="http://schemas.microsoft.com/office/drawing/2014/main" id="{8B9D0B07-90FB-C530-6958-02594CEB0BDA}"/>
-              </a:ext>
-            </a:extLst>
-          </p:cNvPr>
-          <p:cNvSpPr/>
-          <p:nvPr/>
-        </p:nvSpPr>
-        <p:spPr>
-          <a:xfrm>
-            <a:off x="7338672" y="4527752"/>
-            <a:ext cx="1858297" cy="393290"/>
-          </a:xfrm>
-          <a:prstGeom prst="ellipse">
-            <a:avLst/>
-          </a:prstGeom>
-        </p:spPr>
-        <p:style>
-          <a:lnRef idx="2">
-            <a:schemeClr val="accent6"/>
-          </a:lnRef>
-          <a:fillRef idx="1">
-            <a:schemeClr val="lt1"/>
-          </a:fillRef>
-          <a:effectRef idx="0">
-            <a:schemeClr val="accent6"/>
-          </a:effectRef>
-          <a:fontRef idx="minor">
-            <a:schemeClr val="dk1"/>
-          </a:fontRef>
-        </p:style>
-        <p:txBody>
-          <a:bodyPr rtlCol="0" anchor="ctr"/>
-          <a:lstStyle/>
-          <a:p>
-            <a:pPr algn="ctr"/>
-            <a:r>
-              <a:rPr lang="vi-VN" sz="1400" dirty="0">
-                <a:latin typeface="+mj-lt"/>
-              </a:rPr>
-              <a:t>Duyệt bài viết</a:t>
-            </a:r>
-            <a:endParaRPr lang="en-US" sz="1400" dirty="0">
-              <a:latin typeface="+mj-lt"/>
-            </a:endParaRPr>
-          </a:p>
-        </p:txBody>
-      </p:sp>
-      <p:sp>
-        <p:nvSpPr>
-          <p:cNvPr id="65" name="Oval 64">
-            <a:extLst>
-              <a:ext uri="{FF2B5EF4-FFF2-40B4-BE49-F238E27FC236}">
-                <a16:creationId xmlns:a16="http://schemas.microsoft.com/office/drawing/2014/main" id="{CA179F79-D21C-FADC-7AE6-2B49D582D4F4}"/>
-              </a:ext>
-            </a:extLst>
-          </p:cNvPr>
-          <p:cNvSpPr/>
-          <p:nvPr/>
-        </p:nvSpPr>
-        <p:spPr>
-          <a:xfrm>
-            <a:off x="7338672" y="5273518"/>
-            <a:ext cx="1858297" cy="393290"/>
-          </a:xfrm>
-          <a:prstGeom prst="ellipse">
-            <a:avLst/>
-          </a:prstGeom>
-        </p:spPr>
-        <p:style>
-          <a:lnRef idx="2">
-            <a:schemeClr val="accent6"/>
-          </a:lnRef>
-          <a:fillRef idx="1">
-            <a:schemeClr val="lt1"/>
-          </a:fillRef>
-          <a:effectRef idx="0">
-            <a:schemeClr val="accent6"/>
-          </a:effectRef>
-          <a:fontRef idx="minor">
-            <a:schemeClr val="dk1"/>
-          </a:fontRef>
-        </p:style>
-        <p:txBody>
-          <a:bodyPr rtlCol="0" anchor="ctr"/>
-          <a:lstStyle/>
-          <a:p>
-            <a:pPr algn="ctr"/>
-            <a:r>
-              <a:rPr lang="vi-VN" sz="1400" dirty="0">
-                <a:latin typeface="+mj-lt"/>
-              </a:rPr>
-              <a:t>Tương tác bài viết</a:t>
-            </a:r>
-            <a:endParaRPr lang="en-US" sz="1400" dirty="0">
-              <a:latin typeface="+mj-lt"/>
-            </a:endParaRPr>
-          </a:p>
-        </p:txBody>
-      </p:sp>
-      <p:sp>
-        <p:nvSpPr>
-          <p:cNvPr id="66" name="Oval 65">
-            <a:extLst>
-              <a:ext uri="{FF2B5EF4-FFF2-40B4-BE49-F238E27FC236}">
-                <a16:creationId xmlns:a16="http://schemas.microsoft.com/office/drawing/2014/main" id="{B36CB3E5-61BB-B636-4F32-0910C324382E}"/>
-              </a:ext>
-            </a:extLst>
-          </p:cNvPr>
-          <p:cNvSpPr/>
-          <p:nvPr/>
-        </p:nvSpPr>
-        <p:spPr>
-          <a:xfrm>
-            <a:off x="7320110" y="5822639"/>
-            <a:ext cx="1858297" cy="393290"/>
-          </a:xfrm>
-          <a:prstGeom prst="ellipse">
-            <a:avLst/>
-          </a:prstGeom>
-        </p:spPr>
-        <p:style>
-          <a:lnRef idx="2">
-            <a:schemeClr val="accent6"/>
-          </a:lnRef>
-          <a:fillRef idx="1">
-            <a:schemeClr val="lt1"/>
-          </a:fillRef>
-          <a:effectRef idx="0">
-            <a:schemeClr val="accent6"/>
-          </a:effectRef>
-          <a:fontRef idx="minor">
-            <a:schemeClr val="dk1"/>
-          </a:fontRef>
-        </p:style>
-        <p:txBody>
-          <a:bodyPr rtlCol="0" anchor="ctr"/>
-          <a:lstStyle/>
-          <a:p>
-            <a:pPr algn="ctr"/>
-            <a:r>
-              <a:rPr lang="vi-VN" sz="1400" dirty="0">
-                <a:latin typeface="+mj-lt"/>
-              </a:rPr>
-              <a:t>Quản lý thành viên</a:t>
-            </a:r>
-            <a:endParaRPr lang="en-US" sz="1400" dirty="0">
-              <a:latin typeface="+mj-lt"/>
-            </a:endParaRPr>
-          </a:p>
-        </p:txBody>
-      </p:sp>
-      <p:sp>
-        <p:nvSpPr>
-          <p:cNvPr id="67" name="Oval 66">
-            <a:extLst>
-              <a:ext uri="{FF2B5EF4-FFF2-40B4-BE49-F238E27FC236}">
-                <a16:creationId xmlns:a16="http://schemas.microsoft.com/office/drawing/2014/main" id="{AC5CDB43-5029-2747-F496-CD8DB7AF986D}"/>
-              </a:ext>
-            </a:extLst>
-          </p:cNvPr>
-          <p:cNvSpPr/>
-          <p:nvPr/>
-        </p:nvSpPr>
-        <p:spPr>
-          <a:xfrm>
-            <a:off x="7363252" y="6443818"/>
-            <a:ext cx="1858297" cy="393290"/>
-          </a:xfrm>
-          <a:prstGeom prst="ellipse">
-            <a:avLst/>
-          </a:prstGeom>
-        </p:spPr>
-        <p:style>
-          <a:lnRef idx="2">
-            <a:schemeClr val="accent6"/>
-          </a:lnRef>
-          <a:fillRef idx="1">
-            <a:schemeClr val="lt1"/>
-          </a:fillRef>
-          <a:effectRef idx="0">
-            <a:schemeClr val="accent6"/>
-          </a:effectRef>
-          <a:fontRef idx="minor">
-            <a:schemeClr val="dk1"/>
-          </a:fontRef>
-        </p:style>
-        <p:txBody>
-          <a:bodyPr rtlCol="0" anchor="ctr"/>
-          <a:lstStyle/>
-          <a:p>
-            <a:pPr algn="ctr"/>
-            <a:r>
-              <a:rPr lang="vi-VN" sz="1400" dirty="0">
-                <a:latin typeface="+mj-lt"/>
-              </a:rPr>
-              <a:t>Cài đặt nhóm</a:t>
-            </a:r>
-            <a:endParaRPr lang="en-US" sz="1400" dirty="0">
-              <a:latin typeface="+mj-lt"/>
-            </a:endParaRPr>
-          </a:p>
-        </p:txBody>
-      </p:sp>
-      <p:cxnSp>
-        <p:nvCxnSpPr>
-          <p:cNvPr id="69" name="Straight Arrow Connector 68">
-            <a:extLst>
-              <a:ext uri="{FF2B5EF4-FFF2-40B4-BE49-F238E27FC236}">
-                <a16:creationId xmlns:a16="http://schemas.microsoft.com/office/drawing/2014/main" id="{9F6F1521-B5B0-A170-5593-CE542C9A94D3}"/>
-              </a:ext>
-            </a:extLst>
-          </p:cNvPr>
-          <p:cNvCxnSpPr/>
-          <p:nvPr/>
-        </p:nvCxnSpPr>
-        <p:spPr>
-          <a:xfrm flipV="1">
-            <a:off x="2207342" y="2005781"/>
-            <a:ext cx="0" cy="1317522"/>
-          </a:xfrm>
-          <a:prstGeom prst="straightConnector1">
-            <a:avLst/>
-          </a:prstGeom>
-          <a:ln>
-            <a:tailEnd type="triangle"/>
-          </a:ln>
-        </p:spPr>
-        <p:style>
-          <a:lnRef idx="2">
-            <a:schemeClr val="accent1"/>
-          </a:lnRef>
-          <a:fillRef idx="0">
-            <a:schemeClr val="accent1"/>
-          </a:fillRef>
-          <a:effectRef idx="1">
-            <a:schemeClr val="accent1"/>
-          </a:effectRef>
-          <a:fontRef idx="minor">
-            <a:schemeClr val="tx1"/>
-          </a:fontRef>
-        </p:style>
-      </p:cxnSp>
-      <p:sp>
-        <p:nvSpPr>
-          <p:cNvPr id="70" name="TextBox 69">
-            <a:extLst>
-              <a:ext uri="{FF2B5EF4-FFF2-40B4-BE49-F238E27FC236}">
-                <a16:creationId xmlns:a16="http://schemas.microsoft.com/office/drawing/2014/main" id="{1342B589-1278-FCE1-A0D7-8DD54C527C6F}"/>
-              </a:ext>
-            </a:extLst>
-          </p:cNvPr>
-          <p:cNvSpPr txBox="1"/>
-          <p:nvPr/>
-        </p:nvSpPr>
-        <p:spPr>
-          <a:xfrm>
-            <a:off x="1514168" y="1641987"/>
-            <a:ext cx="1436612" cy="307777"/>
-          </a:xfrm>
-          <a:prstGeom prst="rect">
-            <a:avLst/>
-          </a:prstGeom>
-          <a:noFill/>
-        </p:spPr>
-        <p:txBody>
-          <a:bodyPr wrap="none" rtlCol="0">
-            <a:spAutoFit/>
-          </a:bodyPr>
-          <a:lstStyle/>
-          <a:p>
-            <a:r>
-              <a:rPr lang="en-US" sz="1400" dirty="0">
-                <a:latin typeface="Times New Roman" panose="02020603050405020304" pitchFamily="18" charset="0"/>
-                <a:cs typeface="Times New Roman" panose="02020603050405020304" pitchFamily="18" charset="0"/>
-              </a:rPr>
-              <a:t>(Abstract) people</a:t>
-            </a:r>
-          </a:p>
-        </p:txBody>
-      </p:sp>
-      <p:cxnSp>
-        <p:nvCxnSpPr>
-          <p:cNvPr id="72" name="Straight Arrow Connector 71">
-            <a:extLst>
-              <a:ext uri="{FF2B5EF4-FFF2-40B4-BE49-F238E27FC236}">
-                <a16:creationId xmlns:a16="http://schemas.microsoft.com/office/drawing/2014/main" id="{3F3A6495-1C9E-86C0-6E83-2DD03D42A223}"/>
-              </a:ext>
-            </a:extLst>
-          </p:cNvPr>
-          <p:cNvCxnSpPr/>
-          <p:nvPr/>
-        </p:nvCxnSpPr>
-        <p:spPr>
-          <a:xfrm flipV="1">
-            <a:off x="958645" y="3512574"/>
-            <a:ext cx="1047136" cy="848032"/>
-          </a:xfrm>
-          <a:prstGeom prst="straightConnector1">
-            <a:avLst/>
-          </a:prstGeom>
-          <a:ln>
-            <a:tailEnd type="triangle"/>
-          </a:ln>
-        </p:spPr>
-        <p:style>
-          <a:lnRef idx="2">
-            <a:schemeClr val="accent1"/>
-          </a:lnRef>
-          <a:fillRef idx="0">
-            <a:schemeClr val="accent1"/>
-          </a:fillRef>
-          <a:effectRef idx="1">
-            <a:schemeClr val="accent1"/>
-          </a:effectRef>
-          <a:fontRef idx="minor">
-            <a:schemeClr val="tx1"/>
-          </a:fontRef>
-        </p:style>
-      </p:cxnSp>
-      <p:cxnSp>
-        <p:nvCxnSpPr>
-          <p:cNvPr id="74" name="Straight Arrow Connector 73">
-            <a:extLst>
-              <a:ext uri="{FF2B5EF4-FFF2-40B4-BE49-F238E27FC236}">
-                <a16:creationId xmlns:a16="http://schemas.microsoft.com/office/drawing/2014/main" id="{13A8B51D-51B6-0811-93B7-BA0AFB5A37A9}"/>
-              </a:ext>
-            </a:extLst>
-          </p:cNvPr>
-          <p:cNvCxnSpPr>
-            <a:stCxn id="44" idx="1"/>
-          </p:cNvCxnSpPr>
-          <p:nvPr/>
-        </p:nvCxnSpPr>
-        <p:spPr>
-          <a:xfrm flipH="1" flipV="1">
-            <a:off x="2305665" y="2005781"/>
-            <a:ext cx="1351236" cy="2308441"/>
-          </a:xfrm>
-          <a:prstGeom prst="straightConnector1">
-            <a:avLst/>
-          </a:prstGeom>
-          <a:ln>
-            <a:tailEnd type="triangle"/>
-          </a:ln>
-        </p:spPr>
-        <p:style>
-          <a:lnRef idx="2">
-            <a:schemeClr val="accent1"/>
-          </a:lnRef>
-          <a:fillRef idx="0">
-            <a:schemeClr val="accent1"/>
-          </a:fillRef>
-          <a:effectRef idx="1">
-            <a:schemeClr val="accent1"/>
-          </a:effectRef>
-          <a:fontRef idx="minor">
-            <a:schemeClr val="tx1"/>
-          </a:fontRef>
-        </p:style>
-      </p:cxnSp>
-      <p:sp>
-        <p:nvSpPr>
-          <p:cNvPr id="76" name="TextBox 75">
-            <a:extLst>
-              <a:ext uri="{FF2B5EF4-FFF2-40B4-BE49-F238E27FC236}">
-                <a16:creationId xmlns:a16="http://schemas.microsoft.com/office/drawing/2014/main" id="{2E0B19C3-F63E-02B5-BAA6-259A1DC4E529}"/>
-              </a:ext>
-            </a:extLst>
-          </p:cNvPr>
-          <p:cNvSpPr txBox="1"/>
-          <p:nvPr/>
-        </p:nvSpPr>
-        <p:spPr>
-          <a:xfrm>
-            <a:off x="1887792" y="4183945"/>
-            <a:ext cx="703008" cy="307777"/>
-          </a:xfrm>
-          <a:prstGeom prst="rect">
-            <a:avLst/>
-          </a:prstGeom>
-          <a:noFill/>
-        </p:spPr>
-        <p:txBody>
-          <a:bodyPr wrap="square" rtlCol="0">
-            <a:spAutoFit/>
-          </a:bodyPr>
-          <a:lstStyle/>
-          <a:p>
-            <a:r>
-              <a:rPr lang="en-US" sz="1400" dirty="0">
-                <a:latin typeface="Times New Roman" panose="02020603050405020304" pitchFamily="18" charset="0"/>
-                <a:cs typeface="Times New Roman" panose="02020603050405020304" pitchFamily="18" charset="0"/>
-              </a:rPr>
-              <a:t>admin</a:t>
-            </a:r>
-          </a:p>
-        </p:txBody>
-      </p:sp>
-      <p:sp>
-        <p:nvSpPr>
-          <p:cNvPr id="77" name="TextBox 76">
-            <a:extLst>
-              <a:ext uri="{FF2B5EF4-FFF2-40B4-BE49-F238E27FC236}">
-                <a16:creationId xmlns:a16="http://schemas.microsoft.com/office/drawing/2014/main" id="{656A4198-0F57-B5CE-BA61-8E03B2C95EFB}"/>
-              </a:ext>
-            </a:extLst>
-          </p:cNvPr>
-          <p:cNvSpPr txBox="1"/>
-          <p:nvPr/>
-        </p:nvSpPr>
-        <p:spPr>
-          <a:xfrm>
-            <a:off x="269720" y="5209606"/>
-            <a:ext cx="1132041" cy="307777"/>
-          </a:xfrm>
-          <a:prstGeom prst="rect">
-            <a:avLst/>
-          </a:prstGeom>
-          <a:noFill/>
-        </p:spPr>
-        <p:txBody>
-          <a:bodyPr wrap="none" rtlCol="0">
-            <a:spAutoFit/>
-          </a:bodyPr>
-          <a:lstStyle/>
-          <a:p>
-            <a:r>
-              <a:rPr lang="vi-VN" sz="1400" dirty="0">
-                <a:latin typeface="Times New Roman" panose="02020603050405020304" pitchFamily="18" charset="0"/>
-                <a:cs typeface="Times New Roman" panose="02020603050405020304" pitchFamily="18" charset="0"/>
-              </a:rPr>
-              <a:t>Quản trị viên</a:t>
-            </a:r>
-            <a:endParaRPr lang="en-US" sz="1400" dirty="0">
-              <a:latin typeface="Times New Roman" panose="02020603050405020304" pitchFamily="18" charset="0"/>
-              <a:cs typeface="Times New Roman" panose="02020603050405020304" pitchFamily="18" charset="0"/>
-            </a:endParaRPr>
-          </a:p>
-        </p:txBody>
-      </p:sp>
-      <p:sp>
-        <p:nvSpPr>
-          <p:cNvPr id="78" name="TextBox 77">
-            <a:extLst>
-              <a:ext uri="{FF2B5EF4-FFF2-40B4-BE49-F238E27FC236}">
-                <a16:creationId xmlns:a16="http://schemas.microsoft.com/office/drawing/2014/main" id="{331645C1-4EBC-ADFC-A12E-49FF08C92482}"/>
-              </a:ext>
-            </a:extLst>
-          </p:cNvPr>
-          <p:cNvSpPr txBox="1"/>
-          <p:nvPr/>
-        </p:nvSpPr>
-        <p:spPr>
-          <a:xfrm>
-            <a:off x="3515628" y="5055717"/>
-            <a:ext cx="484428" cy="307777"/>
-          </a:xfrm>
-          <a:prstGeom prst="rect">
-            <a:avLst/>
-          </a:prstGeom>
-          <a:noFill/>
-        </p:spPr>
-        <p:txBody>
-          <a:bodyPr wrap="square" rtlCol="0">
-            <a:spAutoFit/>
-          </a:bodyPr>
-          <a:lstStyle/>
-          <a:p>
-            <a:r>
-              <a:rPr lang="vi-VN" sz="1400" dirty="0">
-                <a:latin typeface="Times New Roman" panose="02020603050405020304" pitchFamily="18" charset="0"/>
-                <a:cs typeface="Times New Roman" panose="02020603050405020304" pitchFamily="18" charset="0"/>
-              </a:rPr>
-              <a:t>user</a:t>
-            </a:r>
-            <a:endParaRPr lang="en-US" sz="1400" dirty="0">
-              <a:latin typeface="Times New Roman" panose="02020603050405020304" pitchFamily="18" charset="0"/>
-              <a:cs typeface="Times New Roman" panose="02020603050405020304" pitchFamily="18" charset="0"/>
-            </a:endParaRPr>
-          </a:p>
-        </p:txBody>
-      </p:sp>
-      <p:cxnSp>
-        <p:nvCxnSpPr>
-          <p:cNvPr id="88" name="Straight Arrow Connector 87">
-            <a:extLst>
-              <a:ext uri="{FF2B5EF4-FFF2-40B4-BE49-F238E27FC236}">
-                <a16:creationId xmlns:a16="http://schemas.microsoft.com/office/drawing/2014/main" id="{5A6A0AAD-2476-2EED-976A-B7939E8A6C84}"/>
-              </a:ext>
-            </a:extLst>
-          </p:cNvPr>
-          <p:cNvCxnSpPr>
-            <a:stCxn id="61" idx="4"/>
-            <a:endCxn id="62" idx="0"/>
-          </p:cNvCxnSpPr>
-          <p:nvPr/>
-        </p:nvCxnSpPr>
-        <p:spPr>
-          <a:xfrm flipH="1">
-            <a:off x="8238873" y="2146409"/>
-            <a:ext cx="28948" cy="583012"/>
-          </a:xfrm>
-          <a:prstGeom prst="straightConnector1">
-            <a:avLst/>
-          </a:prstGeom>
-          <a:ln>
-            <a:prstDash val="sysDot"/>
-            <a:tailEnd type="triangle"/>
-          </a:ln>
-        </p:spPr>
-        <p:style>
-          <a:lnRef idx="2">
-            <a:schemeClr val="accent1"/>
-          </a:lnRef>
-          <a:fillRef idx="0">
-            <a:schemeClr val="accent1"/>
-          </a:fillRef>
-          <a:effectRef idx="1">
-            <a:schemeClr val="accent1"/>
-          </a:effectRef>
-          <a:fontRef idx="minor">
-            <a:schemeClr val="tx1"/>
-          </a:fontRef>
-        </p:style>
-      </p:cxnSp>
-      <p:sp>
-        <p:nvSpPr>
-          <p:cNvPr id="89" name="TextBox 88">
-            <a:extLst>
-              <a:ext uri="{FF2B5EF4-FFF2-40B4-BE49-F238E27FC236}">
-                <a16:creationId xmlns:a16="http://schemas.microsoft.com/office/drawing/2014/main" id="{434E48A0-BBC9-B07D-1651-01FC5C1CA2C6}"/>
-              </a:ext>
-            </a:extLst>
-          </p:cNvPr>
-          <p:cNvSpPr txBox="1"/>
-          <p:nvPr/>
-        </p:nvSpPr>
-        <p:spPr>
-          <a:xfrm>
-            <a:off x="8238872" y="2231922"/>
-            <a:ext cx="1248696" cy="307777"/>
-          </a:xfrm>
-          <a:prstGeom prst="rect">
-            <a:avLst/>
-          </a:prstGeom>
-          <a:noFill/>
-        </p:spPr>
-        <p:txBody>
-          <a:bodyPr wrap="square" rtlCol="0">
-            <a:spAutoFit/>
-          </a:bodyPr>
-          <a:lstStyle/>
-          <a:p>
-            <a:r>
-              <a:rPr lang="vi-VN" sz="1400" dirty="0">
-                <a:latin typeface="Times New Roman" panose="02020603050405020304" pitchFamily="18" charset="0"/>
-                <a:cs typeface="Times New Roman" panose="02020603050405020304" pitchFamily="18" charset="0"/>
-              </a:rPr>
-              <a:t>&lt;&lt;include&gt;&gt;</a:t>
-            </a:r>
-            <a:endParaRPr lang="en-US" sz="1400" dirty="0">
-              <a:latin typeface="Times New Roman" panose="02020603050405020304" pitchFamily="18" charset="0"/>
-              <a:cs typeface="Times New Roman" panose="02020603050405020304" pitchFamily="18" charset="0"/>
-            </a:endParaRPr>
-          </a:p>
-        </p:txBody>
-      </p:sp>
-      <p:cxnSp>
-        <p:nvCxnSpPr>
-          <p:cNvPr id="93" name="Straight Connector 92">
-            <a:extLst>
-              <a:ext uri="{FF2B5EF4-FFF2-40B4-BE49-F238E27FC236}">
-                <a16:creationId xmlns:a16="http://schemas.microsoft.com/office/drawing/2014/main" id="{4BE80AD5-1D80-A3EF-30D6-0B80B1449E6E}"/>
-              </a:ext>
-            </a:extLst>
-          </p:cNvPr>
-          <p:cNvCxnSpPr>
-            <a:stCxn id="5" idx="6"/>
-            <a:endCxn id="52" idx="2"/>
-          </p:cNvCxnSpPr>
-          <p:nvPr/>
-        </p:nvCxnSpPr>
-        <p:spPr>
-          <a:xfrm flipV="1">
-            <a:off x="2305665" y="258095"/>
-            <a:ext cx="5014446" cy="602228"/>
-          </a:xfrm>
-          <a:prstGeom prst="line">
-            <a:avLst/>
-          </a:prstGeom>
-        </p:spPr>
-        <p:style>
-          <a:lnRef idx="2">
-            <a:schemeClr val="accent1"/>
-          </a:lnRef>
-          <a:fillRef idx="0">
-            <a:schemeClr val="accent1"/>
-          </a:fillRef>
-          <a:effectRef idx="1">
-            <a:schemeClr val="accent1"/>
-          </a:effectRef>
-          <a:fontRef idx="minor">
-            <a:schemeClr val="tx1"/>
-          </a:fontRef>
-        </p:style>
-      </p:cxnSp>
-      <p:cxnSp>
-        <p:nvCxnSpPr>
-          <p:cNvPr id="95" name="Straight Connector 94">
-            <a:extLst>
-              <a:ext uri="{FF2B5EF4-FFF2-40B4-BE49-F238E27FC236}">
-                <a16:creationId xmlns:a16="http://schemas.microsoft.com/office/drawing/2014/main" id="{AEB36D7C-CAC2-E0E6-E6BA-0D644F3BEBA9}"/>
-              </a:ext>
-            </a:extLst>
-          </p:cNvPr>
-          <p:cNvCxnSpPr>
-            <a:stCxn id="5" idx="6"/>
-            <a:endCxn id="59" idx="2"/>
-          </p:cNvCxnSpPr>
-          <p:nvPr/>
-        </p:nvCxnSpPr>
-        <p:spPr>
-          <a:xfrm flipV="1">
-            <a:off x="2305665" y="766916"/>
-            <a:ext cx="5033008" cy="93407"/>
-          </a:xfrm>
-          <a:prstGeom prst="line">
-            <a:avLst/>
-          </a:prstGeom>
-        </p:spPr>
-        <p:style>
-          <a:lnRef idx="2">
-            <a:schemeClr val="accent1"/>
-          </a:lnRef>
-          <a:fillRef idx="0">
-            <a:schemeClr val="accent1"/>
-          </a:fillRef>
-          <a:effectRef idx="1">
-            <a:schemeClr val="accent1"/>
-          </a:effectRef>
-          <a:fontRef idx="minor">
-            <a:schemeClr val="tx1"/>
-          </a:fontRef>
-        </p:style>
-      </p:cxnSp>
-      <p:cxnSp>
-        <p:nvCxnSpPr>
-          <p:cNvPr id="99" name="Straight Connector 98">
-            <a:extLst>
-              <a:ext uri="{FF2B5EF4-FFF2-40B4-BE49-F238E27FC236}">
-                <a16:creationId xmlns:a16="http://schemas.microsoft.com/office/drawing/2014/main" id="{88C4246C-205F-FF30-E676-B1E7FD3C6BBC}"/>
-              </a:ext>
-            </a:extLst>
-          </p:cNvPr>
-          <p:cNvCxnSpPr>
-            <a:stCxn id="5" idx="6"/>
-            <a:endCxn id="60" idx="2"/>
-          </p:cNvCxnSpPr>
-          <p:nvPr/>
-        </p:nvCxnSpPr>
-        <p:spPr>
-          <a:xfrm>
-            <a:off x="2305665" y="860323"/>
-            <a:ext cx="5014445" cy="487924"/>
-          </a:xfrm>
-          <a:prstGeom prst="line">
-            <a:avLst/>
-          </a:prstGeom>
-        </p:spPr>
-        <p:style>
-          <a:lnRef idx="2">
-            <a:schemeClr val="accent1"/>
-          </a:lnRef>
-          <a:fillRef idx="0">
-            <a:schemeClr val="accent1"/>
-          </a:fillRef>
-          <a:effectRef idx="1">
-            <a:schemeClr val="accent1"/>
-          </a:effectRef>
-          <a:fontRef idx="minor">
-            <a:schemeClr val="tx1"/>
-          </a:fontRef>
-        </p:style>
-      </p:cxnSp>
-      <p:cxnSp>
-        <p:nvCxnSpPr>
-          <p:cNvPr id="101" name="Straight Connector 100">
-            <a:extLst>
-              <a:ext uri="{FF2B5EF4-FFF2-40B4-BE49-F238E27FC236}">
-                <a16:creationId xmlns:a16="http://schemas.microsoft.com/office/drawing/2014/main" id="{6210C630-9461-E220-2344-7AD62078CF6C}"/>
-              </a:ext>
-            </a:extLst>
-          </p:cNvPr>
-          <p:cNvCxnSpPr>
-            <a:stCxn id="5" idx="6"/>
-            <a:endCxn id="61" idx="2"/>
-          </p:cNvCxnSpPr>
-          <p:nvPr/>
-        </p:nvCxnSpPr>
-        <p:spPr>
-          <a:xfrm>
-            <a:off x="2305665" y="860323"/>
-            <a:ext cx="5033007" cy="1089441"/>
-          </a:xfrm>
-          <a:prstGeom prst="line">
-            <a:avLst/>
-          </a:prstGeom>
-        </p:spPr>
-        <p:style>
-          <a:lnRef idx="2">
-            <a:schemeClr val="accent1"/>
-          </a:lnRef>
-          <a:fillRef idx="0">
-            <a:schemeClr val="accent1"/>
-          </a:fillRef>
-          <a:effectRef idx="1">
-            <a:schemeClr val="accent1"/>
-          </a:effectRef>
-          <a:fontRef idx="minor">
-            <a:schemeClr val="tx1"/>
-          </a:fontRef>
-        </p:style>
-      </p:cxnSp>
-      <p:cxnSp>
-        <p:nvCxnSpPr>
-          <p:cNvPr id="103" name="Straight Connector 102">
-            <a:extLst>
-              <a:ext uri="{FF2B5EF4-FFF2-40B4-BE49-F238E27FC236}">
-                <a16:creationId xmlns:a16="http://schemas.microsoft.com/office/drawing/2014/main" id="{4F5FB7FE-72CD-A39A-C9CB-840298B30F9D}"/>
-              </a:ext>
-            </a:extLst>
-          </p:cNvPr>
-          <p:cNvCxnSpPr>
-            <a:stCxn id="5" idx="6"/>
-            <a:endCxn id="63" idx="2"/>
-          </p:cNvCxnSpPr>
-          <p:nvPr/>
-        </p:nvCxnSpPr>
-        <p:spPr>
-          <a:xfrm>
-            <a:off x="2305665" y="860323"/>
-            <a:ext cx="5037913" cy="2848896"/>
-          </a:xfrm>
-          <a:prstGeom prst="line">
-            <a:avLst/>
-          </a:prstGeom>
-        </p:spPr>
-        <p:style>
-          <a:lnRef idx="2">
-            <a:schemeClr val="accent1"/>
-          </a:lnRef>
-          <a:fillRef idx="0">
-            <a:schemeClr val="accent1"/>
-          </a:fillRef>
-          <a:effectRef idx="1">
-            <a:schemeClr val="accent1"/>
-          </a:effectRef>
-          <a:fontRef idx="minor">
-            <a:schemeClr val="tx1"/>
-          </a:fontRef>
-        </p:style>
-      </p:cxnSp>
-      <p:cxnSp>
-        <p:nvCxnSpPr>
-          <p:cNvPr id="105" name="Straight Connector 104">
-            <a:extLst>
-              <a:ext uri="{FF2B5EF4-FFF2-40B4-BE49-F238E27FC236}">
-                <a16:creationId xmlns:a16="http://schemas.microsoft.com/office/drawing/2014/main" id="{F80BD068-6815-557D-CA13-ED4E6BE7D7C8}"/>
-              </a:ext>
-            </a:extLst>
-          </p:cNvPr>
-          <p:cNvCxnSpPr>
-            <a:stCxn id="38" idx="6"/>
-            <a:endCxn id="62" idx="2"/>
-          </p:cNvCxnSpPr>
-          <p:nvPr/>
-        </p:nvCxnSpPr>
-        <p:spPr>
-          <a:xfrm flipV="1">
-            <a:off x="2281084" y="2926066"/>
-            <a:ext cx="5028640" cy="586509"/>
-          </a:xfrm>
-          <a:prstGeom prst="line">
-            <a:avLst/>
-          </a:prstGeom>
-        </p:spPr>
-        <p:style>
-          <a:lnRef idx="2">
-            <a:schemeClr val="accent1"/>
-          </a:lnRef>
-          <a:fillRef idx="0">
-            <a:schemeClr val="accent1"/>
-          </a:fillRef>
-          <a:effectRef idx="1">
-            <a:schemeClr val="accent1"/>
-          </a:effectRef>
-          <a:fontRef idx="minor">
-            <a:schemeClr val="tx1"/>
-          </a:fontRef>
-        </p:style>
-      </p:cxnSp>
-      <p:sp>
-        <p:nvSpPr>
-          <p:cNvPr id="106" name="TextBox 105">
-            <a:extLst>
-              <a:ext uri="{FF2B5EF4-FFF2-40B4-BE49-F238E27FC236}">
-                <a16:creationId xmlns:a16="http://schemas.microsoft.com/office/drawing/2014/main" id="{F7D8CF29-58CD-3BE7-EF15-F69727140DE2}"/>
-              </a:ext>
-            </a:extLst>
-          </p:cNvPr>
-          <p:cNvSpPr txBox="1"/>
-          <p:nvPr/>
-        </p:nvSpPr>
-        <p:spPr>
-          <a:xfrm>
-            <a:off x="8157756" y="4058264"/>
-            <a:ext cx="1248696" cy="307777"/>
-          </a:xfrm>
-          <a:prstGeom prst="rect">
-            <a:avLst/>
-          </a:prstGeom>
-          <a:noFill/>
-        </p:spPr>
-        <p:txBody>
-          <a:bodyPr wrap="square" rtlCol="0">
-            <a:spAutoFit/>
-          </a:bodyPr>
-          <a:lstStyle/>
-          <a:p>
-            <a:r>
-              <a:rPr lang="vi-VN" sz="1400" dirty="0">
-                <a:latin typeface="Times New Roman" panose="02020603050405020304" pitchFamily="18" charset="0"/>
-                <a:cs typeface="Times New Roman" panose="02020603050405020304" pitchFamily="18" charset="0"/>
-              </a:rPr>
-              <a:t>&lt;&lt;include&gt;&gt;</a:t>
-            </a:r>
-            <a:endParaRPr lang="en-US" sz="1400" dirty="0">
-              <a:latin typeface="Times New Roman" panose="02020603050405020304" pitchFamily="18" charset="0"/>
-              <a:cs typeface="Times New Roman" panose="02020603050405020304" pitchFamily="18" charset="0"/>
-            </a:endParaRPr>
-          </a:p>
-        </p:txBody>
-      </p:sp>
-      <p:cxnSp>
-        <p:nvCxnSpPr>
-          <p:cNvPr id="107" name="Straight Arrow Connector 106">
-            <a:extLst>
-              <a:ext uri="{FF2B5EF4-FFF2-40B4-BE49-F238E27FC236}">
-                <a16:creationId xmlns:a16="http://schemas.microsoft.com/office/drawing/2014/main" id="{B7760182-0130-7131-33FB-F00199500AAF}"/>
-              </a:ext>
-            </a:extLst>
-          </p:cNvPr>
-          <p:cNvCxnSpPr/>
-          <p:nvPr/>
-        </p:nvCxnSpPr>
-        <p:spPr>
-          <a:xfrm flipH="1">
-            <a:off x="8218637" y="3880050"/>
-            <a:ext cx="28948" cy="583012"/>
-          </a:xfrm>
-          <a:prstGeom prst="straightConnector1">
-            <a:avLst/>
-          </a:prstGeom>
-          <a:ln>
-            <a:prstDash val="sysDot"/>
-            <a:tailEnd type="triangle"/>
-          </a:ln>
-        </p:spPr>
-        <p:style>
-          <a:lnRef idx="2">
-            <a:schemeClr val="accent1"/>
-          </a:lnRef>
-          <a:fillRef idx="0">
-            <a:schemeClr val="accent1"/>
-          </a:fillRef>
-          <a:effectRef idx="1">
-            <a:schemeClr val="accent1"/>
-          </a:effectRef>
-          <a:fontRef idx="minor">
-            <a:schemeClr val="tx1"/>
-          </a:fontRef>
-        </p:style>
-      </p:cxnSp>
-      <p:cxnSp>
-        <p:nvCxnSpPr>
-          <p:cNvPr id="109" name="Straight Connector 108">
-            <a:extLst>
-              <a:ext uri="{FF2B5EF4-FFF2-40B4-BE49-F238E27FC236}">
-                <a16:creationId xmlns:a16="http://schemas.microsoft.com/office/drawing/2014/main" id="{1DFD6120-756A-C2BC-8F62-6F919911C18A}"/>
-              </a:ext>
-            </a:extLst>
-          </p:cNvPr>
-          <p:cNvCxnSpPr>
-            <a:stCxn id="38" idx="6"/>
-            <a:endCxn id="64" idx="2"/>
-          </p:cNvCxnSpPr>
-          <p:nvPr/>
-        </p:nvCxnSpPr>
-        <p:spPr>
-          <a:xfrm>
-            <a:off x="2281084" y="3512575"/>
-            <a:ext cx="5057588" cy="1211822"/>
-          </a:xfrm>
-          <a:prstGeom prst="line">
-            <a:avLst/>
-          </a:prstGeom>
-        </p:spPr>
-        <p:style>
-          <a:lnRef idx="2">
-            <a:schemeClr val="accent1"/>
-          </a:lnRef>
-          <a:fillRef idx="0">
-            <a:schemeClr val="accent1"/>
-          </a:fillRef>
-          <a:effectRef idx="1">
-            <a:schemeClr val="accent1"/>
-          </a:effectRef>
-          <a:fontRef idx="minor">
-            <a:schemeClr val="tx1"/>
-          </a:fontRef>
-        </p:style>
-      </p:cxnSp>
-      <p:cxnSp>
-        <p:nvCxnSpPr>
-          <p:cNvPr id="111" name="Straight Connector 110">
-            <a:extLst>
-              <a:ext uri="{FF2B5EF4-FFF2-40B4-BE49-F238E27FC236}">
-                <a16:creationId xmlns:a16="http://schemas.microsoft.com/office/drawing/2014/main" id="{B8E6CF11-04EF-3F1A-4B75-84D2E1711B2F}"/>
-              </a:ext>
-            </a:extLst>
-          </p:cNvPr>
-          <p:cNvCxnSpPr>
-            <a:stCxn id="5" idx="6"/>
-          </p:cNvCxnSpPr>
-          <p:nvPr/>
-        </p:nvCxnSpPr>
-        <p:spPr>
-          <a:xfrm>
-            <a:off x="2305665" y="860323"/>
-            <a:ext cx="5004059" cy="4564106"/>
-          </a:xfrm>
-          <a:prstGeom prst="line">
-            <a:avLst/>
-          </a:prstGeom>
-        </p:spPr>
-        <p:style>
-          <a:lnRef idx="2">
-            <a:schemeClr val="accent1"/>
-          </a:lnRef>
-          <a:fillRef idx="0">
-            <a:schemeClr val="accent1"/>
-          </a:fillRef>
-          <a:effectRef idx="1">
-            <a:schemeClr val="accent1"/>
-          </a:effectRef>
-          <a:fontRef idx="minor">
-            <a:schemeClr val="tx1"/>
-          </a:fontRef>
-        </p:style>
-      </p:cxnSp>
-      <p:cxnSp>
-        <p:nvCxnSpPr>
-          <p:cNvPr id="113" name="Straight Connector 112">
-            <a:extLst>
-              <a:ext uri="{FF2B5EF4-FFF2-40B4-BE49-F238E27FC236}">
-                <a16:creationId xmlns:a16="http://schemas.microsoft.com/office/drawing/2014/main" id="{DF87AECD-A042-3AED-B38C-321D3F60B928}"/>
-              </a:ext>
-            </a:extLst>
-          </p:cNvPr>
-          <p:cNvCxnSpPr>
-            <a:stCxn id="38" idx="6"/>
-            <a:endCxn id="66" idx="2"/>
-          </p:cNvCxnSpPr>
-          <p:nvPr/>
-        </p:nvCxnSpPr>
-        <p:spPr>
-          <a:xfrm>
-            <a:off x="2281084" y="3512575"/>
-            <a:ext cx="5039026" cy="2506709"/>
-          </a:xfrm>
-          <a:prstGeom prst="line">
-            <a:avLst/>
-          </a:prstGeom>
-        </p:spPr>
-        <p:style>
-          <a:lnRef idx="2">
-            <a:schemeClr val="accent1"/>
-          </a:lnRef>
-          <a:fillRef idx="0">
-            <a:schemeClr val="accent1"/>
-          </a:fillRef>
-          <a:effectRef idx="1">
-            <a:schemeClr val="accent1"/>
-          </a:effectRef>
-          <a:fontRef idx="minor">
-            <a:schemeClr val="tx1"/>
-          </a:fontRef>
-        </p:style>
-      </p:cxnSp>
-      <p:cxnSp>
-        <p:nvCxnSpPr>
-          <p:cNvPr id="115" name="Straight Connector 114">
-            <a:extLst>
-              <a:ext uri="{FF2B5EF4-FFF2-40B4-BE49-F238E27FC236}">
-                <a16:creationId xmlns:a16="http://schemas.microsoft.com/office/drawing/2014/main" id="{BB643384-9701-D910-F5B8-3675EA325D62}"/>
-              </a:ext>
-            </a:extLst>
-          </p:cNvPr>
-          <p:cNvCxnSpPr>
-            <a:stCxn id="38" idx="6"/>
-            <a:endCxn id="67" idx="2"/>
-          </p:cNvCxnSpPr>
-          <p:nvPr/>
-        </p:nvCxnSpPr>
-        <p:spPr>
-          <a:xfrm>
-            <a:off x="2281084" y="3512575"/>
-            <a:ext cx="5082168" cy="3127888"/>
-          </a:xfrm>
-          <a:prstGeom prst="line">
-            <a:avLst/>
-          </a:prstGeom>
-        </p:spPr>
-        <p:style>
-          <a:lnRef idx="2">
-            <a:schemeClr val="accent1"/>
-          </a:lnRef>
-          <a:fillRef idx="0">
-            <a:schemeClr val="accent1"/>
-          </a:fillRef>
-          <a:effectRef idx="1">
-            <a:schemeClr val="accent1"/>
-          </a:effectRef>
-          <a:fontRef idx="minor">
-            <a:schemeClr val="tx1"/>
-          </a:fontRef>
-        </p:style>
-      </p:cxnSp>
-      <p:sp>
-        <p:nvSpPr>
-          <p:cNvPr id="116" name="TextBox 115">
-            <a:extLst>
-              <a:ext uri="{FF2B5EF4-FFF2-40B4-BE49-F238E27FC236}">
-                <a16:creationId xmlns:a16="http://schemas.microsoft.com/office/drawing/2014/main" id="{E3209BA0-59FE-DE72-FC3F-BF1B7A2B4DE4}"/>
-              </a:ext>
-            </a:extLst>
-          </p:cNvPr>
-          <p:cNvSpPr txBox="1"/>
-          <p:nvPr/>
-        </p:nvSpPr>
-        <p:spPr>
-          <a:xfrm>
-            <a:off x="1401761" y="167148"/>
-            <a:ext cx="1988686" cy="369332"/>
-          </a:xfrm>
-          <a:prstGeom prst="rect">
-            <a:avLst/>
-          </a:prstGeom>
-          <a:noFill/>
-        </p:spPr>
-        <p:txBody>
-          <a:bodyPr wrap="none" rtlCol="0">
-            <a:spAutoFit/>
-          </a:bodyPr>
-          <a:lstStyle/>
-          <a:p>
-            <a:r>
-              <a:rPr lang="vi-VN" dirty="0">
-                <a:latin typeface="+mj-lt"/>
-              </a:rPr>
-              <a:t>Usecase Tổng Quát</a:t>
-            </a:r>
-            <a:endParaRPr lang="en-US" dirty="0">
-              <a:latin typeface="+mj-lt"/>
-            </a:endParaRPr>
-          </a:p>
-        </p:txBody>
-      </p:sp>
-    </p:spTree>
-    <p:extLst>
-      <p:ext uri="{BB962C8B-B14F-4D97-AF65-F5344CB8AC3E}">
-        <p14:creationId xmlns:p14="http://schemas.microsoft.com/office/powerpoint/2010/main" val="3808529174"/>
-      </p:ext>
-    </p:extLst>
-  </p:cSld>
-  <p:clrMapOvr>
-    <a:masterClrMapping/>
-  </p:clrMapOvr>
-</p:sld>
-</file>
-
-<file path=ppt/slides/slide2.xml><?xml version="1.0" encoding="utf-8"?>
 <p:sld xmlns:a="http://schemas.openxmlformats.org/drawingml/2006/main" xmlns:r="http://schemas.openxmlformats.org/officeDocument/2006/relationships" xmlns:p="http://schemas.openxmlformats.org/presentationml/2006/main">
   <p:cSld>
     <p:spTree>
@@ -8384,6 +5993,23 @@
 </file>
 
 <file path=customXml/item1.xml><?xml version="1.0" encoding="utf-8"?>
+<p:properties xmlns:p="http://schemas.microsoft.com/office/2006/metadata/properties" xmlns:xsi="http://www.w3.org/2001/XMLSchema-instance" xmlns:pc="http://schemas.microsoft.com/office/infopath/2007/PartnerControls">
+  <documentManagement>
+    <_activity xmlns="c80d803b-ee30-4cf1-8997-d5dbef288d47" xsi:nil="true"/>
+  </documentManagement>
+</p:properties>
+</file>
+
+<file path=customXml/item2.xml><?xml version="1.0" encoding="utf-8"?>
+<?mso-contentType ?>
+<FormTemplates xmlns="http://schemas.microsoft.com/sharepoint/v3/contenttype/forms">
+  <Display>DocumentLibraryForm</Display>
+  <Edit>DocumentLibraryForm</Edit>
+  <New>DocumentLibraryForm</New>
+</FormTemplates>
+</file>
+
+<file path=customXml/item3.xml><?xml version="1.0" encoding="utf-8"?>
 <ct:contentTypeSchema xmlns:ct="http://schemas.microsoft.com/office/2006/metadata/contentType" xmlns:ma="http://schemas.microsoft.com/office/2006/metadata/properties/metaAttributes" ct:_="" ma:_="" ma:contentTypeName="Document" ma:contentTypeID="0x01010091885E8D135CD643938305DEC3E1B53E" ma:contentTypeVersion="15" ma:contentTypeDescription="Create a new document." ma:contentTypeScope="" ma:versionID="a6814ea74d3fb77b5ad977a3843b2846">
   <xsd:schema xmlns:xsd="http://www.w3.org/2001/XMLSchema" xmlns:xs="http://www.w3.org/2001/XMLSchema" xmlns:p="http://schemas.microsoft.com/office/2006/metadata/properties" xmlns:ns3="c80d803b-ee30-4cf1-8997-d5dbef288d47" xmlns:ns4="1c1e4822-5b82-4cb4-a39e-28e929ec74cb" targetNamespace="http://schemas.microsoft.com/office/2006/metadata/properties" ma:root="true" ma:fieldsID="20e89a6ac46c5aeb3e918dc78faa7076" ns3:_="" ns4:_="">
     <xsd:import namespace="c80d803b-ee30-4cf1-8997-d5dbef288d47"/>
@@ -8616,24 +6242,32 @@
 </ct:contentTypeSchema>
 </file>
 
-<file path=customXml/item2.xml><?xml version="1.0" encoding="utf-8"?>
-<?mso-contentType ?>
-<FormTemplates xmlns="http://schemas.microsoft.com/sharepoint/v3/contenttype/forms">
-  <Display>DocumentLibraryForm</Display>
-  <Edit>DocumentLibraryForm</Edit>
-  <New>DocumentLibraryForm</New>
-</FormTemplates>
+<file path=customXml/itemProps1.xml><?xml version="1.0" encoding="utf-8"?>
+<ds:datastoreItem xmlns:ds="http://schemas.openxmlformats.org/officeDocument/2006/customXml" ds:itemID="{62708EBF-A450-4275-BE92-5350CCD7E3D8}">
+  <ds:schemaRefs>
+    <ds:schemaRef ds:uri="http://schemas.microsoft.com/office/2006/documentManagement/types"/>
+    <ds:schemaRef ds:uri="http://purl.org/dc/dcmitype/"/>
+    <ds:schemaRef ds:uri="http://purl.org/dc/elements/1.1/"/>
+    <ds:schemaRef ds:uri="http://schemas.microsoft.com/office/infopath/2007/PartnerControls"/>
+    <ds:schemaRef ds:uri="http://schemas.openxmlformats.org/package/2006/metadata/core-properties"/>
+    <ds:schemaRef ds:uri="http://www.w3.org/XML/1998/namespace"/>
+    <ds:schemaRef ds:uri="1c1e4822-5b82-4cb4-a39e-28e929ec74cb"/>
+    <ds:schemaRef ds:uri="c80d803b-ee30-4cf1-8997-d5dbef288d47"/>
+    <ds:schemaRef ds:uri="http://schemas.microsoft.com/office/2006/metadata/properties"/>
+    <ds:schemaRef ds:uri="http://purl.org/dc/terms/"/>
+  </ds:schemaRefs>
+</ds:datastoreItem>
 </file>
 
-<file path=customXml/item3.xml><?xml version="1.0" encoding="utf-8"?>
-<p:properties xmlns:p="http://schemas.microsoft.com/office/2006/metadata/properties" xmlns:xsi="http://www.w3.org/2001/XMLSchema-instance" xmlns:pc="http://schemas.microsoft.com/office/infopath/2007/PartnerControls">
-  <documentManagement>
-    <_activity xmlns="c80d803b-ee30-4cf1-8997-d5dbef288d47" xsi:nil="true"/>
-  </documentManagement>
-</p:properties>
+<file path=customXml/itemProps2.xml><?xml version="1.0" encoding="utf-8"?>
+<ds:datastoreItem xmlns:ds="http://schemas.openxmlformats.org/officeDocument/2006/customXml" ds:itemID="{CC0F71D0-B456-499C-9723-E5E42E4AD08D}">
+  <ds:schemaRefs>
+    <ds:schemaRef ds:uri="http://schemas.microsoft.com/sharepoint/v3/contenttype/forms"/>
+  </ds:schemaRefs>
+</ds:datastoreItem>
 </file>
 
-<file path=customXml/itemProps1.xml><?xml version="1.0" encoding="utf-8"?>
+<file path=customXml/itemProps3.xml><?xml version="1.0" encoding="utf-8"?>
 <ds:datastoreItem xmlns:ds="http://schemas.openxmlformats.org/officeDocument/2006/customXml" ds:itemID="{E7720A69-3D9A-4641-9490-F8E3EC0921C6}">
   <ds:schemaRefs>
     <ds:schemaRef ds:uri="http://schemas.microsoft.com/office/2006/metadata/contentType"/>
@@ -8650,29 +6284,4 @@
     <ds:schemaRef ds:uri="http://schemas.microsoft.com/internal/obd"/>
   </ds:schemaRefs>
 </ds:datastoreItem>
-</file>
-
-<file path=customXml/itemProps2.xml><?xml version="1.0" encoding="utf-8"?>
-<ds:datastoreItem xmlns:ds="http://schemas.openxmlformats.org/officeDocument/2006/customXml" ds:itemID="{CC0F71D0-B456-499C-9723-E5E42E4AD08D}">
-  <ds:schemaRefs>
-    <ds:schemaRef ds:uri="http://schemas.microsoft.com/sharepoint/v3/contenttype/forms"/>
-  </ds:schemaRefs>
-</ds:datastoreItem>
-</file>
-
-<file path=customXml/itemProps3.xml><?xml version="1.0" encoding="utf-8"?>
-<ds:datastoreItem xmlns:ds="http://schemas.openxmlformats.org/officeDocument/2006/customXml" ds:itemID="{62708EBF-A450-4275-BE92-5350CCD7E3D8}">
-  <ds:schemaRefs>
-    <ds:schemaRef ds:uri="http://schemas.microsoft.com/office/2006/documentManagement/types"/>
-    <ds:schemaRef ds:uri="http://purl.org/dc/dcmitype/"/>
-    <ds:schemaRef ds:uri="http://purl.org/dc/elements/1.1/"/>
-    <ds:schemaRef ds:uri="http://schemas.microsoft.com/office/infopath/2007/PartnerControls"/>
-    <ds:schemaRef ds:uri="http://schemas.openxmlformats.org/package/2006/metadata/core-properties"/>
-    <ds:schemaRef ds:uri="http://www.w3.org/XML/1998/namespace"/>
-    <ds:schemaRef ds:uri="1c1e4822-5b82-4cb4-a39e-28e929ec74cb"/>
-    <ds:schemaRef ds:uri="c80d803b-ee30-4cf1-8997-d5dbef288d47"/>
-    <ds:schemaRef ds:uri="http://schemas.microsoft.com/office/2006/metadata/properties"/>
-    <ds:schemaRef ds:uri="http://purl.org/dc/terms/"/>
-  </ds:schemaRefs>
-</ds:datastoreItem>
 </file>
--- a/Use Case Diagram/UC_group.pptx
+++ b/Use Case Diagram/UC_group.pptx
@@ -267,7 +267,7 @@
           <a:p>
             <a:fld id="{5202C541-B2DD-4733-9C70-4F2EA2223365}" type="datetimeFigureOut">
               <a:rPr lang="en-US" smtClean="0"/>
-              <a:t>5/18/2025</a:t>
+              <a:t>5/20/2025</a:t>
             </a:fld>
             <a:endParaRPr lang="en-US"/>
           </a:p>
@@ -465,7 +465,7 @@
           <a:p>
             <a:fld id="{5202C541-B2DD-4733-9C70-4F2EA2223365}" type="datetimeFigureOut">
               <a:rPr lang="en-US" smtClean="0"/>
-              <a:t>5/18/2025</a:t>
+              <a:t>5/20/2025</a:t>
             </a:fld>
             <a:endParaRPr lang="en-US"/>
           </a:p>
@@ -673,7 +673,7 @@
           <a:p>
             <a:fld id="{5202C541-B2DD-4733-9C70-4F2EA2223365}" type="datetimeFigureOut">
               <a:rPr lang="en-US" smtClean="0"/>
-              <a:t>5/18/2025</a:t>
+              <a:t>5/20/2025</a:t>
             </a:fld>
             <a:endParaRPr lang="en-US"/>
           </a:p>
@@ -871,7 +871,7 @@
           <a:p>
             <a:fld id="{5202C541-B2DD-4733-9C70-4F2EA2223365}" type="datetimeFigureOut">
               <a:rPr lang="en-US" smtClean="0"/>
-              <a:t>5/18/2025</a:t>
+              <a:t>5/20/2025</a:t>
             </a:fld>
             <a:endParaRPr lang="en-US"/>
           </a:p>
@@ -1146,7 +1146,7 @@
           <a:p>
             <a:fld id="{5202C541-B2DD-4733-9C70-4F2EA2223365}" type="datetimeFigureOut">
               <a:rPr lang="en-US" smtClean="0"/>
-              <a:t>5/18/2025</a:t>
+              <a:t>5/20/2025</a:t>
             </a:fld>
             <a:endParaRPr lang="en-US"/>
           </a:p>
@@ -1411,7 +1411,7 @@
           <a:p>
             <a:fld id="{5202C541-B2DD-4733-9C70-4F2EA2223365}" type="datetimeFigureOut">
               <a:rPr lang="en-US" smtClean="0"/>
-              <a:t>5/18/2025</a:t>
+              <a:t>5/20/2025</a:t>
             </a:fld>
             <a:endParaRPr lang="en-US"/>
           </a:p>
@@ -1823,7 +1823,7 @@
           <a:p>
             <a:fld id="{5202C541-B2DD-4733-9C70-4F2EA2223365}" type="datetimeFigureOut">
               <a:rPr lang="en-US" smtClean="0"/>
-              <a:t>5/18/2025</a:t>
+              <a:t>5/20/2025</a:t>
             </a:fld>
             <a:endParaRPr lang="en-US"/>
           </a:p>
@@ -1964,7 +1964,7 @@
           <a:p>
             <a:fld id="{5202C541-B2DD-4733-9C70-4F2EA2223365}" type="datetimeFigureOut">
               <a:rPr lang="en-US" smtClean="0"/>
-              <a:t>5/18/2025</a:t>
+              <a:t>5/20/2025</a:t>
             </a:fld>
             <a:endParaRPr lang="en-US"/>
           </a:p>
@@ -2077,7 +2077,7 @@
           <a:p>
             <a:fld id="{5202C541-B2DD-4733-9C70-4F2EA2223365}" type="datetimeFigureOut">
               <a:rPr lang="en-US" smtClean="0"/>
-              <a:t>5/18/2025</a:t>
+              <a:t>5/20/2025</a:t>
             </a:fld>
             <a:endParaRPr lang="en-US"/>
           </a:p>
@@ -2388,7 +2388,7 @@
           <a:p>
             <a:fld id="{5202C541-B2DD-4733-9C70-4F2EA2223365}" type="datetimeFigureOut">
               <a:rPr lang="en-US" smtClean="0"/>
-              <a:t>5/18/2025</a:t>
+              <a:t>5/20/2025</a:t>
             </a:fld>
             <a:endParaRPr lang="en-US"/>
           </a:p>
@@ -2676,7 +2676,7 @@
           <a:p>
             <a:fld id="{5202C541-B2DD-4733-9C70-4F2EA2223365}" type="datetimeFigureOut">
               <a:rPr lang="en-US" smtClean="0"/>
-              <a:t>5/18/2025</a:t>
+              <a:t>5/20/2025</a:t>
             </a:fld>
             <a:endParaRPr lang="en-US"/>
           </a:p>
@@ -2917,7 +2917,7 @@
           <a:p>
             <a:fld id="{5202C541-B2DD-4733-9C70-4F2EA2223365}" type="datetimeFigureOut">
               <a:rPr lang="en-US" smtClean="0"/>
-              <a:t>5/18/2025</a:t>
+              <a:t>5/20/2025</a:t>
             </a:fld>
             <a:endParaRPr lang="en-US"/>
           </a:p>
@@ -4137,13 +4137,14 @@
           </p:cNvPr>
           <p:cNvCxnSpPr>
             <a:cxnSpLocks/>
+            <a:stCxn id="32" idx="7"/>
           </p:cNvCxnSpPr>
           <p:nvPr/>
         </p:nvCxnSpPr>
         <p:spPr>
           <a:xfrm flipV="1">
-            <a:off x="385916" y="3136490"/>
-            <a:ext cx="684466" cy="1130710"/>
+            <a:off x="466802" y="3442460"/>
+            <a:ext cx="471063" cy="871762"/>
           </a:xfrm>
           <a:prstGeom prst="straightConnector1">
             <a:avLst/>
@@ -4181,8 +4182,8 @@
         </p:nvSpPr>
         <p:spPr>
           <a:xfrm>
-            <a:off x="885728" y="3118244"/>
-            <a:ext cx="703008" cy="307777"/>
+            <a:off x="1589858" y="5029700"/>
+            <a:ext cx="1311300" cy="307777"/>
           </a:xfrm>
           <a:prstGeom prst="rect">
             <a:avLst/>
@@ -4196,12 +4197,16 @@
           <a:lstStyle/>
           <a:p>
             <a:r>
-              <a:rPr lang="en-US" sz="1400" dirty="0">
+              <a:rPr lang="vi-VN" sz="1400">
                 <a:latin typeface="Times New Roman" panose="02020603050405020304" pitchFamily="18" charset="0"/>
                 <a:cs typeface="Times New Roman" panose="02020603050405020304" pitchFamily="18" charset="0"/>
               </a:rPr>
-              <a:t>admin</a:t>
-            </a:r>
+              <a:t>Quản trị viên</a:t>
+            </a:r>
+            <a:endParaRPr lang="en-US" sz="1400" dirty="0">
+              <a:latin typeface="Times New Roman" panose="02020603050405020304" pitchFamily="18" charset="0"/>
+              <a:cs typeface="Times New Roman" panose="02020603050405020304" pitchFamily="18" charset="0"/>
+            </a:endParaRPr>
           </a:p>
         </p:txBody>
       </p:sp>
@@ -4220,7 +4225,7 @@
         <p:spPr>
           <a:xfrm>
             <a:off x="-91454" y="5109797"/>
-            <a:ext cx="1132041" cy="307777"/>
+            <a:ext cx="987771" cy="307777"/>
           </a:xfrm>
           <a:prstGeom prst="rect">
             <a:avLst/>
@@ -4238,7 +4243,7 @@
                 <a:latin typeface="Times New Roman" panose="02020603050405020304" pitchFamily="18" charset="0"/>
                 <a:cs typeface="Times New Roman" panose="02020603050405020304" pitchFamily="18" charset="0"/>
               </a:rPr>
-              <a:t>Quản trị viên</a:t>
+              <a:t>Chủ Group</a:t>
             </a:r>
             <a:endParaRPr lang="en-US" sz="1400" dirty="0">
               <a:latin typeface="Times New Roman" panose="02020603050405020304" pitchFamily="18" charset="0"/>
@@ -5660,6 +5665,320 @@
           </a:fontRef>
         </p:style>
       </p:cxnSp>
+      <p:sp>
+        <p:nvSpPr>
+          <p:cNvPr id="9" name="Flowchart: Connector 8">
+            <a:extLst>
+              <a:ext uri="{FF2B5EF4-FFF2-40B4-BE49-F238E27FC236}">
+                <a16:creationId xmlns:a16="http://schemas.microsoft.com/office/drawing/2014/main" id="{D05E7BA3-C592-3A02-7B7A-5E5E75CCC7D4}"/>
+              </a:ext>
+            </a:extLst>
+          </p:cNvPr>
+          <p:cNvSpPr/>
+          <p:nvPr/>
+        </p:nvSpPr>
+        <p:spPr>
+          <a:xfrm>
+            <a:off x="2058931" y="4318975"/>
+            <a:ext cx="196645" cy="186813"/>
+          </a:xfrm>
+          <a:prstGeom prst="flowChartConnector">
+            <a:avLst/>
+          </a:prstGeom>
+        </p:spPr>
+        <p:style>
+          <a:lnRef idx="2">
+            <a:schemeClr val="accent6"/>
+          </a:lnRef>
+          <a:fillRef idx="1">
+            <a:schemeClr val="lt1"/>
+          </a:fillRef>
+          <a:effectRef idx="0">
+            <a:schemeClr val="accent6"/>
+          </a:effectRef>
+          <a:fontRef idx="minor">
+            <a:schemeClr val="dk1"/>
+          </a:fontRef>
+        </p:style>
+        <p:txBody>
+          <a:bodyPr rtlCol="0" anchor="ctr"/>
+          <a:lstStyle/>
+          <a:p>
+            <a:pPr algn="ctr"/>
+            <a:endParaRPr lang="en-US"/>
+          </a:p>
+        </p:txBody>
+      </p:sp>
+      <p:cxnSp>
+        <p:nvCxnSpPr>
+          <p:cNvPr id="12" name="Straight Connector 11">
+            <a:extLst>
+              <a:ext uri="{FF2B5EF4-FFF2-40B4-BE49-F238E27FC236}">
+                <a16:creationId xmlns:a16="http://schemas.microsoft.com/office/drawing/2014/main" id="{968FB164-3B5B-EE2A-49E5-A68A78E2D085}"/>
+              </a:ext>
+            </a:extLst>
+          </p:cNvPr>
+          <p:cNvCxnSpPr>
+            <a:stCxn id="9" idx="4"/>
+          </p:cNvCxnSpPr>
+          <p:nvPr/>
+        </p:nvCxnSpPr>
+        <p:spPr>
+          <a:xfrm>
+            <a:off x="2157254" y="4505788"/>
+            <a:ext cx="0" cy="403123"/>
+          </a:xfrm>
+          <a:prstGeom prst="line">
+            <a:avLst/>
+          </a:prstGeom>
+        </p:spPr>
+        <p:style>
+          <a:lnRef idx="2">
+            <a:schemeClr val="accent1"/>
+          </a:lnRef>
+          <a:fillRef idx="0">
+            <a:schemeClr val="accent1"/>
+          </a:fillRef>
+          <a:effectRef idx="1">
+            <a:schemeClr val="accent1"/>
+          </a:effectRef>
+          <a:fontRef idx="minor">
+            <a:schemeClr val="tx1"/>
+          </a:fontRef>
+        </p:style>
+      </p:cxnSp>
+      <p:cxnSp>
+        <p:nvCxnSpPr>
+          <p:cNvPr id="13" name="Straight Connector 12">
+            <a:extLst>
+              <a:ext uri="{FF2B5EF4-FFF2-40B4-BE49-F238E27FC236}">
+                <a16:creationId xmlns:a16="http://schemas.microsoft.com/office/drawing/2014/main" id="{50601F7E-783D-1909-9B89-8D98A45C3AFF}"/>
+              </a:ext>
+            </a:extLst>
+          </p:cNvPr>
+          <p:cNvCxnSpPr>
+            <a:cxnSpLocks/>
+          </p:cNvCxnSpPr>
+          <p:nvPr/>
+        </p:nvCxnSpPr>
+        <p:spPr>
+          <a:xfrm>
+            <a:off x="2157254" y="4633608"/>
+            <a:ext cx="196645" cy="0"/>
+          </a:xfrm>
+          <a:prstGeom prst="line">
+            <a:avLst/>
+          </a:prstGeom>
+        </p:spPr>
+        <p:style>
+          <a:lnRef idx="2">
+            <a:schemeClr val="accent1"/>
+          </a:lnRef>
+          <a:fillRef idx="0">
+            <a:schemeClr val="accent1"/>
+          </a:fillRef>
+          <a:effectRef idx="1">
+            <a:schemeClr val="accent1"/>
+          </a:effectRef>
+          <a:fontRef idx="minor">
+            <a:schemeClr val="tx1"/>
+          </a:fontRef>
+        </p:style>
+      </p:cxnSp>
+      <p:cxnSp>
+        <p:nvCxnSpPr>
+          <p:cNvPr id="15" name="Straight Connector 14">
+            <a:extLst>
+              <a:ext uri="{FF2B5EF4-FFF2-40B4-BE49-F238E27FC236}">
+                <a16:creationId xmlns:a16="http://schemas.microsoft.com/office/drawing/2014/main" id="{3368152A-D70B-D6B1-6F0B-A98FA1504051}"/>
+              </a:ext>
+            </a:extLst>
+          </p:cNvPr>
+          <p:cNvCxnSpPr>
+            <a:cxnSpLocks/>
+          </p:cNvCxnSpPr>
+          <p:nvPr/>
+        </p:nvCxnSpPr>
+        <p:spPr>
+          <a:xfrm flipH="1">
+            <a:off x="1980273" y="4633608"/>
+            <a:ext cx="152400" cy="0"/>
+          </a:xfrm>
+          <a:prstGeom prst="line">
+            <a:avLst/>
+          </a:prstGeom>
+        </p:spPr>
+        <p:style>
+          <a:lnRef idx="2">
+            <a:schemeClr val="accent1"/>
+          </a:lnRef>
+          <a:fillRef idx="0">
+            <a:schemeClr val="accent1"/>
+          </a:fillRef>
+          <a:effectRef idx="1">
+            <a:schemeClr val="accent1"/>
+          </a:effectRef>
+          <a:fontRef idx="minor">
+            <a:schemeClr val="tx1"/>
+          </a:fontRef>
+        </p:style>
+      </p:cxnSp>
+      <p:cxnSp>
+        <p:nvCxnSpPr>
+          <p:cNvPr id="17" name="Straight Connector 16">
+            <a:extLst>
+              <a:ext uri="{FF2B5EF4-FFF2-40B4-BE49-F238E27FC236}">
+                <a16:creationId xmlns:a16="http://schemas.microsoft.com/office/drawing/2014/main" id="{71763B53-EBB7-56A5-C2CC-2CF716881FD1}"/>
+              </a:ext>
+            </a:extLst>
+          </p:cNvPr>
+          <p:cNvCxnSpPr/>
+          <p:nvPr/>
+        </p:nvCxnSpPr>
+        <p:spPr>
+          <a:xfrm flipH="1">
+            <a:off x="2000765" y="4888823"/>
+            <a:ext cx="152400" cy="137652"/>
+          </a:xfrm>
+          <a:prstGeom prst="line">
+            <a:avLst/>
+          </a:prstGeom>
+        </p:spPr>
+        <p:style>
+          <a:lnRef idx="2">
+            <a:schemeClr val="accent1"/>
+          </a:lnRef>
+          <a:fillRef idx="0">
+            <a:schemeClr val="accent1"/>
+          </a:fillRef>
+          <a:effectRef idx="1">
+            <a:schemeClr val="accent1"/>
+          </a:effectRef>
+          <a:fontRef idx="minor">
+            <a:schemeClr val="tx1"/>
+          </a:fontRef>
+        </p:style>
+      </p:cxnSp>
+      <p:cxnSp>
+        <p:nvCxnSpPr>
+          <p:cNvPr id="18" name="Straight Connector 17">
+            <a:extLst>
+              <a:ext uri="{FF2B5EF4-FFF2-40B4-BE49-F238E27FC236}">
+                <a16:creationId xmlns:a16="http://schemas.microsoft.com/office/drawing/2014/main" id="{97171CFB-CBB5-6D59-5249-7C789EAB9457}"/>
+              </a:ext>
+            </a:extLst>
+          </p:cNvPr>
+          <p:cNvCxnSpPr/>
+          <p:nvPr/>
+        </p:nvCxnSpPr>
+        <p:spPr>
+          <a:xfrm>
+            <a:off x="2140874" y="4898640"/>
+            <a:ext cx="221227" cy="137651"/>
+          </a:xfrm>
+          <a:prstGeom prst="line">
+            <a:avLst/>
+          </a:prstGeom>
+        </p:spPr>
+        <p:style>
+          <a:lnRef idx="2">
+            <a:schemeClr val="accent1"/>
+          </a:lnRef>
+          <a:fillRef idx="0">
+            <a:schemeClr val="accent1"/>
+          </a:fillRef>
+          <a:effectRef idx="1">
+            <a:schemeClr val="accent1"/>
+          </a:effectRef>
+          <a:fontRef idx="minor">
+            <a:schemeClr val="tx1"/>
+          </a:fontRef>
+        </p:style>
+      </p:cxnSp>
+      <p:cxnSp>
+        <p:nvCxnSpPr>
+          <p:cNvPr id="20" name="Straight Arrow Connector 19">
+            <a:extLst>
+              <a:ext uri="{FF2B5EF4-FFF2-40B4-BE49-F238E27FC236}">
+                <a16:creationId xmlns:a16="http://schemas.microsoft.com/office/drawing/2014/main" id="{FC1A5612-C235-D76C-04AD-B2D262369C03}"/>
+              </a:ext>
+            </a:extLst>
+          </p:cNvPr>
+          <p:cNvCxnSpPr>
+            <a:cxnSpLocks/>
+            <a:stCxn id="9" idx="0"/>
+          </p:cNvCxnSpPr>
+          <p:nvPr/>
+        </p:nvCxnSpPr>
+        <p:spPr>
+          <a:xfrm flipH="1" flipV="1">
+            <a:off x="1662658" y="3386115"/>
+            <a:ext cx="494596" cy="932860"/>
+          </a:xfrm>
+          <a:prstGeom prst="straightConnector1">
+            <a:avLst/>
+          </a:prstGeom>
+          <a:ln>
+            <a:tailEnd type="triangle"/>
+          </a:ln>
+        </p:spPr>
+        <p:style>
+          <a:lnRef idx="2">
+            <a:schemeClr val="accent1"/>
+          </a:lnRef>
+          <a:fillRef idx="0">
+            <a:schemeClr val="accent1"/>
+          </a:fillRef>
+          <a:effectRef idx="1">
+            <a:schemeClr val="accent1"/>
+          </a:effectRef>
+          <a:fontRef idx="minor">
+            <a:schemeClr val="tx1"/>
+          </a:fontRef>
+        </p:style>
+      </p:cxnSp>
+      <p:sp>
+        <p:nvSpPr>
+          <p:cNvPr id="26" name="TextBox 25">
+            <a:extLst>
+              <a:ext uri="{FF2B5EF4-FFF2-40B4-BE49-F238E27FC236}">
+                <a16:creationId xmlns:a16="http://schemas.microsoft.com/office/drawing/2014/main" id="{4D4C970E-1BFB-C012-EBD9-9D2C379ACEB3}"/>
+              </a:ext>
+            </a:extLst>
+          </p:cNvPr>
+          <p:cNvSpPr txBox="1"/>
+          <p:nvPr/>
+        </p:nvSpPr>
+        <p:spPr>
+          <a:xfrm>
+            <a:off x="578374" y="3107764"/>
+            <a:ext cx="1445973" cy="307777"/>
+          </a:xfrm>
+          <a:prstGeom prst="rect">
+            <a:avLst/>
+          </a:prstGeom>
+          <a:noFill/>
+        </p:spPr>
+        <p:txBody>
+          <a:bodyPr wrap="none" rtlCol="0">
+            <a:spAutoFit/>
+          </a:bodyPr>
+          <a:lstStyle/>
+          <a:p>
+            <a:r>
+              <a:rPr lang="vi-VN" sz="1400" dirty="0">
+                <a:latin typeface="Times New Roman" panose="02020603050405020304" pitchFamily="18" charset="0"/>
+                <a:cs typeface="Times New Roman" panose="02020603050405020304" pitchFamily="18" charset="0"/>
+              </a:rPr>
+              <a:t>(Abstract) Admin</a:t>
+            </a:r>
+            <a:endParaRPr lang="en-US" sz="1400" dirty="0">
+              <a:latin typeface="Times New Roman" panose="02020603050405020304" pitchFamily="18" charset="0"/>
+              <a:cs typeface="Times New Roman" panose="02020603050405020304" pitchFamily="18" charset="0"/>
+            </a:endParaRPr>
+          </a:p>
+        </p:txBody>
+      </p:sp>
     </p:spTree>
     <p:extLst>
       <p:ext uri="{BB962C8B-B14F-4D97-AF65-F5344CB8AC3E}">
@@ -5993,23 +6312,6 @@
 </file>
 
 <file path=customXml/item1.xml><?xml version="1.0" encoding="utf-8"?>
-<p:properties xmlns:p="http://schemas.microsoft.com/office/2006/metadata/properties" xmlns:xsi="http://www.w3.org/2001/XMLSchema-instance" xmlns:pc="http://schemas.microsoft.com/office/infopath/2007/PartnerControls">
-  <documentManagement>
-    <_activity xmlns="c80d803b-ee30-4cf1-8997-d5dbef288d47" xsi:nil="true"/>
-  </documentManagement>
-</p:properties>
-</file>
-
-<file path=customXml/item2.xml><?xml version="1.0" encoding="utf-8"?>
-<?mso-contentType ?>
-<FormTemplates xmlns="http://schemas.microsoft.com/sharepoint/v3/contenttype/forms">
-  <Display>DocumentLibraryForm</Display>
-  <Edit>DocumentLibraryForm</Edit>
-  <New>DocumentLibraryForm</New>
-</FormTemplates>
-</file>
-
-<file path=customXml/item3.xml><?xml version="1.0" encoding="utf-8"?>
 <ct:contentTypeSchema xmlns:ct="http://schemas.microsoft.com/office/2006/metadata/contentType" xmlns:ma="http://schemas.microsoft.com/office/2006/metadata/properties/metaAttributes" ct:_="" ma:_="" ma:contentTypeName="Document" ma:contentTypeID="0x01010091885E8D135CD643938305DEC3E1B53E" ma:contentTypeVersion="15" ma:contentTypeDescription="Create a new document." ma:contentTypeScope="" ma:versionID="a6814ea74d3fb77b5ad977a3843b2846">
   <xsd:schema xmlns:xsd="http://www.w3.org/2001/XMLSchema" xmlns:xs="http://www.w3.org/2001/XMLSchema" xmlns:p="http://schemas.microsoft.com/office/2006/metadata/properties" xmlns:ns3="c80d803b-ee30-4cf1-8997-d5dbef288d47" xmlns:ns4="1c1e4822-5b82-4cb4-a39e-28e929ec74cb" targetNamespace="http://schemas.microsoft.com/office/2006/metadata/properties" ma:root="true" ma:fieldsID="20e89a6ac46c5aeb3e918dc78faa7076" ns3:_="" ns4:_="">
     <xsd:import namespace="c80d803b-ee30-4cf1-8997-d5dbef288d47"/>
@@ -6242,32 +6544,24 @@
 </ct:contentTypeSchema>
 </file>
 
-<file path=customXml/itemProps1.xml><?xml version="1.0" encoding="utf-8"?>
-<ds:datastoreItem xmlns:ds="http://schemas.openxmlformats.org/officeDocument/2006/customXml" ds:itemID="{62708EBF-A450-4275-BE92-5350CCD7E3D8}">
-  <ds:schemaRefs>
-    <ds:schemaRef ds:uri="http://schemas.microsoft.com/office/2006/documentManagement/types"/>
-    <ds:schemaRef ds:uri="http://purl.org/dc/dcmitype/"/>
-    <ds:schemaRef ds:uri="http://purl.org/dc/elements/1.1/"/>
-    <ds:schemaRef ds:uri="http://schemas.microsoft.com/office/infopath/2007/PartnerControls"/>
-    <ds:schemaRef ds:uri="http://schemas.openxmlformats.org/package/2006/metadata/core-properties"/>
-    <ds:schemaRef ds:uri="http://www.w3.org/XML/1998/namespace"/>
-    <ds:schemaRef ds:uri="1c1e4822-5b82-4cb4-a39e-28e929ec74cb"/>
-    <ds:schemaRef ds:uri="c80d803b-ee30-4cf1-8997-d5dbef288d47"/>
-    <ds:schemaRef ds:uri="http://schemas.microsoft.com/office/2006/metadata/properties"/>
-    <ds:schemaRef ds:uri="http://purl.org/dc/terms/"/>
-  </ds:schemaRefs>
-</ds:datastoreItem>
+<file path=customXml/item2.xml><?xml version="1.0" encoding="utf-8"?>
+<?mso-contentType ?>
+<FormTemplates xmlns="http://schemas.microsoft.com/sharepoint/v3/contenttype/forms">
+  <Display>DocumentLibraryForm</Display>
+  <Edit>DocumentLibraryForm</Edit>
+  <New>DocumentLibraryForm</New>
+</FormTemplates>
 </file>
 
-<file path=customXml/itemProps2.xml><?xml version="1.0" encoding="utf-8"?>
-<ds:datastoreItem xmlns:ds="http://schemas.openxmlformats.org/officeDocument/2006/customXml" ds:itemID="{CC0F71D0-B456-499C-9723-E5E42E4AD08D}">
-  <ds:schemaRefs>
-    <ds:schemaRef ds:uri="http://schemas.microsoft.com/sharepoint/v3/contenttype/forms"/>
-  </ds:schemaRefs>
-</ds:datastoreItem>
+<file path=customXml/item3.xml><?xml version="1.0" encoding="utf-8"?>
+<p:properties xmlns:p="http://schemas.microsoft.com/office/2006/metadata/properties" xmlns:xsi="http://www.w3.org/2001/XMLSchema-instance" xmlns:pc="http://schemas.microsoft.com/office/infopath/2007/PartnerControls">
+  <documentManagement>
+    <_activity xmlns="c80d803b-ee30-4cf1-8997-d5dbef288d47" xsi:nil="true"/>
+  </documentManagement>
+</p:properties>
 </file>
 
-<file path=customXml/itemProps3.xml><?xml version="1.0" encoding="utf-8"?>
+<file path=customXml/itemProps1.xml><?xml version="1.0" encoding="utf-8"?>
 <ds:datastoreItem xmlns:ds="http://schemas.openxmlformats.org/officeDocument/2006/customXml" ds:itemID="{E7720A69-3D9A-4641-9490-F8E3EC0921C6}">
   <ds:schemaRefs>
     <ds:schemaRef ds:uri="http://schemas.microsoft.com/office/2006/metadata/contentType"/>
@@ -6284,4 +6578,29 @@
     <ds:schemaRef ds:uri="http://schemas.microsoft.com/internal/obd"/>
   </ds:schemaRefs>
 </ds:datastoreItem>
+</file>
+
+<file path=customXml/itemProps2.xml><?xml version="1.0" encoding="utf-8"?>
+<ds:datastoreItem xmlns:ds="http://schemas.openxmlformats.org/officeDocument/2006/customXml" ds:itemID="{CC0F71D0-B456-499C-9723-E5E42E4AD08D}">
+  <ds:schemaRefs>
+    <ds:schemaRef ds:uri="http://schemas.microsoft.com/sharepoint/v3/contenttype/forms"/>
+  </ds:schemaRefs>
+</ds:datastoreItem>
+</file>
+
+<file path=customXml/itemProps3.xml><?xml version="1.0" encoding="utf-8"?>
+<ds:datastoreItem xmlns:ds="http://schemas.openxmlformats.org/officeDocument/2006/customXml" ds:itemID="{62708EBF-A450-4275-BE92-5350CCD7E3D8}">
+  <ds:schemaRefs>
+    <ds:schemaRef ds:uri="http://schemas.microsoft.com/office/2006/documentManagement/types"/>
+    <ds:schemaRef ds:uri="http://purl.org/dc/dcmitype/"/>
+    <ds:schemaRef ds:uri="http://purl.org/dc/elements/1.1/"/>
+    <ds:schemaRef ds:uri="http://schemas.microsoft.com/office/infopath/2007/PartnerControls"/>
+    <ds:schemaRef ds:uri="http://schemas.openxmlformats.org/package/2006/metadata/core-properties"/>
+    <ds:schemaRef ds:uri="http://www.w3.org/XML/1998/namespace"/>
+    <ds:schemaRef ds:uri="1c1e4822-5b82-4cb4-a39e-28e929ec74cb"/>
+    <ds:schemaRef ds:uri="c80d803b-ee30-4cf1-8997-d5dbef288d47"/>
+    <ds:schemaRef ds:uri="http://schemas.microsoft.com/office/2006/metadata/properties"/>
+    <ds:schemaRef ds:uri="http://purl.org/dc/terms/"/>
+  </ds:schemaRefs>
+</ds:datastoreItem>
 </file>
--- a/Use Case Diagram/UC_group.pptx
+++ b/Use Case Diagram/UC_group.pptx
@@ -267,7 +267,7 @@
           <a:p>
             <a:fld id="{5202C541-B2DD-4733-9C70-4F2EA2223365}" type="datetimeFigureOut">
               <a:rPr lang="en-US" smtClean="0"/>
-              <a:t>5/20/2025</a:t>
+              <a:t>5/21/2025</a:t>
             </a:fld>
             <a:endParaRPr lang="en-US"/>
           </a:p>
@@ -465,7 +465,7 @@
           <a:p>
             <a:fld id="{5202C541-B2DD-4733-9C70-4F2EA2223365}" type="datetimeFigureOut">
               <a:rPr lang="en-US" smtClean="0"/>
-              <a:t>5/20/2025</a:t>
+              <a:t>5/21/2025</a:t>
             </a:fld>
             <a:endParaRPr lang="en-US"/>
           </a:p>
@@ -673,7 +673,7 @@
           <a:p>
             <a:fld id="{5202C541-B2DD-4733-9C70-4F2EA2223365}" type="datetimeFigureOut">
               <a:rPr lang="en-US" smtClean="0"/>
-              <a:t>5/20/2025</a:t>
+              <a:t>5/21/2025</a:t>
             </a:fld>
             <a:endParaRPr lang="en-US"/>
           </a:p>
@@ -871,7 +871,7 @@
           <a:p>
             <a:fld id="{5202C541-B2DD-4733-9C70-4F2EA2223365}" type="datetimeFigureOut">
               <a:rPr lang="en-US" smtClean="0"/>
-              <a:t>5/20/2025</a:t>
+              <a:t>5/21/2025</a:t>
             </a:fld>
             <a:endParaRPr lang="en-US"/>
           </a:p>
@@ -1146,7 +1146,7 @@
           <a:p>
             <a:fld id="{5202C541-B2DD-4733-9C70-4F2EA2223365}" type="datetimeFigureOut">
               <a:rPr lang="en-US" smtClean="0"/>
-              <a:t>5/20/2025</a:t>
+              <a:t>5/21/2025</a:t>
             </a:fld>
             <a:endParaRPr lang="en-US"/>
           </a:p>
@@ -1411,7 +1411,7 @@
           <a:p>
             <a:fld id="{5202C541-B2DD-4733-9C70-4F2EA2223365}" type="datetimeFigureOut">
               <a:rPr lang="en-US" smtClean="0"/>
-              <a:t>5/20/2025</a:t>
+              <a:t>5/21/2025</a:t>
             </a:fld>
             <a:endParaRPr lang="en-US"/>
           </a:p>
@@ -1823,7 +1823,7 @@
           <a:p>
             <a:fld id="{5202C541-B2DD-4733-9C70-4F2EA2223365}" type="datetimeFigureOut">
               <a:rPr lang="en-US" smtClean="0"/>
-              <a:t>5/20/2025</a:t>
+              <a:t>5/21/2025</a:t>
             </a:fld>
             <a:endParaRPr lang="en-US"/>
           </a:p>
@@ -1964,7 +1964,7 @@
           <a:p>
             <a:fld id="{5202C541-B2DD-4733-9C70-4F2EA2223365}" type="datetimeFigureOut">
               <a:rPr lang="en-US" smtClean="0"/>
-              <a:t>5/20/2025</a:t>
+              <a:t>5/21/2025</a:t>
             </a:fld>
             <a:endParaRPr lang="en-US"/>
           </a:p>
@@ -2077,7 +2077,7 @@
           <a:p>
             <a:fld id="{5202C541-B2DD-4733-9C70-4F2EA2223365}" type="datetimeFigureOut">
               <a:rPr lang="en-US" smtClean="0"/>
-              <a:t>5/20/2025</a:t>
+              <a:t>5/21/2025</a:t>
             </a:fld>
             <a:endParaRPr lang="en-US"/>
           </a:p>
@@ -2388,7 +2388,7 @@
           <a:p>
             <a:fld id="{5202C541-B2DD-4733-9C70-4F2EA2223365}" type="datetimeFigureOut">
               <a:rPr lang="en-US" smtClean="0"/>
-              <a:t>5/20/2025</a:t>
+              <a:t>5/21/2025</a:t>
             </a:fld>
             <a:endParaRPr lang="en-US"/>
           </a:p>
@@ -2676,7 +2676,7 @@
           <a:p>
             <a:fld id="{5202C541-B2DD-4733-9C70-4F2EA2223365}" type="datetimeFigureOut">
               <a:rPr lang="en-US" smtClean="0"/>
-              <a:t>5/20/2025</a:t>
+              <a:t>5/21/2025</a:t>
             </a:fld>
             <a:endParaRPr lang="en-US"/>
           </a:p>
@@ -2917,7 +2917,7 @@
           <a:p>
             <a:fld id="{5202C541-B2DD-4733-9C70-4F2EA2223365}" type="datetimeFigureOut">
               <a:rPr lang="en-US" smtClean="0"/>
-              <a:t>5/20/2025</a:t>
+              <a:t>5/21/2025</a:t>
             </a:fld>
             <a:endParaRPr lang="en-US"/>
           </a:p>
@@ -4137,13 +4137,12 @@
           </p:cNvPr>
           <p:cNvCxnSpPr>
             <a:cxnSpLocks/>
-            <a:stCxn id="32" idx="7"/>
           </p:cNvCxnSpPr>
           <p:nvPr/>
         </p:nvCxnSpPr>
         <p:spPr>
           <a:xfrm flipV="1">
-            <a:off x="466802" y="3442460"/>
+            <a:off x="435058" y="3351192"/>
             <a:ext cx="471063" cy="871762"/>
           </a:xfrm>
           <a:prstGeom prst="straightConnector1">
@@ -4182,7 +4181,7 @@
         </p:nvSpPr>
         <p:spPr>
           <a:xfrm>
-            <a:off x="1589858" y="5029700"/>
+            <a:off x="-202482" y="5013012"/>
             <a:ext cx="1311300" cy="307777"/>
           </a:xfrm>
           <a:prstGeom prst="rect">
@@ -4197,7 +4196,7 @@
           <a:lstStyle/>
           <a:p>
             <a:r>
-              <a:rPr lang="vi-VN" sz="1400">
+              <a:rPr lang="vi-VN" sz="1400" dirty="0">
                 <a:latin typeface="Times New Roman" panose="02020603050405020304" pitchFamily="18" charset="0"/>
                 <a:cs typeface="Times New Roman" panose="02020603050405020304" pitchFamily="18" charset="0"/>
               </a:rPr>
@@ -4224,8 +4223,8 @@
         </p:nvSpPr>
         <p:spPr>
           <a:xfrm>
-            <a:off x="-91454" y="5109797"/>
-            <a:ext cx="987771" cy="307777"/>
+            <a:off x="1819989" y="5008954"/>
+            <a:ext cx="683200" cy="307777"/>
           </a:xfrm>
           <a:prstGeom prst="rect">
             <a:avLst/>
@@ -4243,7 +4242,7 @@
                 <a:latin typeface="Times New Roman" panose="02020603050405020304" pitchFamily="18" charset="0"/>
                 <a:cs typeface="Times New Roman" panose="02020603050405020304" pitchFamily="18" charset="0"/>
               </a:rPr>
-              <a:t>Chủ Group</a:t>
+              <a:t>Admin</a:t>
             </a:r>
             <a:endParaRPr lang="en-US" sz="1400" dirty="0">
               <a:latin typeface="Times New Roman" panose="02020603050405020304" pitchFamily="18" charset="0"/>
@@ -5951,8 +5950,8 @@
         </p:nvSpPr>
         <p:spPr>
           <a:xfrm>
-            <a:off x="578374" y="3107764"/>
-            <a:ext cx="1445973" cy="307777"/>
+            <a:off x="102318" y="3110192"/>
+            <a:ext cx="2095189" cy="307777"/>
           </a:xfrm>
           <a:prstGeom prst="rect">
             <a:avLst/>
@@ -5970,7 +5969,7 @@
                 <a:latin typeface="Times New Roman" panose="02020603050405020304" pitchFamily="18" charset="0"/>
                 <a:cs typeface="Times New Roman" panose="02020603050405020304" pitchFamily="18" charset="0"/>
               </a:rPr>
-              <a:t>(Abstract) Admin</a:t>
+              <a:t>(Abstract) Abstract_admin</a:t>
             </a:r>
             <a:endParaRPr lang="en-US" sz="1400" dirty="0">
               <a:latin typeface="Times New Roman" panose="02020603050405020304" pitchFamily="18" charset="0"/>
@@ -5979,6 +5978,47 @@
           </a:p>
         </p:txBody>
       </p:sp>
+      <p:cxnSp>
+        <p:nvCxnSpPr>
+          <p:cNvPr id="2" name="Straight Arrow Connector 1">
+            <a:extLst>
+              <a:ext uri="{FF2B5EF4-FFF2-40B4-BE49-F238E27FC236}">
+                <a16:creationId xmlns:a16="http://schemas.microsoft.com/office/drawing/2014/main" id="{FC8A0AD3-0A10-C71E-9787-AB0FCDFAEF2B}"/>
+              </a:ext>
+            </a:extLst>
+          </p:cNvPr>
+          <p:cNvCxnSpPr>
+            <a:cxnSpLocks/>
+          </p:cNvCxnSpPr>
+          <p:nvPr/>
+        </p:nvCxnSpPr>
+        <p:spPr>
+          <a:xfrm flipV="1">
+            <a:off x="1128498" y="1497156"/>
+            <a:ext cx="495645" cy="922391"/>
+          </a:xfrm>
+          <a:prstGeom prst="straightConnector1">
+            <a:avLst/>
+          </a:prstGeom>
+          <a:ln>
+            <a:tailEnd type="triangle"/>
+          </a:ln>
+        </p:spPr>
+        <p:style>
+          <a:lnRef idx="2">
+            <a:schemeClr val="accent1"/>
+          </a:lnRef>
+          <a:fillRef idx="0">
+            <a:schemeClr val="accent1"/>
+          </a:fillRef>
+          <a:effectRef idx="1">
+            <a:schemeClr val="accent1"/>
+          </a:effectRef>
+          <a:fontRef idx="minor">
+            <a:schemeClr val="tx1"/>
+          </a:fontRef>
+        </p:style>
+      </p:cxnSp>
     </p:spTree>
     <p:extLst>
       <p:ext uri="{BB962C8B-B14F-4D97-AF65-F5344CB8AC3E}">
@@ -6312,6 +6352,23 @@
 </file>
 
 <file path=customXml/item1.xml><?xml version="1.0" encoding="utf-8"?>
+<p:properties xmlns:p="http://schemas.microsoft.com/office/2006/metadata/properties" xmlns:xsi="http://www.w3.org/2001/XMLSchema-instance" xmlns:pc="http://schemas.microsoft.com/office/infopath/2007/PartnerControls">
+  <documentManagement>
+    <_activity xmlns="c80d803b-ee30-4cf1-8997-d5dbef288d47" xsi:nil="true"/>
+  </documentManagement>
+</p:properties>
+</file>
+
+<file path=customXml/item2.xml><?xml version="1.0" encoding="utf-8"?>
+<?mso-contentType ?>
+<FormTemplates xmlns="http://schemas.microsoft.com/sharepoint/v3/contenttype/forms">
+  <Display>DocumentLibraryForm</Display>
+  <Edit>DocumentLibraryForm</Edit>
+  <New>DocumentLibraryForm</New>
+</FormTemplates>
+</file>
+
+<file path=customXml/item3.xml><?xml version="1.0" encoding="utf-8"?>
 <ct:contentTypeSchema xmlns:ct="http://schemas.microsoft.com/office/2006/metadata/contentType" xmlns:ma="http://schemas.microsoft.com/office/2006/metadata/properties/metaAttributes" ct:_="" ma:_="" ma:contentTypeName="Document" ma:contentTypeID="0x01010091885E8D135CD643938305DEC3E1B53E" ma:contentTypeVersion="15" ma:contentTypeDescription="Create a new document." ma:contentTypeScope="" ma:versionID="a6814ea74d3fb77b5ad977a3843b2846">
   <xsd:schema xmlns:xsd="http://www.w3.org/2001/XMLSchema" xmlns:xs="http://www.w3.org/2001/XMLSchema" xmlns:p="http://schemas.microsoft.com/office/2006/metadata/properties" xmlns:ns3="c80d803b-ee30-4cf1-8997-d5dbef288d47" xmlns:ns4="1c1e4822-5b82-4cb4-a39e-28e929ec74cb" targetNamespace="http://schemas.microsoft.com/office/2006/metadata/properties" ma:root="true" ma:fieldsID="20e89a6ac46c5aeb3e918dc78faa7076" ns3:_="" ns4:_="">
     <xsd:import namespace="c80d803b-ee30-4cf1-8997-d5dbef288d47"/>
@@ -6544,24 +6601,32 @@
 </ct:contentTypeSchema>
 </file>
 
-<file path=customXml/item2.xml><?xml version="1.0" encoding="utf-8"?>
-<?mso-contentType ?>
-<FormTemplates xmlns="http://schemas.microsoft.com/sharepoint/v3/contenttype/forms">
-  <Display>DocumentLibraryForm</Display>
-  <Edit>DocumentLibraryForm</Edit>
-  <New>DocumentLibraryForm</New>
-</FormTemplates>
+<file path=customXml/itemProps1.xml><?xml version="1.0" encoding="utf-8"?>
+<ds:datastoreItem xmlns:ds="http://schemas.openxmlformats.org/officeDocument/2006/customXml" ds:itemID="{62708EBF-A450-4275-BE92-5350CCD7E3D8}">
+  <ds:schemaRefs>
+    <ds:schemaRef ds:uri="http://schemas.microsoft.com/office/2006/documentManagement/types"/>
+    <ds:schemaRef ds:uri="http://purl.org/dc/dcmitype/"/>
+    <ds:schemaRef ds:uri="http://purl.org/dc/elements/1.1/"/>
+    <ds:schemaRef ds:uri="http://schemas.microsoft.com/office/infopath/2007/PartnerControls"/>
+    <ds:schemaRef ds:uri="http://schemas.openxmlformats.org/package/2006/metadata/core-properties"/>
+    <ds:schemaRef ds:uri="http://www.w3.org/XML/1998/namespace"/>
+    <ds:schemaRef ds:uri="1c1e4822-5b82-4cb4-a39e-28e929ec74cb"/>
+    <ds:schemaRef ds:uri="c80d803b-ee30-4cf1-8997-d5dbef288d47"/>
+    <ds:schemaRef ds:uri="http://schemas.microsoft.com/office/2006/metadata/properties"/>
+    <ds:schemaRef ds:uri="http://purl.org/dc/terms/"/>
+  </ds:schemaRefs>
+</ds:datastoreItem>
 </file>
 
-<file path=customXml/item3.xml><?xml version="1.0" encoding="utf-8"?>
-<p:properties xmlns:p="http://schemas.microsoft.com/office/2006/metadata/properties" xmlns:xsi="http://www.w3.org/2001/XMLSchema-instance" xmlns:pc="http://schemas.microsoft.com/office/infopath/2007/PartnerControls">
-  <documentManagement>
-    <_activity xmlns="c80d803b-ee30-4cf1-8997-d5dbef288d47" xsi:nil="true"/>
-  </documentManagement>
-</p:properties>
+<file path=customXml/itemProps2.xml><?xml version="1.0" encoding="utf-8"?>
+<ds:datastoreItem xmlns:ds="http://schemas.openxmlformats.org/officeDocument/2006/customXml" ds:itemID="{CC0F71D0-B456-499C-9723-E5E42E4AD08D}">
+  <ds:schemaRefs>
+    <ds:schemaRef ds:uri="http://schemas.microsoft.com/sharepoint/v3/contenttype/forms"/>
+  </ds:schemaRefs>
+</ds:datastoreItem>
 </file>
 
-<file path=customXml/itemProps1.xml><?xml version="1.0" encoding="utf-8"?>
+<file path=customXml/itemProps3.xml><?xml version="1.0" encoding="utf-8"?>
 <ds:datastoreItem xmlns:ds="http://schemas.openxmlformats.org/officeDocument/2006/customXml" ds:itemID="{E7720A69-3D9A-4641-9490-F8E3EC0921C6}">
   <ds:schemaRefs>
     <ds:schemaRef ds:uri="http://schemas.microsoft.com/office/2006/metadata/contentType"/>
@@ -6578,29 +6643,4 @@
     <ds:schemaRef ds:uri="http://schemas.microsoft.com/internal/obd"/>
   </ds:schemaRefs>
 </ds:datastoreItem>
-</file>
-
-<file path=customXml/itemProps2.xml><?xml version="1.0" encoding="utf-8"?>
-<ds:datastoreItem xmlns:ds="http://schemas.openxmlformats.org/officeDocument/2006/customXml" ds:itemID="{CC0F71D0-B456-499C-9723-E5E42E4AD08D}">
-  <ds:schemaRefs>
-    <ds:schemaRef ds:uri="http://schemas.microsoft.com/sharepoint/v3/contenttype/forms"/>
-  </ds:schemaRefs>
-</ds:datastoreItem>
-</file>
-
-<file path=customXml/itemProps3.xml><?xml version="1.0" encoding="utf-8"?>
-<ds:datastoreItem xmlns:ds="http://schemas.openxmlformats.org/officeDocument/2006/customXml" ds:itemID="{62708EBF-A450-4275-BE92-5350CCD7E3D8}">
-  <ds:schemaRefs>
-    <ds:schemaRef ds:uri="http://schemas.microsoft.com/office/2006/documentManagement/types"/>
-    <ds:schemaRef ds:uri="http://purl.org/dc/dcmitype/"/>
-    <ds:schemaRef ds:uri="http://purl.org/dc/elements/1.1/"/>
-    <ds:schemaRef ds:uri="http://schemas.microsoft.com/office/infopath/2007/PartnerControls"/>
-    <ds:schemaRef ds:uri="http://schemas.openxmlformats.org/package/2006/metadata/core-properties"/>
-    <ds:schemaRef ds:uri="http://www.w3.org/XML/1998/namespace"/>
-    <ds:schemaRef ds:uri="1c1e4822-5b82-4cb4-a39e-28e929ec74cb"/>
-    <ds:schemaRef ds:uri="c80d803b-ee30-4cf1-8997-d5dbef288d47"/>
-    <ds:schemaRef ds:uri="http://schemas.microsoft.com/office/2006/metadata/properties"/>
-    <ds:schemaRef ds:uri="http://purl.org/dc/terms/"/>
-  </ds:schemaRefs>
-</ds:datastoreItem>
 </file>
--- a/Use Case Diagram/UC_group.pptx
+++ b/Use Case Diagram/UC_group.pptx
@@ -4181,7 +4181,7 @@
         </p:nvSpPr>
         <p:spPr>
           <a:xfrm>
-            <a:off x="-202482" y="5013012"/>
+            <a:off x="-66254" y="5053067"/>
             <a:ext cx="1311300" cy="307777"/>
           </a:xfrm>
           <a:prstGeom prst="rect">
@@ -6352,20 +6352,20 @@
 </file>
 
 <file path=customXml/item1.xml><?xml version="1.0" encoding="utf-8"?>
-<p:properties xmlns:p="http://schemas.microsoft.com/office/2006/metadata/properties" xmlns:xsi="http://www.w3.org/2001/XMLSchema-instance" xmlns:pc="http://schemas.microsoft.com/office/infopath/2007/PartnerControls">
-  <documentManagement>
-    <_activity xmlns="c80d803b-ee30-4cf1-8997-d5dbef288d47" xsi:nil="true"/>
-  </documentManagement>
-</p:properties>
-</file>
-
-<file path=customXml/item2.xml><?xml version="1.0" encoding="utf-8"?>
 <?mso-contentType ?>
 <FormTemplates xmlns="http://schemas.microsoft.com/sharepoint/v3/contenttype/forms">
   <Display>DocumentLibraryForm</Display>
   <Edit>DocumentLibraryForm</Edit>
   <New>DocumentLibraryForm</New>
 </FormTemplates>
+</file>
+
+<file path=customXml/item2.xml><?xml version="1.0" encoding="utf-8"?>
+<p:properties xmlns:p="http://schemas.microsoft.com/office/2006/metadata/properties" xmlns:xsi="http://www.w3.org/2001/XMLSchema-instance" xmlns:pc="http://schemas.microsoft.com/office/infopath/2007/PartnerControls">
+  <documentManagement>
+    <_activity xmlns="c80d803b-ee30-4cf1-8997-d5dbef288d47" xsi:nil="true"/>
+  </documentManagement>
+</p:properties>
 </file>
 
 <file path=customXml/item3.xml><?xml version="1.0" encoding="utf-8"?>
@@ -6602,6 +6602,14 @@
 </file>
 
 <file path=customXml/itemProps1.xml><?xml version="1.0" encoding="utf-8"?>
+<ds:datastoreItem xmlns:ds="http://schemas.openxmlformats.org/officeDocument/2006/customXml" ds:itemID="{CC0F71D0-B456-499C-9723-E5E42E4AD08D}">
+  <ds:schemaRefs>
+    <ds:schemaRef ds:uri="http://schemas.microsoft.com/sharepoint/v3/contenttype/forms"/>
+  </ds:schemaRefs>
+</ds:datastoreItem>
+</file>
+
+<file path=customXml/itemProps2.xml><?xml version="1.0" encoding="utf-8"?>
 <ds:datastoreItem xmlns:ds="http://schemas.openxmlformats.org/officeDocument/2006/customXml" ds:itemID="{62708EBF-A450-4275-BE92-5350CCD7E3D8}">
   <ds:schemaRefs>
     <ds:schemaRef ds:uri="http://schemas.microsoft.com/office/2006/documentManagement/types"/>
@@ -6614,14 +6622,6 @@
     <ds:schemaRef ds:uri="c80d803b-ee30-4cf1-8997-d5dbef288d47"/>
     <ds:schemaRef ds:uri="http://schemas.microsoft.com/office/2006/metadata/properties"/>
     <ds:schemaRef ds:uri="http://purl.org/dc/terms/"/>
-  </ds:schemaRefs>
-</ds:datastoreItem>
-</file>
-
-<file path=customXml/itemProps2.xml><?xml version="1.0" encoding="utf-8"?>
-<ds:datastoreItem xmlns:ds="http://schemas.openxmlformats.org/officeDocument/2006/customXml" ds:itemID="{CC0F71D0-B456-499C-9723-E5E42E4AD08D}">
-  <ds:schemaRefs>
-    <ds:schemaRef ds:uri="http://schemas.microsoft.com/sharepoint/v3/contenttype/forms"/>
   </ds:schemaRefs>
 </ds:datastoreItem>
 </file>
